--- a/DataStructuresAndAlgorithms/Lecture 04 - Trees/Aula 04 - Trees.pptx
+++ b/DataStructuresAndAlgorithms/Lecture 04 - Trees/Aula 04 - Trees.pptx
@@ -41,36 +41,37 @@
     <p:sldMasterId id="2147483720" r:id="rId38"/>
     <p:sldMasterId id="2147483722" r:id="rId39"/>
     <p:sldMasterId id="2147483724" r:id="rId40"/>
+    <p:sldMasterId id="2147483726" r:id="rId41"/>
   </p:sldMasterIdLst>
   <p:notesMasterIdLst>
-    <p:notesMasterId r:id="rId41"/>
+    <p:notesMasterId r:id="rId42"/>
   </p:notesMasterIdLst>
   <p:sldIdLst>
-    <p:sldId id="256" r:id="rId42"/>
-    <p:sldId id="257" r:id="rId43"/>
-    <p:sldId id="258" r:id="rId44"/>
-    <p:sldId id="259" r:id="rId45"/>
-    <p:sldId id="260" r:id="rId46"/>
-    <p:sldId id="261" r:id="rId47"/>
-    <p:sldId id="262" r:id="rId48"/>
-    <p:sldId id="263" r:id="rId49"/>
-    <p:sldId id="264" r:id="rId50"/>
-    <p:sldId id="265" r:id="rId51"/>
-    <p:sldId id="266" r:id="rId52"/>
-    <p:sldId id="267" r:id="rId53"/>
-    <p:sldId id="268" r:id="rId54"/>
-    <p:sldId id="269" r:id="rId55"/>
-    <p:sldId id="270" r:id="rId56"/>
-    <p:sldId id="271" r:id="rId57"/>
-    <p:sldId id="272" r:id="rId58"/>
-    <p:sldId id="273" r:id="rId59"/>
-    <p:sldId id="274" r:id="rId60"/>
-    <p:sldId id="275" r:id="rId61"/>
-    <p:sldId id="276" r:id="rId62"/>
-    <p:sldId id="277" r:id="rId63"/>
-    <p:sldId id="278" r:id="rId64"/>
-    <p:sldId id="279" r:id="rId65"/>
-    <p:sldId id="280" r:id="rId66"/>
+    <p:sldId id="256" r:id="rId43"/>
+    <p:sldId id="257" r:id="rId44"/>
+    <p:sldId id="258" r:id="rId45"/>
+    <p:sldId id="259" r:id="rId46"/>
+    <p:sldId id="260" r:id="rId47"/>
+    <p:sldId id="261" r:id="rId48"/>
+    <p:sldId id="262" r:id="rId49"/>
+    <p:sldId id="263" r:id="rId50"/>
+    <p:sldId id="264" r:id="rId51"/>
+    <p:sldId id="265" r:id="rId52"/>
+    <p:sldId id="266" r:id="rId53"/>
+    <p:sldId id="267" r:id="rId54"/>
+    <p:sldId id="268" r:id="rId55"/>
+    <p:sldId id="269" r:id="rId56"/>
+    <p:sldId id="270" r:id="rId57"/>
+    <p:sldId id="271" r:id="rId58"/>
+    <p:sldId id="272" r:id="rId59"/>
+    <p:sldId id="273" r:id="rId60"/>
+    <p:sldId id="274" r:id="rId61"/>
+    <p:sldId id="275" r:id="rId62"/>
+    <p:sldId id="276" r:id="rId63"/>
+    <p:sldId id="277" r:id="rId64"/>
+    <p:sldId id="278" r:id="rId65"/>
+    <p:sldId id="279" r:id="rId66"/>
+    <p:sldId id="280" r:id="rId67"/>
   </p:sldIdLst>
   <p:sldSz cx="10080625" cy="7559675"/>
   <p:notesSz cx="7559675" cy="10691813"/>
@@ -96,7 +97,7 @@
       </p:grpSpPr>
       <p:sp>
         <p:nvSpPr>
-          <p:cNvPr id="258" name="PlaceHolder 1"/>
+          <p:cNvPr id="262" name="PlaceHolder 1"/>
           <p:cNvSpPr>
             <a:spLocks noGrp="1"/>
           </p:cNvSpPr>
@@ -143,7 +144,7 @@
       </p:sp>
       <p:sp>
         <p:nvSpPr>
-          <p:cNvPr id="259" name="PlaceHolder 2"/>
+          <p:cNvPr id="263" name="PlaceHolder 2"/>
           <p:cNvSpPr>
             <a:spLocks noGrp="1"/>
           </p:cNvSpPr>
@@ -192,7 +193,7 @@
       </p:sp>
       <p:sp>
         <p:nvSpPr>
-          <p:cNvPr id="260" name="PlaceHolder 3"/>
+          <p:cNvPr id="264" name="PlaceHolder 3"/>
           <p:cNvSpPr>
             <a:spLocks noGrp="1"/>
           </p:cNvSpPr>
@@ -241,7 +242,7 @@
       </p:sp>
       <p:sp>
         <p:nvSpPr>
-          <p:cNvPr id="261" name="PlaceHolder 4"/>
+          <p:cNvPr id="265" name="PlaceHolder 4"/>
           <p:cNvSpPr>
             <a:spLocks noGrp="1"/>
           </p:cNvSpPr>
@@ -301,7 +302,7 @@
       </p:sp>
       <p:sp>
         <p:nvSpPr>
-          <p:cNvPr id="262" name="PlaceHolder 5"/>
+          <p:cNvPr id="266" name="PlaceHolder 5"/>
           <p:cNvSpPr>
             <a:spLocks noGrp="1"/>
           </p:cNvSpPr>
@@ -361,7 +362,7 @@
       </p:sp>
       <p:sp>
         <p:nvSpPr>
-          <p:cNvPr id="263" name="PlaceHolder 6"/>
+          <p:cNvPr id="267" name="PlaceHolder 6"/>
           <p:cNvSpPr>
             <a:spLocks noGrp="1"/>
           </p:cNvSpPr>
@@ -401,7 +402,7 @@
             <a:pPr indent="0" algn="r">
               <a:buNone/>
             </a:pPr>
-            <a:fld id="{B2A3686D-3DB2-4303-AB4C-FBF0C1C087B7}" type="slidenum">
+            <a:fld id="{C2EBD13B-1112-487A-A61F-7A6652F9DB44}" type="slidenum">
               <a:rPr b="0" lang="en-US" sz="1400" spc="-1" strike="noStrike">
                 <a:solidFill>
                   <a:srgbClr val="000000"/>
@@ -444,7 +445,7 @@
       </p:grpSpPr>
       <p:sp>
         <p:nvSpPr>
-          <p:cNvPr id="406" name="PlaceHolder 1"/>
+          <p:cNvPr id="411" name="PlaceHolder 1"/>
           <p:cNvSpPr>
             <a:spLocks noGrp="1"/>
           </p:cNvSpPr>
@@ -455,7 +456,7 @@
         <p:spPr>
           <a:xfrm>
             <a:off x="1376280" y="1336680"/>
-            <a:ext cx="4800240" cy="3600360"/>
+            <a:ext cx="4799520" cy="3599640"/>
           </a:xfrm>
           <a:prstGeom prst="rect">
             <a:avLst/>
@@ -467,7 +468,7 @@
       </p:sp>
       <p:sp>
         <p:nvSpPr>
-          <p:cNvPr id="407" name="PlaceHolder 2"/>
+          <p:cNvPr id="412" name="PlaceHolder 2"/>
           <p:cNvSpPr>
             <a:spLocks noGrp="1"/>
           </p:cNvSpPr>
@@ -478,7 +479,7 @@
         <p:spPr>
           <a:xfrm>
             <a:off x="756000" y="5145120"/>
-            <a:ext cx="6039720" cy="4201920"/>
+            <a:ext cx="6039000" cy="4201200"/>
           </a:xfrm>
           <a:prstGeom prst="rect">
             <a:avLst/>
@@ -507,14 +508,14 @@
       </p:sp>
       <p:sp>
         <p:nvSpPr>
-          <p:cNvPr id="408" name="CustomShape 3"/>
+          <p:cNvPr id="413" name="CustomShape 3"/>
           <p:cNvSpPr/>
           <p:nvPr/>
         </p:nvSpPr>
         <p:spPr>
           <a:xfrm>
             <a:off x="0" y="10155240"/>
-            <a:ext cx="3268080" cy="528480"/>
+            <a:ext cx="3267360" cy="527760"/>
           </a:xfrm>
           <a:prstGeom prst="rect">
             <a:avLst/>
@@ -583,7 +584,7 @@
       </p:grpSpPr>
       <p:sp>
         <p:nvSpPr>
-          <p:cNvPr id="433" name="PlaceHolder 1"/>
+          <p:cNvPr id="438" name="PlaceHolder 1"/>
           <p:cNvSpPr>
             <a:spLocks noGrp="1"/>
           </p:cNvSpPr>
@@ -594,7 +595,7 @@
         <p:spPr>
           <a:xfrm>
             <a:off x="1376280" y="1336680"/>
-            <a:ext cx="4800240" cy="3600360"/>
+            <a:ext cx="4799520" cy="3599640"/>
           </a:xfrm>
           <a:prstGeom prst="rect">
             <a:avLst/>
@@ -606,7 +607,7 @@
       </p:sp>
       <p:sp>
         <p:nvSpPr>
-          <p:cNvPr id="434" name="PlaceHolder 2"/>
+          <p:cNvPr id="439" name="PlaceHolder 2"/>
           <p:cNvSpPr>
             <a:spLocks noGrp="1"/>
           </p:cNvSpPr>
@@ -617,7 +618,7 @@
         <p:spPr>
           <a:xfrm>
             <a:off x="756000" y="5145120"/>
-            <a:ext cx="6039720" cy="4201920"/>
+            <a:ext cx="6039000" cy="4201200"/>
           </a:xfrm>
           <a:prstGeom prst="rect">
             <a:avLst/>
@@ -646,14 +647,14 @@
       </p:sp>
       <p:sp>
         <p:nvSpPr>
-          <p:cNvPr id="435" name="CustomShape 3"/>
+          <p:cNvPr id="440" name="CustomShape 3"/>
           <p:cNvSpPr/>
           <p:nvPr/>
         </p:nvSpPr>
         <p:spPr>
           <a:xfrm>
             <a:off x="0" y="10155240"/>
-            <a:ext cx="3268080" cy="528480"/>
+            <a:ext cx="3267360" cy="527760"/>
           </a:xfrm>
           <a:prstGeom prst="rect">
             <a:avLst/>
@@ -722,7 +723,7 @@
       </p:grpSpPr>
       <p:sp>
         <p:nvSpPr>
-          <p:cNvPr id="436" name="PlaceHolder 1"/>
+          <p:cNvPr id="441" name="PlaceHolder 1"/>
           <p:cNvSpPr>
             <a:spLocks noGrp="1"/>
           </p:cNvSpPr>
@@ -733,7 +734,7 @@
         <p:spPr>
           <a:xfrm>
             <a:off x="1376280" y="1336680"/>
-            <a:ext cx="4800240" cy="3600360"/>
+            <a:ext cx="4799520" cy="3599640"/>
           </a:xfrm>
           <a:prstGeom prst="rect">
             <a:avLst/>
@@ -745,7 +746,7 @@
       </p:sp>
       <p:sp>
         <p:nvSpPr>
-          <p:cNvPr id="437" name="PlaceHolder 2"/>
+          <p:cNvPr id="442" name="PlaceHolder 2"/>
           <p:cNvSpPr>
             <a:spLocks noGrp="1"/>
           </p:cNvSpPr>
@@ -756,7 +757,7 @@
         <p:spPr>
           <a:xfrm>
             <a:off x="756000" y="5145120"/>
-            <a:ext cx="6039720" cy="4201920"/>
+            <a:ext cx="6039000" cy="4201200"/>
           </a:xfrm>
           <a:prstGeom prst="rect">
             <a:avLst/>
@@ -785,14 +786,14 @@
       </p:sp>
       <p:sp>
         <p:nvSpPr>
-          <p:cNvPr id="438" name="CustomShape 12"/>
+          <p:cNvPr id="443" name="CustomShape 12"/>
           <p:cNvSpPr/>
           <p:nvPr/>
         </p:nvSpPr>
         <p:spPr>
           <a:xfrm>
             <a:off x="0" y="10155240"/>
-            <a:ext cx="3268080" cy="528480"/>
+            <a:ext cx="3267360" cy="527760"/>
           </a:xfrm>
           <a:prstGeom prst="rect">
             <a:avLst/>
@@ -861,7 +862,7 @@
       </p:grpSpPr>
       <p:sp>
         <p:nvSpPr>
-          <p:cNvPr id="439" name="PlaceHolder 1"/>
+          <p:cNvPr id="444" name="PlaceHolder 1"/>
           <p:cNvSpPr>
             <a:spLocks noGrp="1"/>
           </p:cNvSpPr>
@@ -872,7 +873,7 @@
         <p:spPr>
           <a:xfrm>
             <a:off x="1376280" y="1336680"/>
-            <a:ext cx="4800240" cy="3600360"/>
+            <a:ext cx="4799520" cy="3599640"/>
           </a:xfrm>
           <a:prstGeom prst="rect">
             <a:avLst/>
@@ -884,7 +885,7 @@
       </p:sp>
       <p:sp>
         <p:nvSpPr>
-          <p:cNvPr id="440" name="PlaceHolder 2"/>
+          <p:cNvPr id="445" name="PlaceHolder 2"/>
           <p:cNvSpPr>
             <a:spLocks noGrp="1"/>
           </p:cNvSpPr>
@@ -895,7 +896,7 @@
         <p:spPr>
           <a:xfrm>
             <a:off x="756000" y="5145120"/>
-            <a:ext cx="6039720" cy="4201920"/>
+            <a:ext cx="6039000" cy="4201200"/>
           </a:xfrm>
           <a:prstGeom prst="rect">
             <a:avLst/>
@@ -924,14 +925,14 @@
       </p:sp>
       <p:sp>
         <p:nvSpPr>
-          <p:cNvPr id="441" name="CustomShape 91"/>
+          <p:cNvPr id="446" name="CustomShape 91"/>
           <p:cNvSpPr/>
           <p:nvPr/>
         </p:nvSpPr>
         <p:spPr>
           <a:xfrm>
             <a:off x="0" y="10155240"/>
-            <a:ext cx="3268080" cy="528480"/>
+            <a:ext cx="3267360" cy="527760"/>
           </a:xfrm>
           <a:prstGeom prst="rect">
             <a:avLst/>
@@ -1000,7 +1001,7 @@
       </p:grpSpPr>
       <p:sp>
         <p:nvSpPr>
-          <p:cNvPr id="442" name="PlaceHolder 1"/>
+          <p:cNvPr id="447" name="PlaceHolder 1"/>
           <p:cNvSpPr>
             <a:spLocks noGrp="1"/>
           </p:cNvSpPr>
@@ -1011,7 +1012,7 @@
         <p:spPr>
           <a:xfrm>
             <a:off x="1376280" y="1336680"/>
-            <a:ext cx="4800240" cy="3600360"/>
+            <a:ext cx="4799520" cy="3599640"/>
           </a:xfrm>
           <a:prstGeom prst="rect">
             <a:avLst/>
@@ -1023,7 +1024,7 @@
       </p:sp>
       <p:sp>
         <p:nvSpPr>
-          <p:cNvPr id="443" name="PlaceHolder 2"/>
+          <p:cNvPr id="448" name="PlaceHolder 2"/>
           <p:cNvSpPr>
             <a:spLocks noGrp="1"/>
           </p:cNvSpPr>
@@ -1034,7 +1035,7 @@
         <p:spPr>
           <a:xfrm>
             <a:off x="756000" y="5145120"/>
-            <a:ext cx="6039720" cy="4201920"/>
+            <a:ext cx="6039000" cy="4201200"/>
           </a:xfrm>
           <a:prstGeom prst="rect">
             <a:avLst/>
@@ -1063,14 +1064,14 @@
       </p:sp>
       <p:sp>
         <p:nvSpPr>
-          <p:cNvPr id="444" name="CustomShape 96"/>
+          <p:cNvPr id="449" name="CustomShape 96"/>
           <p:cNvSpPr/>
           <p:nvPr/>
         </p:nvSpPr>
         <p:spPr>
           <a:xfrm>
             <a:off x="0" y="10155240"/>
-            <a:ext cx="3268080" cy="528480"/>
+            <a:ext cx="3267360" cy="527760"/>
           </a:xfrm>
           <a:prstGeom prst="rect">
             <a:avLst/>
@@ -1139,7 +1140,7 @@
       </p:grpSpPr>
       <p:sp>
         <p:nvSpPr>
-          <p:cNvPr id="445" name="PlaceHolder 1"/>
+          <p:cNvPr id="450" name="PlaceHolder 1"/>
           <p:cNvSpPr>
             <a:spLocks noGrp="1"/>
           </p:cNvSpPr>
@@ -1150,7 +1151,7 @@
         <p:spPr>
           <a:xfrm>
             <a:off x="1376280" y="1336680"/>
-            <a:ext cx="4800240" cy="3600360"/>
+            <a:ext cx="4799520" cy="3599640"/>
           </a:xfrm>
           <a:prstGeom prst="rect">
             <a:avLst/>
@@ -1162,7 +1163,7 @@
       </p:sp>
       <p:sp>
         <p:nvSpPr>
-          <p:cNvPr id="446" name="PlaceHolder 2"/>
+          <p:cNvPr id="451" name="PlaceHolder 2"/>
           <p:cNvSpPr>
             <a:spLocks noGrp="1"/>
           </p:cNvSpPr>
@@ -1173,7 +1174,7 @@
         <p:spPr>
           <a:xfrm>
             <a:off x="756000" y="5145120"/>
-            <a:ext cx="6039720" cy="4201920"/>
+            <a:ext cx="6039000" cy="4201200"/>
           </a:xfrm>
           <a:prstGeom prst="rect">
             <a:avLst/>
@@ -1202,14 +1203,14 @@
       </p:sp>
       <p:sp>
         <p:nvSpPr>
-          <p:cNvPr id="447" name="CustomShape 101"/>
+          <p:cNvPr id="452" name="CustomShape 101"/>
           <p:cNvSpPr/>
           <p:nvPr/>
         </p:nvSpPr>
         <p:spPr>
           <a:xfrm>
             <a:off x="0" y="10155240"/>
-            <a:ext cx="3268080" cy="528480"/>
+            <a:ext cx="3267360" cy="527760"/>
           </a:xfrm>
           <a:prstGeom prst="rect">
             <a:avLst/>
@@ -1278,7 +1279,7 @@
       </p:grpSpPr>
       <p:sp>
         <p:nvSpPr>
-          <p:cNvPr id="448" name="PlaceHolder 1"/>
+          <p:cNvPr id="453" name="PlaceHolder 1"/>
           <p:cNvSpPr>
             <a:spLocks noGrp="1"/>
           </p:cNvSpPr>
@@ -1289,7 +1290,7 @@
         <p:spPr>
           <a:xfrm>
             <a:off x="1376280" y="1336680"/>
-            <a:ext cx="4800240" cy="3600360"/>
+            <a:ext cx="4799520" cy="3599640"/>
           </a:xfrm>
           <a:prstGeom prst="rect">
             <a:avLst/>
@@ -1301,7 +1302,7 @@
       </p:sp>
       <p:sp>
         <p:nvSpPr>
-          <p:cNvPr id="449" name="PlaceHolder 2"/>
+          <p:cNvPr id="454" name="PlaceHolder 2"/>
           <p:cNvSpPr>
             <a:spLocks noGrp="1"/>
           </p:cNvSpPr>
@@ -1312,7 +1313,7 @@
         <p:spPr>
           <a:xfrm>
             <a:off x="756000" y="5145120"/>
-            <a:ext cx="6039720" cy="4201920"/>
+            <a:ext cx="6039000" cy="4201200"/>
           </a:xfrm>
           <a:prstGeom prst="rect">
             <a:avLst/>
@@ -1341,14 +1342,14 @@
       </p:sp>
       <p:sp>
         <p:nvSpPr>
-          <p:cNvPr id="450" name="CustomShape 106"/>
+          <p:cNvPr id="455" name="CustomShape 106"/>
           <p:cNvSpPr/>
           <p:nvPr/>
         </p:nvSpPr>
         <p:spPr>
           <a:xfrm>
             <a:off x="0" y="10155240"/>
-            <a:ext cx="3268080" cy="528480"/>
+            <a:ext cx="3267360" cy="527760"/>
           </a:xfrm>
           <a:prstGeom prst="rect">
             <a:avLst/>
@@ -1417,7 +1418,7 @@
       </p:grpSpPr>
       <p:sp>
         <p:nvSpPr>
-          <p:cNvPr id="451" name="PlaceHolder 1"/>
+          <p:cNvPr id="456" name="PlaceHolder 1"/>
           <p:cNvSpPr>
             <a:spLocks noGrp="1"/>
           </p:cNvSpPr>
@@ -1428,7 +1429,7 @@
         <p:spPr>
           <a:xfrm>
             <a:off x="1376280" y="1336680"/>
-            <a:ext cx="4800240" cy="3600360"/>
+            <a:ext cx="4799520" cy="3599640"/>
           </a:xfrm>
           <a:prstGeom prst="rect">
             <a:avLst/>
@@ -1440,7 +1441,7 @@
       </p:sp>
       <p:sp>
         <p:nvSpPr>
-          <p:cNvPr id="452" name="PlaceHolder 2"/>
+          <p:cNvPr id="457" name="PlaceHolder 2"/>
           <p:cNvSpPr>
             <a:spLocks noGrp="1"/>
           </p:cNvSpPr>
@@ -1451,7 +1452,7 @@
         <p:spPr>
           <a:xfrm>
             <a:off x="756000" y="5145120"/>
-            <a:ext cx="6039720" cy="4201920"/>
+            <a:ext cx="6039000" cy="4201200"/>
           </a:xfrm>
           <a:prstGeom prst="rect">
             <a:avLst/>
@@ -1480,14 +1481,14 @@
       </p:sp>
       <p:sp>
         <p:nvSpPr>
-          <p:cNvPr id="453" name="CustomShape 111"/>
+          <p:cNvPr id="458" name="CustomShape 111"/>
           <p:cNvSpPr/>
           <p:nvPr/>
         </p:nvSpPr>
         <p:spPr>
           <a:xfrm>
             <a:off x="0" y="10155240"/>
-            <a:ext cx="3268080" cy="528480"/>
+            <a:ext cx="3267360" cy="527760"/>
           </a:xfrm>
           <a:prstGeom prst="rect">
             <a:avLst/>
@@ -1556,7 +1557,7 @@
       </p:grpSpPr>
       <p:sp>
         <p:nvSpPr>
-          <p:cNvPr id="454" name="PlaceHolder 1"/>
+          <p:cNvPr id="459" name="PlaceHolder 1"/>
           <p:cNvSpPr>
             <a:spLocks noGrp="1"/>
           </p:cNvSpPr>
@@ -1567,7 +1568,7 @@
         <p:spPr>
           <a:xfrm>
             <a:off x="1376280" y="1336680"/>
-            <a:ext cx="4800240" cy="3600360"/>
+            <a:ext cx="4799520" cy="3599640"/>
           </a:xfrm>
           <a:prstGeom prst="rect">
             <a:avLst/>
@@ -1579,7 +1580,7 @@
       </p:sp>
       <p:sp>
         <p:nvSpPr>
-          <p:cNvPr id="455" name="PlaceHolder 2"/>
+          <p:cNvPr id="460" name="PlaceHolder 2"/>
           <p:cNvSpPr>
             <a:spLocks noGrp="1"/>
           </p:cNvSpPr>
@@ -1590,7 +1591,7 @@
         <p:spPr>
           <a:xfrm>
             <a:off x="756000" y="5145120"/>
-            <a:ext cx="6039720" cy="4201920"/>
+            <a:ext cx="6039000" cy="4201200"/>
           </a:xfrm>
           <a:prstGeom prst="rect">
             <a:avLst/>
@@ -1619,14 +1620,14 @@
       </p:sp>
       <p:sp>
         <p:nvSpPr>
-          <p:cNvPr id="456" name="CustomShape 116"/>
+          <p:cNvPr id="461" name="CustomShape 116"/>
           <p:cNvSpPr/>
           <p:nvPr/>
         </p:nvSpPr>
         <p:spPr>
           <a:xfrm>
             <a:off x="0" y="10155240"/>
-            <a:ext cx="3268080" cy="528480"/>
+            <a:ext cx="3267360" cy="527760"/>
           </a:xfrm>
           <a:prstGeom prst="rect">
             <a:avLst/>
@@ -1695,7 +1696,7 @@
       </p:grpSpPr>
       <p:sp>
         <p:nvSpPr>
-          <p:cNvPr id="457" name="PlaceHolder 1"/>
+          <p:cNvPr id="462" name="PlaceHolder 1"/>
           <p:cNvSpPr>
             <a:spLocks noGrp="1"/>
           </p:cNvSpPr>
@@ -1706,7 +1707,7 @@
         <p:spPr>
           <a:xfrm>
             <a:off x="1376280" y="1336680"/>
-            <a:ext cx="4800240" cy="3600360"/>
+            <a:ext cx="4799520" cy="3599640"/>
           </a:xfrm>
           <a:prstGeom prst="rect">
             <a:avLst/>
@@ -1718,7 +1719,7 @@
       </p:sp>
       <p:sp>
         <p:nvSpPr>
-          <p:cNvPr id="458" name="PlaceHolder 2"/>
+          <p:cNvPr id="463" name="PlaceHolder 2"/>
           <p:cNvSpPr>
             <a:spLocks noGrp="1"/>
           </p:cNvSpPr>
@@ -1729,7 +1730,7 @@
         <p:spPr>
           <a:xfrm>
             <a:off x="756000" y="5145120"/>
-            <a:ext cx="6039720" cy="4201920"/>
+            <a:ext cx="6039000" cy="4201200"/>
           </a:xfrm>
           <a:prstGeom prst="rect">
             <a:avLst/>
@@ -1758,14 +1759,14 @@
       </p:sp>
       <p:sp>
         <p:nvSpPr>
-          <p:cNvPr id="459" name="CustomShape 122"/>
+          <p:cNvPr id="464" name="CustomShape 122"/>
           <p:cNvSpPr/>
           <p:nvPr/>
         </p:nvSpPr>
         <p:spPr>
           <a:xfrm>
             <a:off x="0" y="10155240"/>
-            <a:ext cx="3268080" cy="528480"/>
+            <a:ext cx="3267360" cy="527760"/>
           </a:xfrm>
           <a:prstGeom prst="rect">
             <a:avLst/>
@@ -1834,7 +1835,7 @@
       </p:grpSpPr>
       <p:sp>
         <p:nvSpPr>
-          <p:cNvPr id="460" name="PlaceHolder 1"/>
+          <p:cNvPr id="465" name="PlaceHolder 1"/>
           <p:cNvSpPr>
             <a:spLocks noGrp="1"/>
           </p:cNvSpPr>
@@ -1845,7 +1846,7 @@
         <p:spPr>
           <a:xfrm>
             <a:off x="1376280" y="1336680"/>
-            <a:ext cx="4800240" cy="3600360"/>
+            <a:ext cx="4799520" cy="3599640"/>
           </a:xfrm>
           <a:prstGeom prst="rect">
             <a:avLst/>
@@ -1857,7 +1858,7 @@
       </p:sp>
       <p:sp>
         <p:nvSpPr>
-          <p:cNvPr id="461" name="PlaceHolder 2"/>
+          <p:cNvPr id="466" name="PlaceHolder 2"/>
           <p:cNvSpPr>
             <a:spLocks noGrp="1"/>
           </p:cNvSpPr>
@@ -1868,7 +1869,7 @@
         <p:spPr>
           <a:xfrm>
             <a:off x="756000" y="5145120"/>
-            <a:ext cx="6039720" cy="4201920"/>
+            <a:ext cx="6039000" cy="4201200"/>
           </a:xfrm>
           <a:prstGeom prst="rect">
             <a:avLst/>
@@ -1897,14 +1898,14 @@
       </p:sp>
       <p:sp>
         <p:nvSpPr>
-          <p:cNvPr id="462" name="CustomShape 128"/>
+          <p:cNvPr id="467" name="CustomShape 128"/>
           <p:cNvSpPr/>
           <p:nvPr/>
         </p:nvSpPr>
         <p:spPr>
           <a:xfrm>
             <a:off x="0" y="10155240"/>
-            <a:ext cx="3268080" cy="528480"/>
+            <a:ext cx="3267360" cy="527760"/>
           </a:xfrm>
           <a:prstGeom prst="rect">
             <a:avLst/>
@@ -1973,7 +1974,7 @@
       </p:grpSpPr>
       <p:sp>
         <p:nvSpPr>
-          <p:cNvPr id="409" name="PlaceHolder 1"/>
+          <p:cNvPr id="414" name="PlaceHolder 1"/>
           <p:cNvSpPr>
             <a:spLocks noGrp="1"/>
           </p:cNvSpPr>
@@ -1984,7 +1985,7 @@
         <p:spPr>
           <a:xfrm>
             <a:off x="1376280" y="1336680"/>
-            <a:ext cx="4800240" cy="3600360"/>
+            <a:ext cx="4799520" cy="3599640"/>
           </a:xfrm>
           <a:prstGeom prst="rect">
             <a:avLst/>
@@ -1996,7 +1997,7 @@
       </p:sp>
       <p:sp>
         <p:nvSpPr>
-          <p:cNvPr id="410" name="PlaceHolder 2"/>
+          <p:cNvPr id="415" name="PlaceHolder 2"/>
           <p:cNvSpPr>
             <a:spLocks noGrp="1"/>
           </p:cNvSpPr>
@@ -2007,7 +2008,7 @@
         <p:spPr>
           <a:xfrm>
             <a:off x="756000" y="5145120"/>
-            <a:ext cx="6039720" cy="4201920"/>
+            <a:ext cx="6039000" cy="4201200"/>
           </a:xfrm>
           <a:prstGeom prst="rect">
             <a:avLst/>
@@ -2036,14 +2037,14 @@
       </p:sp>
       <p:sp>
         <p:nvSpPr>
-          <p:cNvPr id="411" name="CustomShape 3"/>
+          <p:cNvPr id="416" name="CustomShape 3"/>
           <p:cNvSpPr/>
           <p:nvPr/>
         </p:nvSpPr>
         <p:spPr>
           <a:xfrm>
             <a:off x="0" y="10155240"/>
-            <a:ext cx="3268080" cy="528480"/>
+            <a:ext cx="3267360" cy="527760"/>
           </a:xfrm>
           <a:prstGeom prst="rect">
             <a:avLst/>
@@ -2112,7 +2113,7 @@
       </p:grpSpPr>
       <p:sp>
         <p:nvSpPr>
-          <p:cNvPr id="463" name="PlaceHolder 1"/>
+          <p:cNvPr id="468" name="PlaceHolder 1"/>
           <p:cNvSpPr>
             <a:spLocks noGrp="1"/>
           </p:cNvSpPr>
@@ -2123,7 +2124,7 @@
         <p:spPr>
           <a:xfrm>
             <a:off x="1376280" y="1336680"/>
-            <a:ext cx="4800240" cy="3600360"/>
+            <a:ext cx="4799520" cy="3599640"/>
           </a:xfrm>
           <a:prstGeom prst="rect">
             <a:avLst/>
@@ -2135,7 +2136,7 @@
       </p:sp>
       <p:sp>
         <p:nvSpPr>
-          <p:cNvPr id="464" name="PlaceHolder 2"/>
+          <p:cNvPr id="469" name="PlaceHolder 2"/>
           <p:cNvSpPr>
             <a:spLocks noGrp="1"/>
           </p:cNvSpPr>
@@ -2146,7 +2147,7 @@
         <p:spPr>
           <a:xfrm>
             <a:off x="756000" y="5145120"/>
-            <a:ext cx="6039720" cy="4201920"/>
+            <a:ext cx="6039000" cy="4201200"/>
           </a:xfrm>
           <a:prstGeom prst="rect">
             <a:avLst/>
@@ -2175,14 +2176,14 @@
       </p:sp>
       <p:sp>
         <p:nvSpPr>
-          <p:cNvPr id="465" name="CustomShape 133"/>
+          <p:cNvPr id="470" name="CustomShape 138"/>
           <p:cNvSpPr/>
           <p:nvPr/>
         </p:nvSpPr>
         <p:spPr>
           <a:xfrm>
             <a:off x="0" y="10155240"/>
-            <a:ext cx="3268080" cy="528480"/>
+            <a:ext cx="3267360" cy="527760"/>
           </a:xfrm>
           <a:prstGeom prst="rect">
             <a:avLst/>
@@ -2251,7 +2252,7 @@
       </p:grpSpPr>
       <p:sp>
         <p:nvSpPr>
-          <p:cNvPr id="466" name="PlaceHolder 1"/>
+          <p:cNvPr id="471" name="PlaceHolder 1"/>
           <p:cNvSpPr>
             <a:spLocks noGrp="1"/>
           </p:cNvSpPr>
@@ -2262,7 +2263,7 @@
         <p:spPr>
           <a:xfrm>
             <a:off x="1376280" y="1336680"/>
-            <a:ext cx="4800240" cy="3600360"/>
+            <a:ext cx="4799520" cy="3599640"/>
           </a:xfrm>
           <a:prstGeom prst="rect">
             <a:avLst/>
@@ -2274,7 +2275,7 @@
       </p:sp>
       <p:sp>
         <p:nvSpPr>
-          <p:cNvPr id="467" name="PlaceHolder 2"/>
+          <p:cNvPr id="472" name="PlaceHolder 2"/>
           <p:cNvSpPr>
             <a:spLocks noGrp="1"/>
           </p:cNvSpPr>
@@ -2285,7 +2286,7 @@
         <p:spPr>
           <a:xfrm>
             <a:off x="756000" y="5145120"/>
-            <a:ext cx="6039720" cy="4201920"/>
+            <a:ext cx="6039000" cy="4201200"/>
           </a:xfrm>
           <a:prstGeom prst="rect">
             <a:avLst/>
@@ -2314,14 +2315,14 @@
       </p:sp>
       <p:sp>
         <p:nvSpPr>
-          <p:cNvPr id="468" name="CustomShape 138"/>
+          <p:cNvPr id="473" name="CustomShape 143"/>
           <p:cNvSpPr/>
           <p:nvPr/>
         </p:nvSpPr>
         <p:spPr>
           <a:xfrm>
             <a:off x="0" y="10155240"/>
-            <a:ext cx="3268080" cy="528480"/>
+            <a:ext cx="3267360" cy="527760"/>
           </a:xfrm>
           <a:prstGeom prst="rect">
             <a:avLst/>
@@ -2390,7 +2391,7 @@
       </p:grpSpPr>
       <p:sp>
         <p:nvSpPr>
-          <p:cNvPr id="469" name="PlaceHolder 1"/>
+          <p:cNvPr id="474" name="PlaceHolder 1"/>
           <p:cNvSpPr>
             <a:spLocks noGrp="1"/>
           </p:cNvSpPr>
@@ -2401,7 +2402,7 @@
         <p:spPr>
           <a:xfrm>
             <a:off x="1376280" y="1336680"/>
-            <a:ext cx="4800240" cy="3600360"/>
+            <a:ext cx="4799520" cy="3599640"/>
           </a:xfrm>
           <a:prstGeom prst="rect">
             <a:avLst/>
@@ -2413,7 +2414,7 @@
       </p:sp>
       <p:sp>
         <p:nvSpPr>
-          <p:cNvPr id="470" name="PlaceHolder 2"/>
+          <p:cNvPr id="475" name="PlaceHolder 2"/>
           <p:cNvSpPr>
             <a:spLocks noGrp="1"/>
           </p:cNvSpPr>
@@ -2424,7 +2425,7 @@
         <p:spPr>
           <a:xfrm>
             <a:off x="756000" y="5145120"/>
-            <a:ext cx="6039720" cy="4201920"/>
+            <a:ext cx="6039000" cy="4201200"/>
           </a:xfrm>
           <a:prstGeom prst="rect">
             <a:avLst/>
@@ -2453,14 +2454,14 @@
       </p:sp>
       <p:sp>
         <p:nvSpPr>
-          <p:cNvPr id="471" name="CustomShape 143"/>
+          <p:cNvPr id="476" name="CustomShape 148"/>
           <p:cNvSpPr/>
           <p:nvPr/>
         </p:nvSpPr>
         <p:spPr>
           <a:xfrm>
             <a:off x="0" y="10155240"/>
-            <a:ext cx="3268080" cy="528480"/>
+            <a:ext cx="3267360" cy="527760"/>
           </a:xfrm>
           <a:prstGeom prst="rect">
             <a:avLst/>
@@ -2529,7 +2530,7 @@
       </p:grpSpPr>
       <p:sp>
         <p:nvSpPr>
-          <p:cNvPr id="472" name="PlaceHolder 1"/>
+          <p:cNvPr id="477" name="PlaceHolder 1"/>
           <p:cNvSpPr>
             <a:spLocks noGrp="1"/>
           </p:cNvSpPr>
@@ -2540,7 +2541,7 @@
         <p:spPr>
           <a:xfrm>
             <a:off x="1376280" y="1336680"/>
-            <a:ext cx="4800240" cy="3600360"/>
+            <a:ext cx="4799520" cy="3599640"/>
           </a:xfrm>
           <a:prstGeom prst="rect">
             <a:avLst/>
@@ -2552,7 +2553,7 @@
       </p:sp>
       <p:sp>
         <p:nvSpPr>
-          <p:cNvPr id="473" name="PlaceHolder 2"/>
+          <p:cNvPr id="478" name="PlaceHolder 2"/>
           <p:cNvSpPr>
             <a:spLocks noGrp="1"/>
           </p:cNvSpPr>
@@ -2563,7 +2564,7 @@
         <p:spPr>
           <a:xfrm>
             <a:off x="756000" y="5145120"/>
-            <a:ext cx="6039720" cy="4201920"/>
+            <a:ext cx="6039000" cy="4201200"/>
           </a:xfrm>
           <a:prstGeom prst="rect">
             <a:avLst/>
@@ -2592,14 +2593,14 @@
       </p:sp>
       <p:sp>
         <p:nvSpPr>
-          <p:cNvPr id="474" name="CustomShape 148"/>
+          <p:cNvPr id="479" name="CustomShape 153"/>
           <p:cNvSpPr/>
           <p:nvPr/>
         </p:nvSpPr>
         <p:spPr>
           <a:xfrm>
             <a:off x="0" y="10155240"/>
-            <a:ext cx="3268080" cy="528480"/>
+            <a:ext cx="3267360" cy="527760"/>
           </a:xfrm>
           <a:prstGeom prst="rect">
             <a:avLst/>
@@ -2668,7 +2669,7 @@
       </p:grpSpPr>
       <p:sp>
         <p:nvSpPr>
-          <p:cNvPr id="475" name="PlaceHolder 1"/>
+          <p:cNvPr id="480" name="PlaceHolder 1"/>
           <p:cNvSpPr>
             <a:spLocks noGrp="1"/>
           </p:cNvSpPr>
@@ -2679,7 +2680,7 @@
         <p:spPr>
           <a:xfrm>
             <a:off x="1376280" y="1336680"/>
-            <a:ext cx="4800240" cy="3600360"/>
+            <a:ext cx="4799520" cy="3599640"/>
           </a:xfrm>
           <a:prstGeom prst="rect">
             <a:avLst/>
@@ -2691,7 +2692,7 @@
       </p:sp>
       <p:sp>
         <p:nvSpPr>
-          <p:cNvPr id="476" name="PlaceHolder 2"/>
+          <p:cNvPr id="481" name="PlaceHolder 2"/>
           <p:cNvSpPr>
             <a:spLocks noGrp="1"/>
           </p:cNvSpPr>
@@ -2702,7 +2703,7 @@
         <p:spPr>
           <a:xfrm>
             <a:off x="756000" y="5145120"/>
-            <a:ext cx="6039720" cy="4201920"/>
+            <a:ext cx="6039000" cy="4201200"/>
           </a:xfrm>
           <a:prstGeom prst="rect">
             <a:avLst/>
@@ -2731,14 +2732,14 @@
       </p:sp>
       <p:sp>
         <p:nvSpPr>
-          <p:cNvPr id="477" name="CustomShape 153"/>
+          <p:cNvPr id="482" name="CustomShape 16"/>
           <p:cNvSpPr/>
           <p:nvPr/>
         </p:nvSpPr>
         <p:spPr>
           <a:xfrm>
             <a:off x="0" y="10155240"/>
-            <a:ext cx="3268080" cy="528480"/>
+            <a:ext cx="3267360" cy="527760"/>
           </a:xfrm>
           <a:prstGeom prst="rect">
             <a:avLst/>
@@ -2807,7 +2808,7 @@
       </p:grpSpPr>
       <p:sp>
         <p:nvSpPr>
-          <p:cNvPr id="478" name="PlaceHolder 1"/>
+          <p:cNvPr id="483" name="PlaceHolder 1"/>
           <p:cNvSpPr>
             <a:spLocks noGrp="1"/>
           </p:cNvSpPr>
@@ -2818,7 +2819,7 @@
         <p:spPr>
           <a:xfrm>
             <a:off x="1376280" y="1336680"/>
-            <a:ext cx="4800240" cy="3600360"/>
+            <a:ext cx="4799520" cy="3599640"/>
           </a:xfrm>
           <a:prstGeom prst="rect">
             <a:avLst/>
@@ -2830,7 +2831,7 @@
       </p:sp>
       <p:sp>
         <p:nvSpPr>
-          <p:cNvPr id="479" name="PlaceHolder 2"/>
+          <p:cNvPr id="484" name="PlaceHolder 2"/>
           <p:cNvSpPr>
             <a:spLocks noGrp="1"/>
           </p:cNvSpPr>
@@ -2841,7 +2842,7 @@
         <p:spPr>
           <a:xfrm>
             <a:off x="756000" y="5145120"/>
-            <a:ext cx="6039720" cy="4201920"/>
+            <a:ext cx="6039000" cy="4201200"/>
           </a:xfrm>
           <a:prstGeom prst="rect">
             <a:avLst/>
@@ -2870,14 +2871,14 @@
       </p:sp>
       <p:sp>
         <p:nvSpPr>
-          <p:cNvPr id="480" name="CustomShape 158"/>
+          <p:cNvPr id="485" name="CustomShape 158"/>
           <p:cNvSpPr/>
           <p:nvPr/>
         </p:nvSpPr>
         <p:spPr>
           <a:xfrm>
             <a:off x="0" y="10155240"/>
-            <a:ext cx="3268080" cy="528480"/>
+            <a:ext cx="3267360" cy="527760"/>
           </a:xfrm>
           <a:prstGeom prst="rect">
             <a:avLst/>
@@ -2946,7 +2947,7 @@
       </p:grpSpPr>
       <p:sp>
         <p:nvSpPr>
-          <p:cNvPr id="412" name="PlaceHolder 1"/>
+          <p:cNvPr id="417" name="PlaceHolder 1"/>
           <p:cNvSpPr>
             <a:spLocks noGrp="1"/>
           </p:cNvSpPr>
@@ -2957,7 +2958,7 @@
         <p:spPr>
           <a:xfrm>
             <a:off x="1376280" y="1336680"/>
-            <a:ext cx="4800240" cy="3600360"/>
+            <a:ext cx="4799520" cy="3599640"/>
           </a:xfrm>
           <a:prstGeom prst="rect">
             <a:avLst/>
@@ -2969,7 +2970,7 @@
       </p:sp>
       <p:sp>
         <p:nvSpPr>
-          <p:cNvPr id="413" name="PlaceHolder 2"/>
+          <p:cNvPr id="418" name="PlaceHolder 2"/>
           <p:cNvSpPr>
             <a:spLocks noGrp="1"/>
           </p:cNvSpPr>
@@ -2980,7 +2981,7 @@
         <p:spPr>
           <a:xfrm>
             <a:off x="756000" y="5145120"/>
-            <a:ext cx="6039720" cy="4201920"/>
+            <a:ext cx="6039000" cy="4201200"/>
           </a:xfrm>
           <a:prstGeom prst="rect">
             <a:avLst/>
@@ -3009,14 +3010,14 @@
       </p:sp>
       <p:sp>
         <p:nvSpPr>
-          <p:cNvPr id="414" name="CustomShape 46"/>
+          <p:cNvPr id="419" name="CustomShape 46"/>
           <p:cNvSpPr/>
           <p:nvPr/>
         </p:nvSpPr>
         <p:spPr>
           <a:xfrm>
             <a:off x="0" y="10155240"/>
-            <a:ext cx="3268080" cy="528480"/>
+            <a:ext cx="3267360" cy="527760"/>
           </a:xfrm>
           <a:prstGeom prst="rect">
             <a:avLst/>
@@ -3085,7 +3086,7 @@
       </p:grpSpPr>
       <p:sp>
         <p:nvSpPr>
-          <p:cNvPr id="415" name="PlaceHolder 1"/>
+          <p:cNvPr id="420" name="PlaceHolder 1"/>
           <p:cNvSpPr>
             <a:spLocks noGrp="1"/>
           </p:cNvSpPr>
@@ -3096,7 +3097,7 @@
         <p:spPr>
           <a:xfrm>
             <a:off x="1376280" y="1336680"/>
-            <a:ext cx="4800240" cy="3600360"/>
+            <a:ext cx="4799520" cy="3599640"/>
           </a:xfrm>
           <a:prstGeom prst="rect">
             <a:avLst/>
@@ -3108,7 +3109,7 @@
       </p:sp>
       <p:sp>
         <p:nvSpPr>
-          <p:cNvPr id="416" name="PlaceHolder 2"/>
+          <p:cNvPr id="421" name="PlaceHolder 2"/>
           <p:cNvSpPr>
             <a:spLocks noGrp="1"/>
           </p:cNvSpPr>
@@ -3119,7 +3120,7 @@
         <p:spPr>
           <a:xfrm>
             <a:off x="756000" y="5145120"/>
-            <a:ext cx="6039720" cy="4201920"/>
+            <a:ext cx="6039000" cy="4201200"/>
           </a:xfrm>
           <a:prstGeom prst="rect">
             <a:avLst/>
@@ -3148,14 +3149,14 @@
       </p:sp>
       <p:sp>
         <p:nvSpPr>
-          <p:cNvPr id="417" name="CustomShape 3"/>
+          <p:cNvPr id="422" name="CustomShape 3"/>
           <p:cNvSpPr/>
           <p:nvPr/>
         </p:nvSpPr>
         <p:spPr>
           <a:xfrm>
             <a:off x="0" y="10155240"/>
-            <a:ext cx="3268080" cy="528480"/>
+            <a:ext cx="3267360" cy="527760"/>
           </a:xfrm>
           <a:prstGeom prst="rect">
             <a:avLst/>
@@ -3224,7 +3225,7 @@
       </p:grpSpPr>
       <p:sp>
         <p:nvSpPr>
-          <p:cNvPr id="418" name="PlaceHolder 1"/>
+          <p:cNvPr id="423" name="PlaceHolder 1"/>
           <p:cNvSpPr>
             <a:spLocks noGrp="1"/>
           </p:cNvSpPr>
@@ -3235,7 +3236,7 @@
         <p:spPr>
           <a:xfrm>
             <a:off x="1376280" y="1336680"/>
-            <a:ext cx="4800240" cy="3600360"/>
+            <a:ext cx="4799520" cy="3599640"/>
           </a:xfrm>
           <a:prstGeom prst="rect">
             <a:avLst/>
@@ -3247,7 +3248,7 @@
       </p:sp>
       <p:sp>
         <p:nvSpPr>
-          <p:cNvPr id="419" name="PlaceHolder 2"/>
+          <p:cNvPr id="424" name="PlaceHolder 2"/>
           <p:cNvSpPr>
             <a:spLocks noGrp="1"/>
           </p:cNvSpPr>
@@ -3258,7 +3259,7 @@
         <p:spPr>
           <a:xfrm>
             <a:off x="756000" y="5145120"/>
-            <a:ext cx="6039720" cy="4201920"/>
+            <a:ext cx="6039000" cy="4201200"/>
           </a:xfrm>
           <a:prstGeom prst="rect">
             <a:avLst/>
@@ -3287,14 +3288,14 @@
       </p:sp>
       <p:sp>
         <p:nvSpPr>
-          <p:cNvPr id="420" name="CustomShape 3"/>
+          <p:cNvPr id="425" name="CustomShape 3"/>
           <p:cNvSpPr/>
           <p:nvPr/>
         </p:nvSpPr>
         <p:spPr>
           <a:xfrm>
             <a:off x="0" y="10155240"/>
-            <a:ext cx="3268080" cy="528480"/>
+            <a:ext cx="3267360" cy="527760"/>
           </a:xfrm>
           <a:prstGeom prst="rect">
             <a:avLst/>
@@ -3363,7 +3364,7 @@
       </p:grpSpPr>
       <p:sp>
         <p:nvSpPr>
-          <p:cNvPr id="421" name="PlaceHolder 1"/>
+          <p:cNvPr id="426" name="PlaceHolder 1"/>
           <p:cNvSpPr>
             <a:spLocks noGrp="1"/>
           </p:cNvSpPr>
@@ -3374,7 +3375,7 @@
         <p:spPr>
           <a:xfrm>
             <a:off x="1376280" y="1336680"/>
-            <a:ext cx="4800240" cy="3600360"/>
+            <a:ext cx="4799520" cy="3599640"/>
           </a:xfrm>
           <a:prstGeom prst="rect">
             <a:avLst/>
@@ -3386,7 +3387,7 @@
       </p:sp>
       <p:sp>
         <p:nvSpPr>
-          <p:cNvPr id="422" name="PlaceHolder 2"/>
+          <p:cNvPr id="427" name="PlaceHolder 2"/>
           <p:cNvSpPr>
             <a:spLocks noGrp="1"/>
           </p:cNvSpPr>
@@ -3397,7 +3398,7 @@
         <p:spPr>
           <a:xfrm>
             <a:off x="756000" y="5145120"/>
-            <a:ext cx="6039720" cy="4201920"/>
+            <a:ext cx="6039000" cy="4201200"/>
           </a:xfrm>
           <a:prstGeom prst="rect">
             <a:avLst/>
@@ -3426,14 +3427,14 @@
       </p:sp>
       <p:sp>
         <p:nvSpPr>
-          <p:cNvPr id="423" name="CustomShape 3"/>
+          <p:cNvPr id="428" name="CustomShape 3"/>
           <p:cNvSpPr/>
           <p:nvPr/>
         </p:nvSpPr>
         <p:spPr>
           <a:xfrm>
             <a:off x="0" y="10155240"/>
-            <a:ext cx="3268080" cy="528480"/>
+            <a:ext cx="3267360" cy="527760"/>
           </a:xfrm>
           <a:prstGeom prst="rect">
             <a:avLst/>
@@ -3502,7 +3503,7 @@
       </p:grpSpPr>
       <p:sp>
         <p:nvSpPr>
-          <p:cNvPr id="424" name="PlaceHolder 1"/>
+          <p:cNvPr id="429" name="PlaceHolder 1"/>
           <p:cNvSpPr>
             <a:spLocks noGrp="1"/>
           </p:cNvSpPr>
@@ -3513,7 +3514,7 @@
         <p:spPr>
           <a:xfrm>
             <a:off x="1376280" y="1336680"/>
-            <a:ext cx="4800240" cy="3600360"/>
+            <a:ext cx="4799520" cy="3599640"/>
           </a:xfrm>
           <a:prstGeom prst="rect">
             <a:avLst/>
@@ -3525,7 +3526,7 @@
       </p:sp>
       <p:sp>
         <p:nvSpPr>
-          <p:cNvPr id="425" name="PlaceHolder 2"/>
+          <p:cNvPr id="430" name="PlaceHolder 2"/>
           <p:cNvSpPr>
             <a:spLocks noGrp="1"/>
           </p:cNvSpPr>
@@ -3536,7 +3537,7 @@
         <p:spPr>
           <a:xfrm>
             <a:off x="756000" y="5145120"/>
-            <a:ext cx="6039720" cy="4201920"/>
+            <a:ext cx="6039000" cy="4201200"/>
           </a:xfrm>
           <a:prstGeom prst="rect">
             <a:avLst/>
@@ -3565,14 +3566,14 @@
       </p:sp>
       <p:sp>
         <p:nvSpPr>
-          <p:cNvPr id="426" name="CustomShape 3"/>
+          <p:cNvPr id="431" name="CustomShape 3"/>
           <p:cNvSpPr/>
           <p:nvPr/>
         </p:nvSpPr>
         <p:spPr>
           <a:xfrm>
             <a:off x="0" y="10155240"/>
-            <a:ext cx="3268080" cy="528480"/>
+            <a:ext cx="3267360" cy="527760"/>
           </a:xfrm>
           <a:prstGeom prst="rect">
             <a:avLst/>
@@ -3641,7 +3642,7 @@
       </p:grpSpPr>
       <p:sp>
         <p:nvSpPr>
-          <p:cNvPr id="427" name="PlaceHolder 1"/>
+          <p:cNvPr id="432" name="PlaceHolder 1"/>
           <p:cNvSpPr>
             <a:spLocks noGrp="1"/>
           </p:cNvSpPr>
@@ -3652,7 +3653,7 @@
         <p:spPr>
           <a:xfrm>
             <a:off x="1376280" y="1336680"/>
-            <a:ext cx="4800240" cy="3600360"/>
+            <a:ext cx="4799520" cy="3599640"/>
           </a:xfrm>
           <a:prstGeom prst="rect">
             <a:avLst/>
@@ -3664,7 +3665,7 @@
       </p:sp>
       <p:sp>
         <p:nvSpPr>
-          <p:cNvPr id="428" name="PlaceHolder 2"/>
+          <p:cNvPr id="433" name="PlaceHolder 2"/>
           <p:cNvSpPr>
             <a:spLocks noGrp="1"/>
           </p:cNvSpPr>
@@ -3675,7 +3676,7 @@
         <p:spPr>
           <a:xfrm>
             <a:off x="756000" y="5145120"/>
-            <a:ext cx="6039720" cy="4201920"/>
+            <a:ext cx="6039000" cy="4201200"/>
           </a:xfrm>
           <a:prstGeom prst="rect">
             <a:avLst/>
@@ -3704,14 +3705,14 @@
       </p:sp>
       <p:sp>
         <p:nvSpPr>
-          <p:cNvPr id="429" name="CustomShape 3"/>
+          <p:cNvPr id="434" name="CustomShape 3"/>
           <p:cNvSpPr/>
           <p:nvPr/>
         </p:nvSpPr>
         <p:spPr>
           <a:xfrm>
             <a:off x="0" y="10155240"/>
-            <a:ext cx="3268080" cy="528480"/>
+            <a:ext cx="3267360" cy="527760"/>
           </a:xfrm>
           <a:prstGeom prst="rect">
             <a:avLst/>
@@ -3780,7 +3781,7 @@
       </p:grpSpPr>
       <p:sp>
         <p:nvSpPr>
-          <p:cNvPr id="430" name="PlaceHolder 1"/>
+          <p:cNvPr id="435" name="PlaceHolder 1"/>
           <p:cNvSpPr>
             <a:spLocks noGrp="1"/>
           </p:cNvSpPr>
@@ -3791,7 +3792,7 @@
         <p:spPr>
           <a:xfrm>
             <a:off x="1376280" y="1336680"/>
-            <a:ext cx="4800240" cy="3600360"/>
+            <a:ext cx="4799520" cy="3599640"/>
           </a:xfrm>
           <a:prstGeom prst="rect">
             <a:avLst/>
@@ -3803,7 +3804,7 @@
       </p:sp>
       <p:sp>
         <p:nvSpPr>
-          <p:cNvPr id="431" name="PlaceHolder 2"/>
+          <p:cNvPr id="436" name="PlaceHolder 2"/>
           <p:cNvSpPr>
             <a:spLocks noGrp="1"/>
           </p:cNvSpPr>
@@ -3814,7 +3815,7 @@
         <p:spPr>
           <a:xfrm>
             <a:off x="756000" y="5145120"/>
-            <a:ext cx="6039720" cy="4201920"/>
+            <a:ext cx="6039000" cy="4201200"/>
           </a:xfrm>
           <a:prstGeom prst="rect">
             <a:avLst/>
@@ -3843,14 +3844,14 @@
       </p:sp>
       <p:sp>
         <p:nvSpPr>
-          <p:cNvPr id="432" name="CustomShape 5"/>
+          <p:cNvPr id="437" name="CustomShape 5"/>
           <p:cNvSpPr/>
           <p:nvPr/>
         </p:nvSpPr>
         <p:spPr>
           <a:xfrm>
             <a:off x="0" y="10155240"/>
-            <a:ext cx="3268080" cy="528480"/>
+            <a:ext cx="3267360" cy="527760"/>
           </a:xfrm>
           <a:prstGeom prst="rect">
             <a:avLst/>
@@ -7847,6 +7848,28 @@
 </p:sldLayout>
 </file>
 
+<file path=ppt/slideLayouts/slideLayout40.xml><?xml version="1.0" encoding="utf-8"?>
+<p:sldLayout xmlns:a="http://schemas.openxmlformats.org/drawingml/2006/main" xmlns:p="http://schemas.openxmlformats.org/presentationml/2006/main" xmlns:r="http://schemas.openxmlformats.org/officeDocument/2006/relationships" xmlns:p14="http://schemas.microsoft.com/office/powerpoint/2010/main" xmlns:p15="http://schemas.microsoft.com/office/powerpoint/2012/main" xmlns:mc="http://schemas.openxmlformats.org/markup-compatibility/2006" type="blank" preserve="1">
+  <p:cSld name="Default 4__">
+    <p:spTree>
+      <p:nvGrpSpPr>
+        <p:cNvPr id="1" name=""/>
+        <p:cNvGrpSpPr/>
+        <p:nvPr/>
+      </p:nvGrpSpPr>
+      <p:grpSpPr>
+        <a:xfrm>
+          <a:off x="0" y="0"/>
+          <a:ext cx="0" cy="0"/>
+          <a:chOff x="0" y="0"/>
+          <a:chExt cx="0" cy="0"/>
+        </a:xfrm>
+      </p:grpSpPr>
+    </p:spTree>
+  </p:cSld>
+</p:sldLayout>
+</file>
+
 <file path=ppt/slideLayouts/slideLayout5.xml><?xml version="1.0" encoding="utf-8"?>
 <p:sldLayout xmlns:a="http://schemas.openxmlformats.org/drawingml/2006/main" xmlns:p="http://schemas.openxmlformats.org/presentationml/2006/main" xmlns:r="http://schemas.openxmlformats.org/officeDocument/2006/relationships" xmlns:p14="http://schemas.microsoft.com/office/powerpoint/2010/main" xmlns:p15="http://schemas.microsoft.com/office/powerpoint/2012/main" xmlns:mc="http://schemas.openxmlformats.org/markup-compatibility/2006" type="blank" preserve="1">
   <p:cSld name="Blank Slide">
@@ -8322,7 +8345,7 @@
         <p:spPr>
           <a:xfrm>
             <a:off x="0" y="3150000"/>
-            <a:ext cx="9712080" cy="1252080"/>
+            <a:ext cx="9711360" cy="1251360"/>
           </a:xfrm>
           <a:prstGeom prst="rect">
             <a:avLst/>
@@ -9126,7 +9149,7 @@
         <p:spPr>
           <a:xfrm>
             <a:off x="0" y="3150000"/>
-            <a:ext cx="9712080" cy="1252080"/>
+            <a:ext cx="9711360" cy="1251360"/>
           </a:xfrm>
           <a:prstGeom prst="rect">
             <a:avLst/>
@@ -9206,7 +9229,7 @@
         <p:spPr>
           <a:xfrm>
             <a:off x="0" y="3150000"/>
-            <a:ext cx="9712080" cy="1252080"/>
+            <a:ext cx="9711360" cy="1251360"/>
           </a:xfrm>
           <a:prstGeom prst="rect">
             <a:avLst/>
@@ -10010,7 +10033,7 @@
         <p:spPr>
           <a:xfrm>
             <a:off x="0" y="3150000"/>
-            <a:ext cx="9712080" cy="1252080"/>
+            <a:ext cx="9711360" cy="1251360"/>
           </a:xfrm>
           <a:prstGeom prst="rect">
             <a:avLst/>
@@ -10814,7 +10837,7 @@
         <p:spPr>
           <a:xfrm>
             <a:off x="0" y="180000"/>
-            <a:ext cx="9712080" cy="1252080"/>
+            <a:ext cx="9711360" cy="1251360"/>
           </a:xfrm>
           <a:prstGeom prst="rect">
             <a:avLst/>
@@ -10861,7 +10884,7 @@
         <p:spPr>
           <a:xfrm>
             <a:off x="7560000" y="6840000"/>
-            <a:ext cx="2512080" cy="532080"/>
+            <a:ext cx="2511360" cy="531360"/>
           </a:xfrm>
           <a:prstGeom prst="rect">
             <a:avLst/>
@@ -10908,7 +10931,7 @@
         <p:spPr>
           <a:xfrm>
             <a:off x="900000" y="6840000"/>
-            <a:ext cx="6472080" cy="532080"/>
+            <a:ext cx="6471360" cy="531360"/>
           </a:xfrm>
           <a:prstGeom prst="rect">
             <a:avLst/>
@@ -10955,7 +10978,7 @@
         <p:spPr>
           <a:xfrm>
             <a:off x="180000" y="6840000"/>
-            <a:ext cx="532080" cy="532080"/>
+            <a:ext cx="531360" cy="531360"/>
           </a:xfrm>
           <a:prstGeom prst="rect">
             <a:avLst/>
@@ -11757,7 +11780,7 @@
         <p:spPr>
           <a:xfrm>
             <a:off x="0" y="180000"/>
-            <a:ext cx="9712080" cy="1252080"/>
+            <a:ext cx="9711360" cy="1251360"/>
           </a:xfrm>
           <a:prstGeom prst="rect">
             <a:avLst/>
@@ -11804,7 +11827,7 @@
         <p:spPr>
           <a:xfrm>
             <a:off x="7560000" y="6840000"/>
-            <a:ext cx="2512080" cy="532080"/>
+            <a:ext cx="2511360" cy="531360"/>
           </a:xfrm>
           <a:prstGeom prst="rect">
             <a:avLst/>
@@ -11851,7 +11874,7 @@
         <p:spPr>
           <a:xfrm>
             <a:off x="900000" y="6840000"/>
-            <a:ext cx="6472080" cy="532080"/>
+            <a:ext cx="6471360" cy="531360"/>
           </a:xfrm>
           <a:prstGeom prst="rect">
             <a:avLst/>
@@ -11898,7 +11921,7 @@
         <p:spPr>
           <a:xfrm>
             <a:off x="180000" y="6840000"/>
-            <a:ext cx="532080" cy="532080"/>
+            <a:ext cx="531360" cy="531360"/>
           </a:xfrm>
           <a:prstGeom prst="rect">
             <a:avLst/>
@@ -12475,7 +12498,7 @@
         <p:spPr>
           <a:xfrm>
             <a:off x="0" y="180000"/>
-            <a:ext cx="9712080" cy="1252080"/>
+            <a:ext cx="9711360" cy="1251360"/>
           </a:xfrm>
           <a:prstGeom prst="rect">
             <a:avLst/>
@@ -12522,7 +12545,7 @@
         <p:spPr>
           <a:xfrm>
             <a:off x="7560000" y="6840000"/>
-            <a:ext cx="2512080" cy="532080"/>
+            <a:ext cx="2511360" cy="531360"/>
           </a:xfrm>
           <a:prstGeom prst="rect">
             <a:avLst/>
@@ -12569,7 +12592,7 @@
         <p:spPr>
           <a:xfrm>
             <a:off x="900000" y="6840000"/>
-            <a:ext cx="6472080" cy="532080"/>
+            <a:ext cx="6471360" cy="531360"/>
           </a:xfrm>
           <a:prstGeom prst="rect">
             <a:avLst/>
@@ -12616,7 +12639,7 @@
         <p:spPr>
           <a:xfrm>
             <a:off x="180000" y="6840000"/>
-            <a:ext cx="532080" cy="532080"/>
+            <a:ext cx="531360" cy="531360"/>
           </a:xfrm>
           <a:prstGeom prst="rect">
             <a:avLst/>
@@ -13643,7 +13666,7 @@
         <p:spPr>
           <a:xfrm>
             <a:off x="0" y="180000"/>
-            <a:ext cx="9712080" cy="1252080"/>
+            <a:ext cx="9711360" cy="1251360"/>
           </a:xfrm>
           <a:prstGeom prst="rect">
             <a:avLst/>
@@ -13690,7 +13713,7 @@
         <p:spPr>
           <a:xfrm>
             <a:off x="7560000" y="6840000"/>
-            <a:ext cx="2512080" cy="532080"/>
+            <a:ext cx="2511360" cy="531360"/>
           </a:xfrm>
           <a:prstGeom prst="rect">
             <a:avLst/>
@@ -13737,7 +13760,7 @@
         <p:spPr>
           <a:xfrm>
             <a:off x="900000" y="6840000"/>
-            <a:ext cx="6472080" cy="532080"/>
+            <a:ext cx="6471360" cy="531360"/>
           </a:xfrm>
           <a:prstGeom prst="rect">
             <a:avLst/>
@@ -13784,7 +13807,7 @@
         <p:spPr>
           <a:xfrm>
             <a:off x="180000" y="6840000"/>
-            <a:ext cx="532080" cy="532080"/>
+            <a:ext cx="531360" cy="531360"/>
           </a:xfrm>
           <a:prstGeom prst="rect">
             <a:avLst/>
@@ -13862,7 +13885,7 @@
         <p:spPr>
           <a:xfrm>
             <a:off x="0" y="180000"/>
-            <a:ext cx="9712080" cy="1252080"/>
+            <a:ext cx="9711360" cy="1251360"/>
           </a:xfrm>
           <a:prstGeom prst="rect">
             <a:avLst/>
@@ -13909,7 +13932,7 @@
         <p:spPr>
           <a:xfrm>
             <a:off x="7560000" y="6840000"/>
-            <a:ext cx="2512080" cy="532080"/>
+            <a:ext cx="2511360" cy="531360"/>
           </a:xfrm>
           <a:prstGeom prst="rect">
             <a:avLst/>
@@ -13956,7 +13979,7 @@
         <p:spPr>
           <a:xfrm>
             <a:off x="900000" y="6840000"/>
-            <a:ext cx="6472080" cy="532080"/>
+            <a:ext cx="6471360" cy="531360"/>
           </a:xfrm>
           <a:prstGeom prst="rect">
             <a:avLst/>
@@ -14003,7 +14026,7 @@
         <p:spPr>
           <a:xfrm>
             <a:off x="180000" y="6840000"/>
-            <a:ext cx="532080" cy="532080"/>
+            <a:ext cx="531360" cy="531360"/>
           </a:xfrm>
           <a:prstGeom prst="rect">
             <a:avLst/>
@@ -14355,7 +14378,7 @@
         <p:spPr>
           <a:xfrm>
             <a:off x="0" y="180000"/>
-            <a:ext cx="9712080" cy="1252080"/>
+            <a:ext cx="9711360" cy="1251360"/>
           </a:xfrm>
           <a:prstGeom prst="rect">
             <a:avLst/>
@@ -14402,7 +14425,7 @@
         <p:spPr>
           <a:xfrm>
             <a:off x="7560000" y="6840000"/>
-            <a:ext cx="2512080" cy="532080"/>
+            <a:ext cx="2511360" cy="531360"/>
           </a:xfrm>
           <a:prstGeom prst="rect">
             <a:avLst/>
@@ -14449,7 +14472,7 @@
         <p:spPr>
           <a:xfrm>
             <a:off x="900000" y="6840000"/>
-            <a:ext cx="6472080" cy="532080"/>
+            <a:ext cx="6471360" cy="531360"/>
           </a:xfrm>
           <a:prstGeom prst="rect">
             <a:avLst/>
@@ -14496,7 +14519,7 @@
         <p:spPr>
           <a:xfrm>
             <a:off x="180000" y="6840000"/>
-            <a:ext cx="532080" cy="532080"/>
+            <a:ext cx="531360" cy="531360"/>
           </a:xfrm>
           <a:prstGeom prst="rect">
             <a:avLst/>
@@ -14848,7 +14871,7 @@
         <p:spPr>
           <a:xfrm>
             <a:off x="0" y="180000"/>
-            <a:ext cx="9712080" cy="1252080"/>
+            <a:ext cx="9711360" cy="1251360"/>
           </a:xfrm>
           <a:prstGeom prst="rect">
             <a:avLst/>
@@ -14895,7 +14918,7 @@
         <p:spPr>
           <a:xfrm>
             <a:off x="7560000" y="6840000"/>
-            <a:ext cx="2512080" cy="532080"/>
+            <a:ext cx="2511360" cy="531360"/>
           </a:xfrm>
           <a:prstGeom prst="rect">
             <a:avLst/>
@@ -14942,7 +14965,7 @@
         <p:spPr>
           <a:xfrm>
             <a:off x="900000" y="6840000"/>
-            <a:ext cx="6472080" cy="532080"/>
+            <a:ext cx="6471360" cy="531360"/>
           </a:xfrm>
           <a:prstGeom prst="rect">
             <a:avLst/>
@@ -14989,7 +15012,7 @@
         <p:spPr>
           <a:xfrm>
             <a:off x="180000" y="6840000"/>
-            <a:ext cx="532080" cy="532080"/>
+            <a:ext cx="531360" cy="531360"/>
           </a:xfrm>
           <a:prstGeom prst="rect">
             <a:avLst/>
@@ -15341,7 +15364,7 @@
         <p:spPr>
           <a:xfrm>
             <a:off x="0" y="3150000"/>
-            <a:ext cx="9712080" cy="1252080"/>
+            <a:ext cx="9711360" cy="1251360"/>
           </a:xfrm>
           <a:prstGeom prst="rect">
             <a:avLst/>
@@ -15920,7 +15943,7 @@
         <p:spPr>
           <a:xfrm>
             <a:off x="0" y="180000"/>
-            <a:ext cx="9712080" cy="1252080"/>
+            <a:ext cx="9711360" cy="1251360"/>
           </a:xfrm>
           <a:prstGeom prst="rect">
             <a:avLst/>
@@ -15967,7 +15990,7 @@
         <p:spPr>
           <a:xfrm>
             <a:off x="7560000" y="6840000"/>
-            <a:ext cx="2512080" cy="532080"/>
+            <a:ext cx="2511360" cy="531360"/>
           </a:xfrm>
           <a:prstGeom prst="rect">
             <a:avLst/>
@@ -16014,7 +16037,7 @@
         <p:spPr>
           <a:xfrm>
             <a:off x="900000" y="6840000"/>
-            <a:ext cx="6472080" cy="532080"/>
+            <a:ext cx="6471360" cy="531360"/>
           </a:xfrm>
           <a:prstGeom prst="rect">
             <a:avLst/>
@@ -16061,7 +16084,7 @@
         <p:spPr>
           <a:xfrm>
             <a:off x="180000" y="6840000"/>
-            <a:ext cx="532080" cy="532080"/>
+            <a:ext cx="531360" cy="531360"/>
           </a:xfrm>
           <a:prstGeom prst="rect">
             <a:avLst/>
@@ -16638,7 +16661,7 @@
         <p:spPr>
           <a:xfrm>
             <a:off x="0" y="180000"/>
-            <a:ext cx="9712080" cy="1252080"/>
+            <a:ext cx="9711360" cy="1251360"/>
           </a:xfrm>
           <a:prstGeom prst="rect">
             <a:avLst/>
@@ -16685,7 +16708,7 @@
         <p:spPr>
           <a:xfrm>
             <a:off x="7560000" y="6840000"/>
-            <a:ext cx="2512080" cy="532080"/>
+            <a:ext cx="2511360" cy="531360"/>
           </a:xfrm>
           <a:prstGeom prst="rect">
             <a:avLst/>
@@ -16732,7 +16755,7 @@
         <p:spPr>
           <a:xfrm>
             <a:off x="900000" y="6840000"/>
-            <a:ext cx="6472080" cy="532080"/>
+            <a:ext cx="6471360" cy="531360"/>
           </a:xfrm>
           <a:prstGeom prst="rect">
             <a:avLst/>
@@ -16779,7 +16802,7 @@
         <p:spPr>
           <a:xfrm>
             <a:off x="180000" y="6840000"/>
-            <a:ext cx="532080" cy="532080"/>
+            <a:ext cx="531360" cy="531360"/>
           </a:xfrm>
           <a:prstGeom prst="rect">
             <a:avLst/>
@@ -16906,7 +16929,7 @@
         <p:spPr>
           <a:xfrm>
             <a:off x="0" y="180000"/>
-            <a:ext cx="9712080" cy="1252080"/>
+            <a:ext cx="9711360" cy="1251360"/>
           </a:xfrm>
           <a:prstGeom prst="rect">
             <a:avLst/>
@@ -16953,7 +16976,7 @@
         <p:spPr>
           <a:xfrm>
             <a:off x="7560000" y="6840000"/>
-            <a:ext cx="2512080" cy="532080"/>
+            <a:ext cx="2511360" cy="531360"/>
           </a:xfrm>
           <a:prstGeom prst="rect">
             <a:avLst/>
@@ -17000,7 +17023,7 @@
         <p:spPr>
           <a:xfrm>
             <a:off x="900000" y="6840000"/>
-            <a:ext cx="6472080" cy="532080"/>
+            <a:ext cx="6471360" cy="531360"/>
           </a:xfrm>
           <a:prstGeom prst="rect">
             <a:avLst/>
@@ -17047,7 +17070,7 @@
         <p:spPr>
           <a:xfrm>
             <a:off x="180000" y="6840000"/>
-            <a:ext cx="532080" cy="532080"/>
+            <a:ext cx="531360" cy="531360"/>
           </a:xfrm>
           <a:prstGeom prst="rect">
             <a:avLst/>
@@ -17125,7 +17148,7 @@
         <p:spPr>
           <a:xfrm>
             <a:off x="0" y="180000"/>
-            <a:ext cx="9712080" cy="1252080"/>
+            <a:ext cx="9711360" cy="1251360"/>
           </a:xfrm>
           <a:prstGeom prst="rect">
             <a:avLst/>
@@ -17172,7 +17195,7 @@
         <p:spPr>
           <a:xfrm>
             <a:off x="7560000" y="6840000"/>
-            <a:ext cx="2512080" cy="532080"/>
+            <a:ext cx="2511360" cy="531360"/>
           </a:xfrm>
           <a:prstGeom prst="rect">
             <a:avLst/>
@@ -17219,7 +17242,7 @@
         <p:spPr>
           <a:xfrm>
             <a:off x="900000" y="6840000"/>
-            <a:ext cx="6472080" cy="532080"/>
+            <a:ext cx="6471360" cy="531360"/>
           </a:xfrm>
           <a:prstGeom prst="rect">
             <a:avLst/>
@@ -17266,7 +17289,7 @@
         <p:spPr>
           <a:xfrm>
             <a:off x="180000" y="6840000"/>
-            <a:ext cx="532080" cy="532080"/>
+            <a:ext cx="531360" cy="531360"/>
           </a:xfrm>
           <a:prstGeom prst="rect">
             <a:avLst/>
@@ -18068,7 +18091,7 @@
         <p:spPr>
           <a:xfrm>
             <a:off x="0" y="180000"/>
-            <a:ext cx="9712080" cy="1252080"/>
+            <a:ext cx="9711360" cy="1251360"/>
           </a:xfrm>
           <a:prstGeom prst="rect">
             <a:avLst/>
@@ -18115,7 +18138,7 @@
         <p:spPr>
           <a:xfrm>
             <a:off x="7560000" y="6840000"/>
-            <a:ext cx="2512080" cy="532080"/>
+            <a:ext cx="2511360" cy="531360"/>
           </a:xfrm>
           <a:prstGeom prst="rect">
             <a:avLst/>
@@ -18162,7 +18185,7 @@
         <p:spPr>
           <a:xfrm>
             <a:off x="900000" y="6840000"/>
-            <a:ext cx="6472080" cy="532080"/>
+            <a:ext cx="6471360" cy="531360"/>
           </a:xfrm>
           <a:prstGeom prst="rect">
             <a:avLst/>
@@ -18209,7 +18232,7 @@
         <p:spPr>
           <a:xfrm>
             <a:off x="180000" y="6840000"/>
-            <a:ext cx="532080" cy="532080"/>
+            <a:ext cx="531360" cy="531360"/>
           </a:xfrm>
           <a:prstGeom prst="rect">
             <a:avLst/>
@@ -19011,7 +19034,7 @@
         <p:spPr>
           <a:xfrm>
             <a:off x="0" y="3150000"/>
-            <a:ext cx="9712080" cy="1252080"/>
+            <a:ext cx="9711360" cy="1251360"/>
           </a:xfrm>
           <a:prstGeom prst="rect">
             <a:avLst/>
@@ -19815,7 +19838,7 @@
         <p:spPr>
           <a:xfrm>
             <a:off x="0" y="3150000"/>
-            <a:ext cx="9712080" cy="1252080"/>
+            <a:ext cx="9711360" cy="1251360"/>
           </a:xfrm>
           <a:prstGeom prst="rect">
             <a:avLst/>
@@ -20394,7 +20417,7 @@
         <p:spPr>
           <a:xfrm>
             <a:off x="0" y="3150000"/>
-            <a:ext cx="9712080" cy="1252080"/>
+            <a:ext cx="9711360" cy="1251360"/>
           </a:xfrm>
           <a:prstGeom prst="rect">
             <a:avLst/>
@@ -21423,7 +21446,7 @@
         <p:spPr>
           <a:xfrm>
             <a:off x="0" y="3150000"/>
-            <a:ext cx="9712080" cy="1252080"/>
+            <a:ext cx="9711360" cy="1251360"/>
           </a:xfrm>
           <a:prstGeom prst="rect">
             <a:avLst/>
@@ -21503,7 +21526,7 @@
         <p:spPr>
           <a:xfrm>
             <a:off x="0" y="3150000"/>
-            <a:ext cx="9712080" cy="1252080"/>
+            <a:ext cx="9711360" cy="1251360"/>
           </a:xfrm>
           <a:prstGeom prst="rect">
             <a:avLst/>
@@ -21857,7 +21880,7 @@
         <p:spPr>
           <a:xfrm>
             <a:off x="0" y="3150000"/>
-            <a:ext cx="9712080" cy="1252080"/>
+            <a:ext cx="9711360" cy="1251360"/>
           </a:xfrm>
           <a:prstGeom prst="rect">
             <a:avLst/>
@@ -22886,7 +22909,7 @@
         <p:spPr>
           <a:xfrm>
             <a:off x="0" y="3150000"/>
-            <a:ext cx="9712080" cy="1252080"/>
+            <a:ext cx="9711360" cy="1251360"/>
           </a:xfrm>
           <a:prstGeom prst="rect">
             <a:avLst/>
@@ -23240,7 +23263,7 @@
         <p:spPr>
           <a:xfrm>
             <a:off x="0" y="3150000"/>
-            <a:ext cx="9712080" cy="1252080"/>
+            <a:ext cx="9711360" cy="1251360"/>
           </a:xfrm>
           <a:prstGeom prst="rect">
             <a:avLst/>
@@ -23594,7 +23617,7 @@
         <p:spPr>
           <a:xfrm>
             <a:off x="0" y="3150000"/>
-            <a:ext cx="9712080" cy="1252080"/>
+            <a:ext cx="9711360" cy="1251360"/>
           </a:xfrm>
           <a:prstGeom prst="rect">
             <a:avLst/>
@@ -24173,7 +24196,7 @@
         <p:spPr>
           <a:xfrm>
             <a:off x="0" y="3150000"/>
-            <a:ext cx="9712080" cy="1252080"/>
+            <a:ext cx="9711360" cy="1251360"/>
           </a:xfrm>
           <a:prstGeom prst="rect">
             <a:avLst/>
@@ -24302,7 +24325,7 @@
         <p:spPr>
           <a:xfrm>
             <a:off x="0" y="3150000"/>
-            <a:ext cx="9712080" cy="1252080"/>
+            <a:ext cx="9711360" cy="1251360"/>
           </a:xfrm>
           <a:prstGeom prst="rect">
             <a:avLst/>
@@ -24382,7 +24405,7 @@
         <p:spPr>
           <a:xfrm>
             <a:off x="0" y="3150000"/>
-            <a:ext cx="9712080" cy="1252080"/>
+            <a:ext cx="9711360" cy="1251360"/>
           </a:xfrm>
           <a:prstGeom prst="rect">
             <a:avLst/>
@@ -25186,7 +25209,7 @@
         <p:spPr>
           <a:xfrm>
             <a:off x="0" y="3150000"/>
-            <a:ext cx="9712080" cy="1252080"/>
+            <a:ext cx="9711360" cy="1251360"/>
           </a:xfrm>
           <a:prstGeom prst="rect">
             <a:avLst/>
@@ -25990,7 +26013,7 @@
         <p:spPr>
           <a:xfrm>
             <a:off x="0" y="3150000"/>
-            <a:ext cx="9712080" cy="1252080"/>
+            <a:ext cx="9711360" cy="1251360"/>
           </a:xfrm>
           <a:prstGeom prst="rect">
             <a:avLst/>
@@ -26024,280 +26047,6 @@
               </a:solidFill>
               <a:latin typeface="Arial"/>
               <a:ea typeface="DejaVu Sans"/>
-            </a:endParaRPr>
-          </a:p>
-        </p:txBody>
-      </p:sp>
-      <p:sp>
-        <p:nvSpPr>
-          <p:cNvPr id="247" name="PlaceHolder 1"/>
-          <p:cNvSpPr>
-            <a:spLocks noGrp="1"/>
-          </p:cNvSpPr>
-          <p:nvPr>
-            <p:ph type="title"/>
-          </p:nvPr>
-        </p:nvSpPr>
-        <p:spPr>
-          <a:xfrm>
-            <a:off x="504000" y="301320"/>
-            <a:ext cx="9072000" cy="1261800"/>
-          </a:xfrm>
-          <a:prstGeom prst="rect">
-            <a:avLst/>
-          </a:prstGeom>
-          <a:noFill/>
-          <a:ln w="0">
-            <a:noFill/>
-          </a:ln>
-        </p:spPr>
-        <p:txBody>
-          <a:bodyPr lIns="0" rIns="0" tIns="0" bIns="0" anchor="ctr">
-            <a:noAutofit/>
-          </a:bodyPr>
-          <a:p>
-            <a:pPr indent="0" algn="ctr">
-              <a:buNone/>
-            </a:pPr>
-            <a:r>
-              <a:rPr b="0" lang="en-US" sz="4400" spc="-1" strike="noStrike">
-                <a:solidFill>
-                  <a:srgbClr val="000000"/>
-                </a:solidFill>
-                <a:latin typeface="Arial"/>
-              </a:rPr>
-              <a:t>Click to edit the title text format</a:t>
-            </a:r>
-            <a:endParaRPr b="0" lang="en-US" sz="4400" spc="-1" strike="noStrike">
-              <a:solidFill>
-                <a:srgbClr val="000000"/>
-              </a:solidFill>
-              <a:latin typeface="Arial"/>
-            </a:endParaRPr>
-          </a:p>
-        </p:txBody>
-      </p:sp>
-      <p:sp>
-        <p:nvSpPr>
-          <p:cNvPr id="248" name="PlaceHolder 2"/>
-          <p:cNvSpPr>
-            <a:spLocks noGrp="1"/>
-          </p:cNvSpPr>
-          <p:nvPr>
-            <p:ph type="body"/>
-          </p:nvPr>
-        </p:nvSpPr>
-        <p:spPr>
-          <a:xfrm>
-            <a:off x="504000" y="1768680"/>
-            <a:ext cx="9072000" cy="4384080"/>
-          </a:xfrm>
-          <a:prstGeom prst="rect">
-            <a:avLst/>
-          </a:prstGeom>
-          <a:noFill/>
-          <a:ln w="0">
-            <a:noFill/>
-          </a:ln>
-        </p:spPr>
-        <p:txBody>
-          <a:bodyPr lIns="0" rIns="0" tIns="0" bIns="0" anchor="t">
-            <a:normAutofit/>
-          </a:bodyPr>
-          <a:p>
-            <a:pPr marL="432000" indent="-324000">
-              <a:spcBef>
-                <a:spcPts val="1417"/>
-              </a:spcBef>
-              <a:buClr>
-                <a:srgbClr val="000000"/>
-              </a:buClr>
-              <a:buSzPct val="45000"/>
-              <a:buFont typeface="Wingdings" charset="2"/>
-              <a:buChar char=""/>
-            </a:pPr>
-            <a:r>
-              <a:rPr b="0" lang="en-US" sz="3200" spc="-1" strike="noStrike">
-                <a:solidFill>
-                  <a:srgbClr val="000000"/>
-                </a:solidFill>
-                <a:latin typeface="Arial"/>
-              </a:rPr>
-              <a:t>Click to edit the outline text format</a:t>
-            </a:r>
-            <a:endParaRPr b="0" lang="en-US" sz="3200" spc="-1" strike="noStrike">
-              <a:solidFill>
-                <a:srgbClr val="000000"/>
-              </a:solidFill>
-              <a:latin typeface="Arial"/>
-            </a:endParaRPr>
-          </a:p>
-          <a:p>
-            <a:pPr lvl="1" marL="864000" indent="-324000">
-              <a:spcBef>
-                <a:spcPts val="1134"/>
-              </a:spcBef>
-              <a:buClr>
-                <a:srgbClr val="000000"/>
-              </a:buClr>
-              <a:buSzPct val="75000"/>
-              <a:buFont typeface="Symbol" charset="2"/>
-              <a:buChar char=""/>
-            </a:pPr>
-            <a:r>
-              <a:rPr b="0" lang="en-US" sz="2800" spc="-1" strike="noStrike">
-                <a:solidFill>
-                  <a:srgbClr val="000000"/>
-                </a:solidFill>
-                <a:latin typeface="Arial"/>
-              </a:rPr>
-              <a:t>Second Outline Level</a:t>
-            </a:r>
-            <a:endParaRPr b="0" lang="en-US" sz="2800" spc="-1" strike="noStrike">
-              <a:solidFill>
-                <a:srgbClr val="000000"/>
-              </a:solidFill>
-              <a:latin typeface="Arial"/>
-            </a:endParaRPr>
-          </a:p>
-          <a:p>
-            <a:pPr lvl="2" marL="1296000" indent="-288000">
-              <a:spcBef>
-                <a:spcPts val="850"/>
-              </a:spcBef>
-              <a:buClr>
-                <a:srgbClr val="000000"/>
-              </a:buClr>
-              <a:buSzPct val="45000"/>
-              <a:buFont typeface="Wingdings" charset="2"/>
-              <a:buChar char=""/>
-            </a:pPr>
-            <a:r>
-              <a:rPr b="0" lang="en-US" sz="2400" spc="-1" strike="noStrike">
-                <a:solidFill>
-                  <a:srgbClr val="000000"/>
-                </a:solidFill>
-                <a:latin typeface="Arial"/>
-              </a:rPr>
-              <a:t>Third Outline Level</a:t>
-            </a:r>
-            <a:endParaRPr b="0" lang="en-US" sz="2400" spc="-1" strike="noStrike">
-              <a:solidFill>
-                <a:srgbClr val="000000"/>
-              </a:solidFill>
-              <a:latin typeface="Arial"/>
-            </a:endParaRPr>
-          </a:p>
-          <a:p>
-            <a:pPr lvl="3" marL="1728000" indent="-216000">
-              <a:spcBef>
-                <a:spcPts val="567"/>
-              </a:spcBef>
-              <a:buClr>
-                <a:srgbClr val="000000"/>
-              </a:buClr>
-              <a:buSzPct val="75000"/>
-              <a:buFont typeface="Symbol" charset="2"/>
-              <a:buChar char=""/>
-            </a:pPr>
-            <a:r>
-              <a:rPr b="0" lang="en-US" sz="2000" spc="-1" strike="noStrike">
-                <a:solidFill>
-                  <a:srgbClr val="000000"/>
-                </a:solidFill>
-                <a:latin typeface="Arial"/>
-              </a:rPr>
-              <a:t>Fourth Outline Level</a:t>
-            </a:r>
-            <a:endParaRPr b="0" lang="en-US" sz="2000" spc="-1" strike="noStrike">
-              <a:solidFill>
-                <a:srgbClr val="000000"/>
-              </a:solidFill>
-              <a:latin typeface="Arial"/>
-            </a:endParaRPr>
-          </a:p>
-          <a:p>
-            <a:pPr lvl="4" marL="2160000" indent="-216000">
-              <a:spcBef>
-                <a:spcPts val="283"/>
-              </a:spcBef>
-              <a:buClr>
-                <a:srgbClr val="000000"/>
-              </a:buClr>
-              <a:buSzPct val="45000"/>
-              <a:buFont typeface="Wingdings" charset="2"/>
-              <a:buChar char=""/>
-            </a:pPr>
-            <a:r>
-              <a:rPr b="0" lang="en-US" sz="2000" spc="-1" strike="noStrike">
-                <a:solidFill>
-                  <a:srgbClr val="000000"/>
-                </a:solidFill>
-                <a:latin typeface="Arial"/>
-              </a:rPr>
-              <a:t>Fifth Outline Level</a:t>
-            </a:r>
-            <a:endParaRPr b="0" lang="en-US" sz="2000" spc="-1" strike="noStrike">
-              <a:solidFill>
-                <a:srgbClr val="000000"/>
-              </a:solidFill>
-              <a:latin typeface="Arial"/>
-            </a:endParaRPr>
-          </a:p>
-          <a:p>
-            <a:pPr lvl="5" marL="2592000" indent="-216000">
-              <a:spcBef>
-                <a:spcPts val="283"/>
-              </a:spcBef>
-              <a:buClr>
-                <a:srgbClr val="000000"/>
-              </a:buClr>
-              <a:buSzPct val="45000"/>
-              <a:buFont typeface="Wingdings" charset="2"/>
-              <a:buChar char=""/>
-            </a:pPr>
-            <a:r>
-              <a:rPr b="0" lang="en-US" sz="2000" spc="-1" strike="noStrike">
-                <a:solidFill>
-                  <a:srgbClr val="000000"/>
-                </a:solidFill>
-                <a:latin typeface="Arial"/>
-              </a:rPr>
-              <a:t>Sixth Outline Level</a:t>
-            </a:r>
-            <a:endParaRPr b="0" lang="en-US" sz="2000" spc="-1" strike="noStrike">
-              <a:solidFill>
-                <a:srgbClr val="000000"/>
-              </a:solidFill>
-              <a:latin typeface="Arial"/>
-            </a:endParaRPr>
-          </a:p>
-          <a:p>
-            <a:pPr lvl="6" marL="3024000" indent="-216000">
-              <a:spcBef>
-                <a:spcPts val="283"/>
-              </a:spcBef>
-              <a:buClr>
-                <a:srgbClr val="000000"/>
-              </a:buClr>
-              <a:buSzPct val="45000"/>
-              <a:buFont typeface="Wingdings" charset="2"/>
-              <a:buChar char=""/>
-            </a:pPr>
-            <a:r>
-              <a:rPr b="0" lang="en-US" sz="2000" spc="-1" strike="noStrike">
-                <a:solidFill>
-                  <a:srgbClr val="000000"/>
-                </a:solidFill>
-                <a:latin typeface="Arial"/>
-              </a:rPr>
-              <a:t>Seventh Outline Level</a:t>
-            </a:r>
-            <a:endParaRPr b="0" lang="en-US" sz="2000" spc="-1" strike="noStrike">
-              <a:solidFill>
-                <a:srgbClr val="000000"/>
-              </a:solidFill>
-              <a:latin typeface="Arial"/>
             </a:endParaRPr>
           </a:p>
         </p:txBody>
@@ -26337,14 +26086,14 @@
       </p:grpSpPr>
       <p:sp>
         <p:nvSpPr>
-          <p:cNvPr id="249" name="CustomShape 1"/>
+          <p:cNvPr id="247" name="CustomShape 1"/>
           <p:cNvSpPr/>
           <p:nvPr/>
         </p:nvSpPr>
         <p:spPr>
           <a:xfrm>
             <a:off x="0" y="180000"/>
-            <a:ext cx="9712080" cy="1252080"/>
+            <a:ext cx="9711360" cy="1251360"/>
           </a:xfrm>
           <a:prstGeom prst="rect">
             <a:avLst/>
@@ -26384,14 +26133,14 @@
       </p:sp>
       <p:sp>
         <p:nvSpPr>
-          <p:cNvPr id="250" name="CustomShape 2"/>
+          <p:cNvPr id="248" name="CustomShape 2"/>
           <p:cNvSpPr/>
           <p:nvPr/>
         </p:nvSpPr>
         <p:spPr>
           <a:xfrm>
             <a:off x="7560000" y="6840000"/>
-            <a:ext cx="2512080" cy="532080"/>
+            <a:ext cx="2511360" cy="531360"/>
           </a:xfrm>
           <a:prstGeom prst="rect">
             <a:avLst/>
@@ -26431,14 +26180,14 @@
       </p:sp>
       <p:sp>
         <p:nvSpPr>
-          <p:cNvPr id="251" name="CustomShape 3"/>
+          <p:cNvPr id="249" name="CustomShape 3"/>
           <p:cNvSpPr/>
           <p:nvPr/>
         </p:nvSpPr>
         <p:spPr>
           <a:xfrm>
             <a:off x="900000" y="6840000"/>
-            <a:ext cx="6472080" cy="532080"/>
+            <a:ext cx="6471360" cy="531360"/>
           </a:xfrm>
           <a:prstGeom prst="rect">
             <a:avLst/>
@@ -26478,14 +26227,14 @@
       </p:sp>
       <p:sp>
         <p:nvSpPr>
-          <p:cNvPr id="252" name="CustomShape 4"/>
+          <p:cNvPr id="250" name="CustomShape 4"/>
           <p:cNvSpPr/>
           <p:nvPr/>
         </p:nvSpPr>
         <p:spPr>
           <a:xfrm>
             <a:off x="180000" y="6840000"/>
-            <a:ext cx="532080" cy="532080"/>
+            <a:ext cx="531360" cy="531360"/>
           </a:xfrm>
           <a:prstGeom prst="rect">
             <a:avLst/>
@@ -26523,7 +26272,7 @@
       </p:sp>
       <p:sp>
         <p:nvSpPr>
-          <p:cNvPr id="253" name="PlaceHolder 1"/>
+          <p:cNvPr id="251" name="PlaceHolder 1"/>
           <p:cNvSpPr>
             <a:spLocks noGrp="1"/>
           </p:cNvSpPr>
@@ -26572,7 +26321,7 @@
       </p:sp>
       <p:sp>
         <p:nvSpPr>
-          <p:cNvPr id="254" name="PlaceHolder 2"/>
+          <p:cNvPr id="252" name="PlaceHolder 2"/>
           <p:cNvSpPr>
             <a:spLocks noGrp="1"/>
           </p:cNvSpPr>
@@ -26830,14 +26579,14 @@
       </p:grpSpPr>
       <p:sp>
         <p:nvSpPr>
-          <p:cNvPr id="255" name="CustomShape 1"/>
+          <p:cNvPr id="253" name="CustomShape 1"/>
           <p:cNvSpPr/>
           <p:nvPr/>
         </p:nvSpPr>
         <p:spPr>
           <a:xfrm>
             <a:off x="0" y="3150000"/>
-            <a:ext cx="9712080" cy="1252080"/>
+            <a:ext cx="9711360" cy="1251360"/>
           </a:xfrm>
           <a:prstGeom prst="rect">
             <a:avLst/>
@@ -26860,6 +26609,11 @@
             <a:noAutofit/>
           </a:bodyPr>
           <a:p>
+            <a:pPr>
+              <a:lnSpc>
+                <a:spcPct val="100000"/>
+              </a:lnSpc>
+            </a:pPr>
             <a:endParaRPr b="0" lang="en-US" sz="1800" spc="-1" strike="noStrike">
               <a:solidFill>
                 <a:srgbClr val="ffffff"/>
@@ -26872,7 +26626,7 @@
       </p:sp>
       <p:sp>
         <p:nvSpPr>
-          <p:cNvPr id="256" name="PlaceHolder 1"/>
+          <p:cNvPr id="254" name="PlaceHolder 1"/>
           <p:cNvSpPr>
             <a:spLocks noGrp="1"/>
           </p:cNvSpPr>
@@ -26921,7 +26675,7 @@
       </p:sp>
       <p:sp>
         <p:nvSpPr>
-          <p:cNvPr id="257" name="PlaceHolder 2"/>
+          <p:cNvPr id="255" name="PlaceHolder 2"/>
           <p:cNvSpPr>
             <a:spLocks noGrp="1"/>
           </p:cNvSpPr>
@@ -27186,7 +26940,7 @@
         <p:spPr>
           <a:xfrm>
             <a:off x="0" y="3150000"/>
-            <a:ext cx="9712080" cy="1252080"/>
+            <a:ext cx="9711360" cy="1251360"/>
           </a:xfrm>
           <a:prstGeom prst="rect">
             <a:avLst/>
@@ -27229,6 +26983,499 @@
   <p:clrMap bg1="lt1" bg2="lt2" tx1="dk1" tx2="dk2" accent1="accent1" accent2="accent2" accent3="accent3" accent4="accent4" accent5="accent5" accent6="accent6" hlink="hlink" folHlink="folHlink"/>
   <p:sldLayoutIdLst>
     <p:sldLayoutId id="2147483655" r:id="rId2"/>
+  </p:sldLayoutIdLst>
+</p:sldMaster>
+</file>
+
+<file path=ppt/slideMasters/slideMaster40.xml><?xml version="1.0" encoding="utf-8"?>
+<p:sldMaster xmlns:a="http://schemas.openxmlformats.org/drawingml/2006/main" xmlns:p="http://schemas.openxmlformats.org/presentationml/2006/main" xmlns:r="http://schemas.openxmlformats.org/officeDocument/2006/relationships" xmlns:p14="http://schemas.microsoft.com/office/powerpoint/2010/main" xmlns:p15="http://schemas.microsoft.com/office/powerpoint/2012/main" xmlns:mc="http://schemas.openxmlformats.org/markup-compatibility/2006">
+  <p:cSld>
+    <p:bg>
+      <p:bgPr>
+        <a:solidFill>
+          <a:srgbClr val="ffffff"/>
+        </a:solidFill>
+      </p:bgPr>
+    </p:bg>
+    <p:spTree>
+      <p:nvGrpSpPr>
+        <p:cNvPr id="1" name=""/>
+        <p:cNvGrpSpPr/>
+        <p:nvPr/>
+      </p:nvGrpSpPr>
+      <p:grpSpPr>
+        <a:xfrm>
+          <a:off x="0" y="0"/>
+          <a:ext cx="0" cy="0"/>
+          <a:chOff x="0" y="0"/>
+          <a:chExt cx="0" cy="0"/>
+        </a:xfrm>
+      </p:grpSpPr>
+      <p:sp>
+        <p:nvSpPr>
+          <p:cNvPr id="256" name="CustomShape 1"/>
+          <p:cNvSpPr/>
+          <p:nvPr/>
+        </p:nvSpPr>
+        <p:spPr>
+          <a:xfrm>
+            <a:off x="0" y="180000"/>
+            <a:ext cx="9711360" cy="1251360"/>
+          </a:xfrm>
+          <a:prstGeom prst="rect">
+            <a:avLst/>
+          </a:prstGeom>
+          <a:solidFill>
+            <a:srgbClr val="e74c3c"/>
+          </a:solidFill>
+          <a:ln w="72000">
+            <a:noFill/>
+          </a:ln>
+        </p:spPr>
+        <p:style>
+          <a:lnRef idx="0"/>
+          <a:fillRef idx="0"/>
+          <a:effectRef idx="0"/>
+          <a:fontRef idx="minor"/>
+        </p:style>
+        <p:txBody>
+          <a:bodyPr lIns="90000" rIns="90000" tIns="45000" bIns="45000" anchor="t">
+            <a:noAutofit/>
+          </a:bodyPr>
+          <a:p>
+            <a:pPr>
+              <a:lnSpc>
+                <a:spcPct val="100000"/>
+              </a:lnSpc>
+            </a:pPr>
+            <a:endParaRPr b="0" lang="en-US" sz="1800" spc="-1" strike="noStrike">
+              <a:solidFill>
+                <a:srgbClr val="ffffff"/>
+              </a:solidFill>
+              <a:latin typeface="Arial"/>
+              <a:ea typeface="DejaVu Sans"/>
+            </a:endParaRPr>
+          </a:p>
+        </p:txBody>
+      </p:sp>
+      <p:sp>
+        <p:nvSpPr>
+          <p:cNvPr id="257" name="CustomShape 2"/>
+          <p:cNvSpPr/>
+          <p:nvPr/>
+        </p:nvSpPr>
+        <p:spPr>
+          <a:xfrm>
+            <a:off x="7560000" y="6840000"/>
+            <a:ext cx="2511360" cy="531360"/>
+          </a:xfrm>
+          <a:prstGeom prst="rect">
+            <a:avLst/>
+          </a:prstGeom>
+          <a:solidFill>
+            <a:srgbClr val="e74c3c"/>
+          </a:solidFill>
+          <a:ln w="72000">
+            <a:noFill/>
+          </a:ln>
+        </p:spPr>
+        <p:style>
+          <a:lnRef idx="0"/>
+          <a:fillRef idx="0"/>
+          <a:effectRef idx="0"/>
+          <a:fontRef idx="minor"/>
+        </p:style>
+        <p:txBody>
+          <a:bodyPr lIns="90000" rIns="90000" tIns="45000" bIns="45000" anchor="t">
+            <a:noAutofit/>
+          </a:bodyPr>
+          <a:p>
+            <a:pPr>
+              <a:lnSpc>
+                <a:spcPct val="100000"/>
+              </a:lnSpc>
+            </a:pPr>
+            <a:endParaRPr b="0" lang="en-US" sz="1800" spc="-1" strike="noStrike">
+              <a:solidFill>
+                <a:srgbClr val="ffffff"/>
+              </a:solidFill>
+              <a:latin typeface="Arial"/>
+              <a:ea typeface="DejaVu Sans"/>
+            </a:endParaRPr>
+          </a:p>
+        </p:txBody>
+      </p:sp>
+      <p:sp>
+        <p:nvSpPr>
+          <p:cNvPr id="258" name="CustomShape 3"/>
+          <p:cNvSpPr/>
+          <p:nvPr/>
+        </p:nvSpPr>
+        <p:spPr>
+          <a:xfrm>
+            <a:off x="900000" y="6840000"/>
+            <a:ext cx="6471360" cy="531360"/>
+          </a:xfrm>
+          <a:prstGeom prst="rect">
+            <a:avLst/>
+          </a:prstGeom>
+          <a:solidFill>
+            <a:srgbClr val="bdc3c7"/>
+          </a:solidFill>
+          <a:ln w="72000">
+            <a:noFill/>
+          </a:ln>
+        </p:spPr>
+        <p:style>
+          <a:lnRef idx="0"/>
+          <a:fillRef idx="0"/>
+          <a:effectRef idx="0"/>
+          <a:fontRef idx="minor"/>
+        </p:style>
+        <p:txBody>
+          <a:bodyPr lIns="90000" rIns="90000" tIns="45000" bIns="45000" anchor="t">
+            <a:noAutofit/>
+          </a:bodyPr>
+          <a:p>
+            <a:pPr>
+              <a:lnSpc>
+                <a:spcPct val="100000"/>
+              </a:lnSpc>
+            </a:pPr>
+            <a:endParaRPr b="0" lang="en-US" sz="1800" spc="-1" strike="noStrike">
+              <a:solidFill>
+                <a:srgbClr val="000000"/>
+              </a:solidFill>
+              <a:latin typeface="Arial"/>
+              <a:ea typeface="DejaVu Sans"/>
+            </a:endParaRPr>
+          </a:p>
+        </p:txBody>
+      </p:sp>
+      <p:sp>
+        <p:nvSpPr>
+          <p:cNvPr id="259" name="CustomShape 4"/>
+          <p:cNvSpPr/>
+          <p:nvPr/>
+        </p:nvSpPr>
+        <p:spPr>
+          <a:xfrm>
+            <a:off x="180000" y="6840000"/>
+            <a:ext cx="531360" cy="531360"/>
+          </a:xfrm>
+          <a:prstGeom prst="rect">
+            <a:avLst/>
+          </a:prstGeom>
+          <a:noFill/>
+          <a:ln w="72000">
+            <a:noFill/>
+          </a:ln>
+        </p:spPr>
+        <p:style>
+          <a:lnRef idx="0"/>
+          <a:fillRef idx="0"/>
+          <a:effectRef idx="0"/>
+          <a:fontRef idx="minor"/>
+        </p:style>
+        <p:txBody>
+          <a:bodyPr lIns="90000" rIns="90000" tIns="45000" bIns="45000" anchor="t">
+            <a:noAutofit/>
+          </a:bodyPr>
+          <a:p>
+            <a:pPr>
+              <a:lnSpc>
+                <a:spcPct val="100000"/>
+              </a:lnSpc>
+            </a:pPr>
+            <a:endParaRPr b="0" lang="en-US" sz="1800" spc="-1" strike="noStrike">
+              <a:solidFill>
+                <a:srgbClr val="000000"/>
+              </a:solidFill>
+              <a:latin typeface="Arial"/>
+              <a:ea typeface="DejaVu Sans"/>
+            </a:endParaRPr>
+          </a:p>
+        </p:txBody>
+      </p:sp>
+      <p:sp>
+        <p:nvSpPr>
+          <p:cNvPr id="260" name="PlaceHolder 1"/>
+          <p:cNvSpPr>
+            <a:spLocks noGrp="1"/>
+          </p:cNvSpPr>
+          <p:nvPr>
+            <p:ph type="title"/>
+          </p:nvPr>
+        </p:nvSpPr>
+        <p:spPr>
+          <a:xfrm>
+            <a:off x="504000" y="301320"/>
+            <a:ext cx="9072000" cy="1261800"/>
+          </a:xfrm>
+          <a:prstGeom prst="rect">
+            <a:avLst/>
+          </a:prstGeom>
+          <a:noFill/>
+          <a:ln w="0">
+            <a:noFill/>
+          </a:ln>
+        </p:spPr>
+        <p:txBody>
+          <a:bodyPr lIns="0" rIns="0" tIns="0" bIns="0" anchor="ctr">
+            <a:noAutofit/>
+          </a:bodyPr>
+          <a:p>
+            <a:pPr indent="0" algn="ctr">
+              <a:buNone/>
+            </a:pPr>
+            <a:r>
+              <a:rPr b="0" lang="en-US" sz="4400" spc="-1" strike="noStrike">
+                <a:solidFill>
+                  <a:srgbClr val="000000"/>
+                </a:solidFill>
+                <a:latin typeface="Arial"/>
+              </a:rPr>
+              <a:t>Click to edit the title text format</a:t>
+            </a:r>
+            <a:endParaRPr b="0" lang="en-US" sz="4400" spc="-1" strike="noStrike">
+              <a:solidFill>
+                <a:srgbClr val="000000"/>
+              </a:solidFill>
+              <a:latin typeface="Arial"/>
+            </a:endParaRPr>
+          </a:p>
+        </p:txBody>
+      </p:sp>
+      <p:sp>
+        <p:nvSpPr>
+          <p:cNvPr id="261" name="PlaceHolder 2"/>
+          <p:cNvSpPr>
+            <a:spLocks noGrp="1"/>
+          </p:cNvSpPr>
+          <p:nvPr>
+            <p:ph type="body"/>
+          </p:nvPr>
+        </p:nvSpPr>
+        <p:spPr>
+          <a:xfrm>
+            <a:off x="504000" y="1768680"/>
+            <a:ext cx="9072000" cy="4384080"/>
+          </a:xfrm>
+          <a:prstGeom prst="rect">
+            <a:avLst/>
+          </a:prstGeom>
+          <a:noFill/>
+          <a:ln w="0">
+            <a:noFill/>
+          </a:ln>
+        </p:spPr>
+        <p:txBody>
+          <a:bodyPr lIns="0" rIns="0" tIns="0" bIns="0" anchor="t">
+            <a:normAutofit/>
+          </a:bodyPr>
+          <a:p>
+            <a:pPr marL="432000" indent="-324000">
+              <a:spcBef>
+                <a:spcPts val="1417"/>
+              </a:spcBef>
+              <a:buClr>
+                <a:srgbClr val="000000"/>
+              </a:buClr>
+              <a:buSzPct val="45000"/>
+              <a:buFont typeface="Wingdings" charset="2"/>
+              <a:buChar char=""/>
+            </a:pPr>
+            <a:r>
+              <a:rPr b="0" lang="en-US" sz="3200" spc="-1" strike="noStrike">
+                <a:solidFill>
+                  <a:srgbClr val="000000"/>
+                </a:solidFill>
+                <a:latin typeface="Arial"/>
+              </a:rPr>
+              <a:t>Click to edit the outline text format</a:t>
+            </a:r>
+            <a:endParaRPr b="0" lang="en-US" sz="3200" spc="-1" strike="noStrike">
+              <a:solidFill>
+                <a:srgbClr val="000000"/>
+              </a:solidFill>
+              <a:latin typeface="Arial"/>
+            </a:endParaRPr>
+          </a:p>
+          <a:p>
+            <a:pPr lvl="1" marL="864000" indent="-324000">
+              <a:spcBef>
+                <a:spcPts val="1134"/>
+              </a:spcBef>
+              <a:buClr>
+                <a:srgbClr val="000000"/>
+              </a:buClr>
+              <a:buSzPct val="75000"/>
+              <a:buFont typeface="Symbol" charset="2"/>
+              <a:buChar char=""/>
+            </a:pPr>
+            <a:r>
+              <a:rPr b="0" lang="en-US" sz="2800" spc="-1" strike="noStrike">
+                <a:solidFill>
+                  <a:srgbClr val="000000"/>
+                </a:solidFill>
+                <a:latin typeface="Arial"/>
+              </a:rPr>
+              <a:t>Second Outline Level</a:t>
+            </a:r>
+            <a:endParaRPr b="0" lang="en-US" sz="2800" spc="-1" strike="noStrike">
+              <a:solidFill>
+                <a:srgbClr val="000000"/>
+              </a:solidFill>
+              <a:latin typeface="Arial"/>
+            </a:endParaRPr>
+          </a:p>
+          <a:p>
+            <a:pPr lvl="2" marL="1296000" indent="-288000">
+              <a:spcBef>
+                <a:spcPts val="850"/>
+              </a:spcBef>
+              <a:buClr>
+                <a:srgbClr val="000000"/>
+              </a:buClr>
+              <a:buSzPct val="45000"/>
+              <a:buFont typeface="Wingdings" charset="2"/>
+              <a:buChar char=""/>
+            </a:pPr>
+            <a:r>
+              <a:rPr b="0" lang="en-US" sz="2400" spc="-1" strike="noStrike">
+                <a:solidFill>
+                  <a:srgbClr val="000000"/>
+                </a:solidFill>
+                <a:latin typeface="Arial"/>
+              </a:rPr>
+              <a:t>Third Outline Level</a:t>
+            </a:r>
+            <a:endParaRPr b="0" lang="en-US" sz="2400" spc="-1" strike="noStrike">
+              <a:solidFill>
+                <a:srgbClr val="000000"/>
+              </a:solidFill>
+              <a:latin typeface="Arial"/>
+            </a:endParaRPr>
+          </a:p>
+          <a:p>
+            <a:pPr lvl="3" marL="1728000" indent="-216000">
+              <a:spcBef>
+                <a:spcPts val="567"/>
+              </a:spcBef>
+              <a:buClr>
+                <a:srgbClr val="000000"/>
+              </a:buClr>
+              <a:buSzPct val="75000"/>
+              <a:buFont typeface="Symbol" charset="2"/>
+              <a:buChar char=""/>
+            </a:pPr>
+            <a:r>
+              <a:rPr b="0" lang="en-US" sz="2000" spc="-1" strike="noStrike">
+                <a:solidFill>
+                  <a:srgbClr val="000000"/>
+                </a:solidFill>
+                <a:latin typeface="Arial"/>
+              </a:rPr>
+              <a:t>Fourth Outline Level</a:t>
+            </a:r>
+            <a:endParaRPr b="0" lang="en-US" sz="2000" spc="-1" strike="noStrike">
+              <a:solidFill>
+                <a:srgbClr val="000000"/>
+              </a:solidFill>
+              <a:latin typeface="Arial"/>
+            </a:endParaRPr>
+          </a:p>
+          <a:p>
+            <a:pPr lvl="4" marL="2160000" indent="-216000">
+              <a:spcBef>
+                <a:spcPts val="283"/>
+              </a:spcBef>
+              <a:buClr>
+                <a:srgbClr val="000000"/>
+              </a:buClr>
+              <a:buSzPct val="45000"/>
+              <a:buFont typeface="Wingdings" charset="2"/>
+              <a:buChar char=""/>
+            </a:pPr>
+            <a:r>
+              <a:rPr b="0" lang="en-US" sz="2000" spc="-1" strike="noStrike">
+                <a:solidFill>
+                  <a:srgbClr val="000000"/>
+                </a:solidFill>
+                <a:latin typeface="Arial"/>
+              </a:rPr>
+              <a:t>Fifth Outline Level</a:t>
+            </a:r>
+            <a:endParaRPr b="0" lang="en-US" sz="2000" spc="-1" strike="noStrike">
+              <a:solidFill>
+                <a:srgbClr val="000000"/>
+              </a:solidFill>
+              <a:latin typeface="Arial"/>
+            </a:endParaRPr>
+          </a:p>
+          <a:p>
+            <a:pPr lvl="5" marL="2592000" indent="-216000">
+              <a:spcBef>
+                <a:spcPts val="283"/>
+              </a:spcBef>
+              <a:buClr>
+                <a:srgbClr val="000000"/>
+              </a:buClr>
+              <a:buSzPct val="45000"/>
+              <a:buFont typeface="Wingdings" charset="2"/>
+              <a:buChar char=""/>
+            </a:pPr>
+            <a:r>
+              <a:rPr b="0" lang="en-US" sz="2000" spc="-1" strike="noStrike">
+                <a:solidFill>
+                  <a:srgbClr val="000000"/>
+                </a:solidFill>
+                <a:latin typeface="Arial"/>
+              </a:rPr>
+              <a:t>Sixth Outline Level</a:t>
+            </a:r>
+            <a:endParaRPr b="0" lang="en-US" sz="2000" spc="-1" strike="noStrike">
+              <a:solidFill>
+                <a:srgbClr val="000000"/>
+              </a:solidFill>
+              <a:latin typeface="Arial"/>
+            </a:endParaRPr>
+          </a:p>
+          <a:p>
+            <a:pPr lvl="6" marL="3024000" indent="-216000">
+              <a:spcBef>
+                <a:spcPts val="283"/>
+              </a:spcBef>
+              <a:buClr>
+                <a:srgbClr val="000000"/>
+              </a:buClr>
+              <a:buSzPct val="45000"/>
+              <a:buFont typeface="Wingdings" charset="2"/>
+              <a:buChar char=""/>
+            </a:pPr>
+            <a:r>
+              <a:rPr b="0" lang="en-US" sz="2000" spc="-1" strike="noStrike">
+                <a:solidFill>
+                  <a:srgbClr val="000000"/>
+                </a:solidFill>
+                <a:latin typeface="Arial"/>
+              </a:rPr>
+              <a:t>Seventh Outline Level</a:t>
+            </a:r>
+            <a:endParaRPr b="0" lang="en-US" sz="2000" spc="-1" strike="noStrike">
+              <a:solidFill>
+                <a:srgbClr val="000000"/>
+              </a:solidFill>
+              <a:latin typeface="Arial"/>
+            </a:endParaRPr>
+          </a:p>
+        </p:txBody>
+      </p:sp>
+    </p:spTree>
+  </p:cSld>
+  <p:clrMap bg1="lt1" bg2="lt2" tx1="dk1" tx2="dk2" accent1="accent1" accent2="accent2" accent3="accent3" accent4="accent4" accent5="accent5" accent6="accent6" hlink="hlink" folHlink="folHlink"/>
+  <p:sldLayoutIdLst>
+    <p:sldLayoutId id="2147483727" r:id="rId2"/>
   </p:sldLayoutIdLst>
 </p:sldMaster>
 </file>
@@ -27266,7 +27513,7 @@
         <p:spPr>
           <a:xfrm>
             <a:off x="0" y="3150000"/>
-            <a:ext cx="9712080" cy="1252080"/>
+            <a:ext cx="9711360" cy="1251360"/>
           </a:xfrm>
           <a:prstGeom prst="rect">
             <a:avLst/>
@@ -27620,7 +27867,7 @@
         <p:spPr>
           <a:xfrm>
             <a:off x="0" y="3150000"/>
-            <a:ext cx="9712080" cy="1252080"/>
+            <a:ext cx="9711360" cy="1251360"/>
           </a:xfrm>
           <a:prstGeom prst="rect">
             <a:avLst/>
@@ -27974,7 +28221,7 @@
         <p:spPr>
           <a:xfrm>
             <a:off x="0" y="3150000"/>
-            <a:ext cx="9712080" cy="1252080"/>
+            <a:ext cx="9711360" cy="1251360"/>
           </a:xfrm>
           <a:prstGeom prst="rect">
             <a:avLst/>
@@ -28328,7 +28575,7 @@
         <p:spPr>
           <a:xfrm>
             <a:off x="0" y="3150000"/>
-            <a:ext cx="9712080" cy="1252080"/>
+            <a:ext cx="9711360" cy="1251360"/>
           </a:xfrm>
           <a:prstGeom prst="rect">
             <a:avLst/>
@@ -28907,7 +29154,7 @@
         <p:spPr>
           <a:xfrm>
             <a:off x="0" y="3150000"/>
-            <a:ext cx="9712080" cy="1252080"/>
+            <a:ext cx="9711360" cy="1251360"/>
           </a:xfrm>
           <a:prstGeom prst="rect">
             <a:avLst/>
@@ -29022,14 +29269,14 @@
       </p:grpSpPr>
       <p:sp>
         <p:nvSpPr>
-          <p:cNvPr id="264" name="CustomShape 1"/>
+          <p:cNvPr id="268" name="CustomShape 1"/>
           <p:cNvSpPr/>
           <p:nvPr/>
         </p:nvSpPr>
         <p:spPr>
           <a:xfrm>
             <a:off x="360000" y="3330000"/>
-            <a:ext cx="9352080" cy="892080"/>
+            <a:ext cx="9351360" cy="891360"/>
           </a:xfrm>
           <a:prstGeom prst="rect">
             <a:avLst/>
@@ -29099,14 +29346,14 @@
       </p:sp>
       <p:sp>
         <p:nvSpPr>
-          <p:cNvPr id="265" name="CustomShape 2"/>
+          <p:cNvPr id="269" name="CustomShape 2"/>
           <p:cNvSpPr/>
           <p:nvPr/>
         </p:nvSpPr>
         <p:spPr>
           <a:xfrm>
             <a:off x="540000" y="4680000"/>
-            <a:ext cx="9172080" cy="2512080"/>
+            <a:ext cx="9171360" cy="2511360"/>
           </a:xfrm>
           <a:prstGeom prst="rect">
             <a:avLst/>
@@ -29324,7 +29571,7 @@
       </p:grpSpPr>
       <p:pic>
         <p:nvPicPr>
-          <p:cNvPr id="310" name="Imagem 310" descr=""/>
+          <p:cNvPr id="314" name="Imagem 310" descr=""/>
           <p:cNvPicPr/>
           <p:nvPr/>
         </p:nvPicPr>
@@ -29335,7 +29582,7 @@
         <p:spPr>
           <a:xfrm>
             <a:off x="3360240" y="2252880"/>
-            <a:ext cx="6538680" cy="3052440"/>
+            <a:ext cx="6537960" cy="3051720"/>
           </a:xfrm>
           <a:prstGeom prst="rect">
             <a:avLst/>
@@ -29347,14 +29594,14 @@
       </p:pic>
       <p:sp>
         <p:nvSpPr>
-          <p:cNvPr id="311" name="CustomShape 1"/>
+          <p:cNvPr id="315" name="CustomShape 1"/>
           <p:cNvSpPr/>
           <p:nvPr/>
         </p:nvSpPr>
         <p:spPr>
           <a:xfrm>
             <a:off x="360000" y="360000"/>
-            <a:ext cx="9352080" cy="892080"/>
+            <a:ext cx="9351360" cy="891360"/>
           </a:xfrm>
           <a:prstGeom prst="rect">
             <a:avLst/>
@@ -29401,14 +29648,14 @@
       </p:sp>
       <p:sp>
         <p:nvSpPr>
-          <p:cNvPr id="312" name="CustomShape 2"/>
+          <p:cNvPr id="316" name="CustomShape 2"/>
           <p:cNvSpPr/>
           <p:nvPr/>
         </p:nvSpPr>
         <p:spPr>
           <a:xfrm>
             <a:off x="180000" y="1836000"/>
-            <a:ext cx="9172080" cy="4672080"/>
+            <a:ext cx="9171360" cy="4671360"/>
           </a:xfrm>
           <a:prstGeom prst="rect">
             <a:avLst/>
@@ -29716,14 +29963,14 @@
       </p:sp>
       <p:sp>
         <p:nvSpPr>
-          <p:cNvPr id="313" name="CustomShape 3"/>
+          <p:cNvPr id="317" name="CustomShape 3"/>
           <p:cNvSpPr/>
           <p:nvPr/>
         </p:nvSpPr>
         <p:spPr>
           <a:xfrm>
             <a:off x="7608600" y="6886080"/>
-            <a:ext cx="2277360" cy="357120"/>
+            <a:ext cx="2276640" cy="356400"/>
           </a:xfrm>
           <a:prstGeom prst="rect">
             <a:avLst/>
@@ -29770,14 +30017,14 @@
       </p:sp>
       <p:sp>
         <p:nvSpPr>
-          <p:cNvPr id="314" name="CustomShape 4"/>
+          <p:cNvPr id="318" name="CustomShape 4"/>
           <p:cNvSpPr/>
           <p:nvPr/>
         </p:nvSpPr>
         <p:spPr>
           <a:xfrm>
             <a:off x="897120" y="6886080"/>
-            <a:ext cx="6439320" cy="357120"/>
+            <a:ext cx="6438600" cy="356400"/>
           </a:xfrm>
           <a:prstGeom prst="rect">
             <a:avLst/>
@@ -29824,7 +30071,7 @@
       </p:sp>
       <p:pic>
         <p:nvPicPr>
-          <p:cNvPr id="315" name="Imagem 308" descr=""/>
+          <p:cNvPr id="319" name="Imagem 308" descr=""/>
           <p:cNvPicPr/>
           <p:nvPr/>
         </p:nvPicPr>
@@ -29835,7 +30082,7 @@
         <p:spPr>
           <a:xfrm>
             <a:off x="726840" y="2730600"/>
-            <a:ext cx="2794680" cy="2148480"/>
+            <a:ext cx="2793960" cy="2147760"/>
           </a:xfrm>
           <a:prstGeom prst="rect">
             <a:avLst/>
@@ -29847,7 +30094,7 @@
       </p:pic>
       <p:pic>
         <p:nvPicPr>
-          <p:cNvPr id="316" name="Imagem 309" descr=""/>
+          <p:cNvPr id="320" name="Imagem 309" descr=""/>
           <p:cNvPicPr/>
           <p:nvPr/>
         </p:nvPicPr>
@@ -29858,7 +30105,7 @@
         <p:spPr>
           <a:xfrm>
             <a:off x="559800" y="4956840"/>
-            <a:ext cx="2598840" cy="490680"/>
+            <a:ext cx="2598120" cy="489960"/>
           </a:xfrm>
           <a:prstGeom prst="rect">
             <a:avLst/>
@@ -29900,14 +30147,14 @@
       </p:grpSpPr>
       <p:sp>
         <p:nvSpPr>
-          <p:cNvPr id="317" name="CustomShape 6"/>
+          <p:cNvPr id="321" name="CustomShape 6"/>
           <p:cNvSpPr/>
           <p:nvPr/>
         </p:nvSpPr>
         <p:spPr>
           <a:xfrm>
             <a:off x="360000" y="3330000"/>
-            <a:ext cx="9352080" cy="892080"/>
+            <a:ext cx="9351360" cy="891360"/>
           </a:xfrm>
           <a:prstGeom prst="rect">
             <a:avLst/>
@@ -29971,7 +30218,7 @@
                 <a:latin typeface="Latin Modern Sans"/>
                 <a:ea typeface="DejaVu Sans"/>
               </a:rPr>
-              <a:t>	</a:t>
+              <a:t>  </a:t>
             </a:r>
             <a:r>
               <a:rPr b="1" lang="pt-BR" sz="4200" spc="-1" strike="noStrike">
@@ -29981,7 +30228,7 @@
                 <a:latin typeface="Latin Modern Sans"/>
                 <a:ea typeface="DejaVu Sans"/>
               </a:rPr>
-              <a:t>Árvores</a:t>
+              <a:t>Árvores AVL</a:t>
             </a:r>
             <a:endParaRPr b="0" lang="en-US" sz="4200" spc="-1" strike="noStrike">
               <a:solidFill>
@@ -29994,14 +30241,14 @@
       </p:sp>
       <p:sp>
         <p:nvSpPr>
-          <p:cNvPr id="318" name="CustomShape 7"/>
+          <p:cNvPr id="322" name="CustomShape 7"/>
           <p:cNvSpPr/>
           <p:nvPr/>
         </p:nvSpPr>
         <p:spPr>
           <a:xfrm>
             <a:off x="540000" y="4680000"/>
-            <a:ext cx="9172080" cy="2512080"/>
+            <a:ext cx="9171360" cy="2511360"/>
           </a:xfrm>
           <a:prstGeom prst="rect">
             <a:avLst/>
@@ -30146,14 +30393,14 @@
       </p:grpSpPr>
       <p:sp>
         <p:nvSpPr>
-          <p:cNvPr id="319" name="CustomShape 87"/>
+          <p:cNvPr id="323" name="CustomShape 87"/>
           <p:cNvSpPr/>
           <p:nvPr/>
         </p:nvSpPr>
         <p:spPr>
           <a:xfrm>
             <a:off x="360000" y="360000"/>
-            <a:ext cx="9352080" cy="892080"/>
+            <a:ext cx="9351360" cy="891360"/>
           </a:xfrm>
           <a:prstGeom prst="rect">
             <a:avLst/>
@@ -30200,14 +30447,14 @@
       </p:sp>
       <p:sp>
         <p:nvSpPr>
-          <p:cNvPr id="320" name="CustomShape 88"/>
+          <p:cNvPr id="324" name="CustomShape 88"/>
           <p:cNvSpPr/>
           <p:nvPr/>
         </p:nvSpPr>
         <p:spPr>
           <a:xfrm>
             <a:off x="360000" y="1980000"/>
-            <a:ext cx="9172080" cy="4672080"/>
+            <a:ext cx="9171360" cy="4671360"/>
           </a:xfrm>
           <a:prstGeom prst="rect">
             <a:avLst/>
@@ -30507,14 +30754,14 @@
       </p:sp>
       <p:sp>
         <p:nvSpPr>
-          <p:cNvPr id="321" name="CustomShape 89"/>
+          <p:cNvPr id="325" name="CustomShape 89"/>
           <p:cNvSpPr/>
           <p:nvPr/>
         </p:nvSpPr>
         <p:spPr>
           <a:xfrm>
             <a:off x="7608600" y="6886080"/>
-            <a:ext cx="2277360" cy="357120"/>
+            <a:ext cx="2276640" cy="356400"/>
           </a:xfrm>
           <a:prstGeom prst="rect">
             <a:avLst/>
@@ -30561,14 +30808,14 @@
       </p:sp>
       <p:sp>
         <p:nvSpPr>
-          <p:cNvPr id="322" name="CustomShape 90"/>
+          <p:cNvPr id="326" name="CustomShape 90"/>
           <p:cNvSpPr/>
           <p:nvPr/>
         </p:nvSpPr>
         <p:spPr>
           <a:xfrm>
             <a:off x="897120" y="6886080"/>
-            <a:ext cx="6439320" cy="357120"/>
+            <a:ext cx="6438600" cy="356400"/>
           </a:xfrm>
           <a:prstGeom prst="rect">
             <a:avLst/>
@@ -30615,7 +30862,7 @@
       </p:sp>
       <p:pic>
         <p:nvPicPr>
-          <p:cNvPr id="323" name="Imagem 84" descr=""/>
+          <p:cNvPr id="327" name="Imagem 84" descr=""/>
           <p:cNvPicPr/>
           <p:nvPr/>
         </p:nvPicPr>
@@ -30626,7 +30873,7 @@
         <p:spPr>
           <a:xfrm>
             <a:off x="4031280" y="1824480"/>
-            <a:ext cx="5565960" cy="1006200"/>
+            <a:ext cx="5565240" cy="1005480"/>
           </a:xfrm>
           <a:prstGeom prst="rect">
             <a:avLst/>
@@ -30638,19 +30885,19 @@
       </p:pic>
       <p:pic>
         <p:nvPicPr>
-          <p:cNvPr id="324" name="Imagem 85" descr=""/>
+          <p:cNvPr id="328" name="Imagem 85" descr=""/>
           <p:cNvPicPr/>
           <p:nvPr/>
         </p:nvPicPr>
         <p:blipFill>
           <a:blip r:embed="rId2"/>
-          <a:srcRect l="0" t="-1347" r="56079" b="1347"/>
+          <a:srcRect l="0" t="-1347" r="56056" b="1347"/>
           <a:stretch/>
         </p:blipFill>
         <p:spPr>
           <a:xfrm>
             <a:off x="1920240" y="3684240"/>
-            <a:ext cx="2754720" cy="2348280"/>
+            <a:ext cx="2754000" cy="2347560"/>
           </a:xfrm>
           <a:prstGeom prst="rect">
             <a:avLst/>
@@ -30662,7 +30909,7 @@
       </p:pic>
       <p:sp>
         <p:nvSpPr>
-          <p:cNvPr id="325" name="CaixaDeTexto 46"/>
+          <p:cNvPr id="329" name="CaixaDeTexto 46"/>
           <p:cNvSpPr/>
           <p:nvPr/>
         </p:nvSpPr>
@@ -30746,14 +30993,14 @@
       </p:grpSpPr>
       <p:sp>
         <p:nvSpPr>
-          <p:cNvPr id="326" name="CustomShape 92"/>
+          <p:cNvPr id="330" name="CustomShape 92"/>
           <p:cNvSpPr/>
           <p:nvPr/>
         </p:nvSpPr>
         <p:spPr>
           <a:xfrm>
             <a:off x="360000" y="360000"/>
-            <a:ext cx="9352080" cy="892080"/>
+            <a:ext cx="9351360" cy="891360"/>
           </a:xfrm>
           <a:prstGeom prst="rect">
             <a:avLst/>
@@ -30800,14 +31047,14 @@
       </p:sp>
       <p:sp>
         <p:nvSpPr>
-          <p:cNvPr id="327" name="CustomShape 93"/>
+          <p:cNvPr id="331" name="CustomShape 93"/>
           <p:cNvSpPr/>
           <p:nvPr/>
         </p:nvSpPr>
         <p:spPr>
           <a:xfrm>
             <a:off x="360000" y="1980000"/>
-            <a:ext cx="9172080" cy="4672080"/>
+            <a:ext cx="9171360" cy="4671360"/>
           </a:xfrm>
           <a:prstGeom prst="rect">
             <a:avLst/>
@@ -31107,14 +31354,14 @@
       </p:sp>
       <p:sp>
         <p:nvSpPr>
-          <p:cNvPr id="328" name="CustomShape 94"/>
+          <p:cNvPr id="332" name="CustomShape 94"/>
           <p:cNvSpPr/>
           <p:nvPr/>
         </p:nvSpPr>
         <p:spPr>
           <a:xfrm>
             <a:off x="7608600" y="6886080"/>
-            <a:ext cx="2277360" cy="357120"/>
+            <a:ext cx="2276640" cy="356400"/>
           </a:xfrm>
           <a:prstGeom prst="rect">
             <a:avLst/>
@@ -31161,14 +31408,14 @@
       </p:sp>
       <p:sp>
         <p:nvSpPr>
-          <p:cNvPr id="329" name="CustomShape 95"/>
+          <p:cNvPr id="333" name="CustomShape 95"/>
           <p:cNvSpPr/>
           <p:nvPr/>
         </p:nvSpPr>
         <p:spPr>
           <a:xfrm>
             <a:off x="897120" y="6886080"/>
-            <a:ext cx="6439320" cy="357120"/>
+            <a:ext cx="6438600" cy="356400"/>
           </a:xfrm>
           <a:prstGeom prst="rect">
             <a:avLst/>
@@ -31215,7 +31462,7 @@
       </p:sp>
       <p:pic>
         <p:nvPicPr>
-          <p:cNvPr id="330" name="Imagem 86" descr=""/>
+          <p:cNvPr id="334" name="Imagem 86" descr=""/>
           <p:cNvPicPr/>
           <p:nvPr/>
         </p:nvPicPr>
@@ -31226,7 +31473,7 @@
         <p:spPr>
           <a:xfrm>
             <a:off x="4031280" y="1824480"/>
-            <a:ext cx="5565960" cy="1006200"/>
+            <a:ext cx="5565240" cy="1005480"/>
           </a:xfrm>
           <a:prstGeom prst="rect">
             <a:avLst/>
@@ -31238,7 +31485,7 @@
       </p:pic>
       <p:pic>
         <p:nvPicPr>
-          <p:cNvPr id="331" name="Imagem 87" descr=""/>
+          <p:cNvPr id="335" name="Imagem 87" descr=""/>
           <p:cNvPicPr/>
           <p:nvPr/>
         </p:nvPicPr>
@@ -31249,7 +31496,7 @@
         <p:spPr>
           <a:xfrm>
             <a:off x="1920240" y="3715920"/>
-            <a:ext cx="6282360" cy="2348280"/>
+            <a:ext cx="6281640" cy="2347560"/>
           </a:xfrm>
           <a:prstGeom prst="rect">
             <a:avLst/>
@@ -31261,7 +31508,7 @@
       </p:pic>
       <p:sp>
         <p:nvSpPr>
-          <p:cNvPr id="332" name="CaixaDeTexto 47"/>
+          <p:cNvPr id="336" name="CaixaDeTexto 47"/>
           <p:cNvSpPr/>
           <p:nvPr/>
         </p:nvSpPr>
@@ -31315,7 +31562,7 @@
       </p:sp>
       <p:sp>
         <p:nvSpPr>
-          <p:cNvPr id="333" name="CaixaDeTexto 48"/>
+          <p:cNvPr id="337" name="CaixaDeTexto 48"/>
           <p:cNvSpPr/>
           <p:nvPr/>
         </p:nvSpPr>
@@ -31399,14 +31646,14 @@
       </p:grpSpPr>
       <p:sp>
         <p:nvSpPr>
-          <p:cNvPr id="334" name="CustomShape 97"/>
+          <p:cNvPr id="338" name="CustomShape 97"/>
           <p:cNvSpPr/>
           <p:nvPr/>
         </p:nvSpPr>
         <p:spPr>
           <a:xfrm>
             <a:off x="360000" y="1980000"/>
-            <a:ext cx="9172080" cy="4672080"/>
+            <a:ext cx="9171360" cy="4671360"/>
           </a:xfrm>
           <a:prstGeom prst="rect">
             <a:avLst/>
@@ -31712,14 +31959,14 @@
       </p:sp>
       <p:sp>
         <p:nvSpPr>
-          <p:cNvPr id="335" name="CustomShape 98"/>
+          <p:cNvPr id="339" name="CustomShape 98"/>
           <p:cNvSpPr/>
           <p:nvPr/>
         </p:nvSpPr>
         <p:spPr>
           <a:xfrm>
             <a:off x="360000" y="360000"/>
-            <a:ext cx="9352080" cy="892080"/>
+            <a:ext cx="9351360" cy="891360"/>
           </a:xfrm>
           <a:prstGeom prst="rect">
             <a:avLst/>
@@ -31766,19 +32013,19 @@
       </p:sp>
       <p:pic>
         <p:nvPicPr>
-          <p:cNvPr id="336" name="Imagem 88" descr=""/>
+          <p:cNvPr id="340" name="Imagem 88" descr=""/>
           <p:cNvPicPr/>
           <p:nvPr/>
         </p:nvPicPr>
         <p:blipFill>
           <a:blip r:embed="rId1"/>
-          <a:srcRect l="55349" t="0" r="0" b="0"/>
+          <a:srcRect l="55338" t="0" r="0" b="0"/>
           <a:stretch/>
         </p:blipFill>
         <p:spPr>
           <a:xfrm>
             <a:off x="4191480" y="3435840"/>
-            <a:ext cx="2827080" cy="2862720"/>
+            <a:ext cx="2826360" cy="2862000"/>
           </a:xfrm>
           <a:prstGeom prst="rect">
             <a:avLst/>
@@ -31790,14 +32037,14 @@
       </p:pic>
       <p:sp>
         <p:nvSpPr>
-          <p:cNvPr id="337" name="CustomShape 99"/>
+          <p:cNvPr id="341" name="CustomShape 99"/>
           <p:cNvSpPr/>
           <p:nvPr/>
         </p:nvSpPr>
         <p:spPr>
           <a:xfrm>
             <a:off x="7608600" y="6886080"/>
-            <a:ext cx="2277360" cy="357120"/>
+            <a:ext cx="2276640" cy="356400"/>
           </a:xfrm>
           <a:prstGeom prst="rect">
             <a:avLst/>
@@ -31844,14 +32091,14 @@
       </p:sp>
       <p:sp>
         <p:nvSpPr>
-          <p:cNvPr id="338" name="CustomShape 100"/>
+          <p:cNvPr id="342" name="CustomShape 100"/>
           <p:cNvSpPr/>
           <p:nvPr/>
         </p:nvSpPr>
         <p:spPr>
           <a:xfrm>
             <a:off x="897120" y="6886080"/>
-            <a:ext cx="6439320" cy="357120"/>
+            <a:ext cx="6438600" cy="356400"/>
           </a:xfrm>
           <a:prstGeom prst="rect">
             <a:avLst/>
@@ -31898,19 +32145,19 @@
       </p:sp>
       <p:pic>
         <p:nvPicPr>
-          <p:cNvPr id="339" name="Imagem 89" descr=""/>
+          <p:cNvPr id="343" name="Imagem 89" descr=""/>
           <p:cNvPicPr/>
           <p:nvPr/>
         </p:nvPicPr>
         <p:blipFill>
           <a:blip r:embed="rId2"/>
-          <a:srcRect l="55349" t="0" r="0" b="0"/>
+          <a:srcRect l="55338" t="0" r="0" b="0"/>
           <a:stretch/>
         </p:blipFill>
         <p:spPr>
           <a:xfrm>
             <a:off x="4191840" y="3435840"/>
-            <a:ext cx="2827080" cy="2862720"/>
+            <a:ext cx="2826360" cy="2862000"/>
           </a:xfrm>
           <a:prstGeom prst="rect">
             <a:avLst/>
@@ -31952,14 +32199,14 @@
       </p:grpSpPr>
       <p:sp>
         <p:nvSpPr>
-          <p:cNvPr id="340" name="CustomShape 102"/>
+          <p:cNvPr id="344" name="CustomShape 102"/>
           <p:cNvSpPr/>
           <p:nvPr/>
         </p:nvSpPr>
         <p:spPr>
           <a:xfrm>
-            <a:off x="360000" y="1980000"/>
-            <a:ext cx="9172080" cy="4672080"/>
+            <a:off x="180000" y="1980000"/>
+            <a:ext cx="9469440" cy="4671360"/>
           </a:xfrm>
           <a:prstGeom prst="rect">
             <a:avLst/>
@@ -32002,7 +32249,7 @@
                 <a:latin typeface="Latin Modern Sans"/>
                 <a:ea typeface="DejaVu Sans"/>
               </a:rPr>
-              <a:t>Árvore balanceada: altura do lado esquerdo da árvore não difere mais de +-1 do lado direito. </a:t>
+              <a:t>Árvore balanceada: altura da árvore esquerda não difere mais de +-1 da árvore esquerda. </a:t>
             </a:r>
             <a:endParaRPr b="0" lang="en-US" sz="1600" spc="-1" strike="noStrike">
               <a:solidFill>
@@ -32265,14 +32512,14 @@
       </p:sp>
       <p:sp>
         <p:nvSpPr>
-          <p:cNvPr id="341" name="CustomShape 103"/>
+          <p:cNvPr id="345" name="CustomShape 103"/>
           <p:cNvSpPr/>
           <p:nvPr/>
         </p:nvSpPr>
         <p:spPr>
           <a:xfrm>
             <a:off x="360000" y="360000"/>
-            <a:ext cx="9352080" cy="892080"/>
+            <a:ext cx="9351360" cy="891360"/>
           </a:xfrm>
           <a:prstGeom prst="rect">
             <a:avLst/>
@@ -32319,19 +32566,19 @@
       </p:sp>
       <p:pic>
         <p:nvPicPr>
-          <p:cNvPr id="342" name="Imagem 90" descr=""/>
+          <p:cNvPr id="346" name="Imagem 90" descr=""/>
           <p:cNvPicPr/>
           <p:nvPr/>
         </p:nvPicPr>
         <p:blipFill>
           <a:blip r:embed="rId1"/>
-          <a:srcRect l="55349" t="0" r="0" b="0"/>
+          <a:srcRect l="55338" t="0" r="0" b="0"/>
           <a:stretch/>
         </p:blipFill>
         <p:spPr>
           <a:xfrm>
-            <a:off x="3831480" y="3446640"/>
-            <a:ext cx="2827080" cy="2862720"/>
+            <a:off x="3429000" y="3446640"/>
+            <a:ext cx="2826360" cy="2862000"/>
           </a:xfrm>
           <a:prstGeom prst="rect">
             <a:avLst/>
@@ -32343,14 +32590,14 @@
       </p:pic>
       <p:sp>
         <p:nvSpPr>
-          <p:cNvPr id="343" name="CustomShape 104"/>
+          <p:cNvPr id="347" name="CustomShape 104"/>
           <p:cNvSpPr/>
           <p:nvPr/>
         </p:nvSpPr>
         <p:spPr>
           <a:xfrm>
             <a:off x="7608600" y="6886080"/>
-            <a:ext cx="2277360" cy="357120"/>
+            <a:ext cx="2276640" cy="356400"/>
           </a:xfrm>
           <a:prstGeom prst="rect">
             <a:avLst/>
@@ -32397,14 +32644,14 @@
       </p:sp>
       <p:sp>
         <p:nvSpPr>
-          <p:cNvPr id="344" name="CustomShape 105"/>
+          <p:cNvPr id="348" name="CustomShape 105"/>
           <p:cNvSpPr/>
           <p:nvPr/>
         </p:nvSpPr>
         <p:spPr>
           <a:xfrm>
             <a:off x="897120" y="6886080"/>
-            <a:ext cx="6439320" cy="357120"/>
+            <a:ext cx="6438600" cy="356400"/>
           </a:xfrm>
           <a:prstGeom prst="rect">
             <a:avLst/>
@@ -32451,19 +32698,19 @@
       </p:sp>
       <p:pic>
         <p:nvPicPr>
-          <p:cNvPr id="345" name="Imagem 91" descr=""/>
+          <p:cNvPr id="349" name="Imagem 91" descr=""/>
           <p:cNvPicPr/>
           <p:nvPr/>
         </p:nvPicPr>
         <p:blipFill>
           <a:blip r:embed="rId2"/>
-          <a:srcRect l="0" t="0" r="55349" b="0"/>
+          <a:srcRect l="0" t="0" r="55338" b="0"/>
           <a:stretch/>
         </p:blipFill>
         <p:spPr>
           <a:xfrm>
-            <a:off x="6705000" y="3420000"/>
-            <a:ext cx="2827080" cy="2862720"/>
+            <a:off x="6400800" y="3429000"/>
+            <a:ext cx="2826360" cy="2862000"/>
           </a:xfrm>
           <a:prstGeom prst="rect">
             <a:avLst/>
@@ -32505,14 +32752,14 @@
       </p:grpSpPr>
       <p:sp>
         <p:nvSpPr>
-          <p:cNvPr id="346" name="CustomShape 107"/>
+          <p:cNvPr id="350" name="CustomShape 107"/>
           <p:cNvSpPr/>
           <p:nvPr/>
         </p:nvSpPr>
         <p:spPr>
           <a:xfrm>
             <a:off x="360000" y="360000"/>
-            <a:ext cx="9352080" cy="892080"/>
+            <a:ext cx="9351360" cy="891360"/>
           </a:xfrm>
           <a:prstGeom prst="rect">
             <a:avLst/>
@@ -32559,14 +32806,14 @@
       </p:sp>
       <p:sp>
         <p:nvSpPr>
-          <p:cNvPr id="347" name="CustomShape 108"/>
+          <p:cNvPr id="351" name="CustomShape 108"/>
           <p:cNvSpPr/>
           <p:nvPr/>
         </p:nvSpPr>
         <p:spPr>
           <a:xfrm>
             <a:off x="360000" y="1980000"/>
-            <a:ext cx="9172080" cy="4672080"/>
+            <a:ext cx="9171360" cy="4671360"/>
           </a:xfrm>
           <a:prstGeom prst="rect">
             <a:avLst/>
@@ -32654,14 +32901,14 @@
       </p:sp>
       <p:sp>
         <p:nvSpPr>
-          <p:cNvPr id="348" name="CustomShape 109"/>
+          <p:cNvPr id="352" name="CustomShape 109"/>
           <p:cNvSpPr/>
           <p:nvPr/>
         </p:nvSpPr>
         <p:spPr>
           <a:xfrm>
             <a:off x="7608600" y="6886080"/>
-            <a:ext cx="2277360" cy="357120"/>
+            <a:ext cx="2276640" cy="356400"/>
           </a:xfrm>
           <a:prstGeom prst="rect">
             <a:avLst/>
@@ -32708,14 +32955,14 @@
       </p:sp>
       <p:sp>
         <p:nvSpPr>
-          <p:cNvPr id="349" name="CustomShape 110"/>
+          <p:cNvPr id="353" name="CustomShape 110"/>
           <p:cNvSpPr/>
           <p:nvPr/>
         </p:nvSpPr>
         <p:spPr>
           <a:xfrm>
             <a:off x="897120" y="6886080"/>
-            <a:ext cx="6439320" cy="357120"/>
+            <a:ext cx="6438600" cy="356400"/>
           </a:xfrm>
           <a:prstGeom prst="rect">
             <a:avLst/>
@@ -32762,18 +33009,19 @@
       </p:sp>
       <p:pic>
         <p:nvPicPr>
-          <p:cNvPr id="350" name="Imagem 92" descr=""/>
+          <p:cNvPr id="354" name="Imagem 92" descr=""/>
           <p:cNvPicPr/>
           <p:nvPr/>
         </p:nvPicPr>
         <p:blipFill>
           <a:blip r:embed="rId1"/>
+          <a:srcRect l="0" t="0" r="61956" b="0"/>
           <a:stretch/>
         </p:blipFill>
         <p:spPr>
           <a:xfrm>
-            <a:off x="914400" y="2103120"/>
-            <a:ext cx="8415720" cy="2519640"/>
+            <a:off x="1143000" y="2281320"/>
+            <a:ext cx="3199680" cy="2518920"/>
           </a:xfrm>
           <a:prstGeom prst="rect">
             <a:avLst/>
@@ -32785,7 +33033,7 @@
       </p:pic>
       <p:pic>
         <p:nvPicPr>
-          <p:cNvPr id="351" name="Imagem 93" descr=""/>
+          <p:cNvPr id="355" name="Imagem 93" descr=""/>
           <p:cNvPicPr/>
           <p:nvPr/>
         </p:nvPicPr>
@@ -32795,8 +33043,8 @@
         </p:blipFill>
         <p:spPr>
           <a:xfrm>
-            <a:off x="4909680" y="2693880"/>
-            <a:ext cx="4003920" cy="1433880"/>
+            <a:off x="5357160" y="2971800"/>
+            <a:ext cx="3329280" cy="1191960"/>
           </a:xfrm>
           <a:prstGeom prst="rect">
             <a:avLst/>
@@ -32806,6 +33054,48 @@
           </a:ln>
         </p:spPr>
       </p:pic>
+      <p:sp>
+        <p:nvSpPr>
+          <p:cNvPr id="356" name=""/>
+          <p:cNvSpPr/>
+          <p:nvPr/>
+        </p:nvSpPr>
+        <p:spPr>
+          <a:xfrm>
+            <a:off x="5257800" y="4020840"/>
+            <a:ext cx="457200" cy="360"/>
+          </a:xfrm>
+          <a:prstGeom prst="line">
+            <a:avLst/>
+          </a:prstGeom>
+          <a:ln w="0">
+            <a:solidFill>
+              <a:srgbClr val="3465a4"/>
+            </a:solidFill>
+            <a:tailEnd len="med" type="triangle" w="med"/>
+          </a:ln>
+        </p:spPr>
+        <p:style>
+          <a:lnRef idx="0"/>
+          <a:fillRef idx="0"/>
+          <a:effectRef idx="0"/>
+          <a:fontRef idx="minor"/>
+        </p:style>
+        <p:txBody>
+          <a:bodyPr lIns="90000" rIns="90000" tIns="-45000" bIns="-45000" anchor="ctr">
+            <a:noAutofit/>
+          </a:bodyPr>
+          <a:p>
+            <a:endParaRPr b="0" lang="en-US" sz="1800" spc="-1" strike="noStrike">
+              <a:solidFill>
+                <a:srgbClr val="000000"/>
+              </a:solidFill>
+              <a:latin typeface="Arial"/>
+              <a:ea typeface="DejaVu Sans"/>
+            </a:endParaRPr>
+          </a:p>
+        </p:txBody>
+      </p:sp>
     </p:spTree>
   </p:cSld>
   <mc:AlternateContent>
@@ -32838,14 +33128,14 @@
       </p:grpSpPr>
       <p:sp>
         <p:nvSpPr>
-          <p:cNvPr id="352" name="CustomShape 112"/>
+          <p:cNvPr id="357" name="CustomShape 112"/>
           <p:cNvSpPr/>
           <p:nvPr/>
         </p:nvSpPr>
         <p:spPr>
           <a:xfrm>
             <a:off x="360000" y="360000"/>
-            <a:ext cx="9352080" cy="892080"/>
+            <a:ext cx="9351360" cy="891360"/>
           </a:xfrm>
           <a:prstGeom prst="rect">
             <a:avLst/>
@@ -32892,14 +33182,14 @@
       </p:sp>
       <p:sp>
         <p:nvSpPr>
-          <p:cNvPr id="353" name="CustomShape 113"/>
+          <p:cNvPr id="358" name="CustomShape 113"/>
           <p:cNvSpPr/>
           <p:nvPr/>
         </p:nvSpPr>
         <p:spPr>
           <a:xfrm>
             <a:off x="360000" y="1980000"/>
-            <a:ext cx="9172080" cy="4672080"/>
+            <a:ext cx="9171360" cy="4671360"/>
           </a:xfrm>
           <a:prstGeom prst="rect">
             <a:avLst/>
@@ -32974,7 +33264,7 @@
                 <a:latin typeface="Latin Modern Sans"/>
                 <a:ea typeface="DejaVu Sans"/>
               </a:rPr>
-              <a:t>Inserir 23 e 65 </a:t>
+              <a:t>Inserir 23</a:t>
             </a:r>
             <a:endParaRPr b="0" lang="en-US" sz="1600" spc="-1" strike="noStrike">
               <a:solidFill>
@@ -33063,18 +33353,210 @@
               <a:latin typeface="Arial"/>
             </a:endParaRPr>
           </a:p>
+          <a:p>
+            <a:pPr>
+              <a:lnSpc>
+                <a:spcPct val="100000"/>
+              </a:lnSpc>
+              <a:spcAft>
+                <a:spcPts val="1140"/>
+              </a:spcAft>
+            </a:pPr>
+            <a:endParaRPr b="0" lang="en-US" sz="1600" spc="-1" strike="noStrike">
+              <a:solidFill>
+                <a:srgbClr val="000000"/>
+              </a:solidFill>
+              <a:latin typeface="Arial"/>
+            </a:endParaRPr>
+          </a:p>
+          <a:p>
+            <a:pPr>
+              <a:lnSpc>
+                <a:spcPct val="100000"/>
+              </a:lnSpc>
+              <a:spcAft>
+                <a:spcPts val="1140"/>
+              </a:spcAft>
+            </a:pPr>
+            <a:endParaRPr b="0" lang="en-US" sz="1600" spc="-1" strike="noStrike">
+              <a:solidFill>
+                <a:srgbClr val="000000"/>
+              </a:solidFill>
+              <a:latin typeface="Arial"/>
+            </a:endParaRPr>
+          </a:p>
+          <a:p>
+            <a:pPr>
+              <a:lnSpc>
+                <a:spcPct val="100000"/>
+              </a:lnSpc>
+              <a:spcAft>
+                <a:spcPts val="1140"/>
+              </a:spcAft>
+            </a:pPr>
+            <a:endParaRPr b="0" lang="en-US" sz="1600" spc="-1" strike="noStrike">
+              <a:solidFill>
+                <a:srgbClr val="000000"/>
+              </a:solidFill>
+              <a:latin typeface="Arial"/>
+            </a:endParaRPr>
+          </a:p>
+          <a:p>
+            <a:pPr lvl="2" marL="648000" indent="-213840">
+              <a:lnSpc>
+                <a:spcPct val="100000"/>
+              </a:lnSpc>
+              <a:spcAft>
+                <a:spcPts val="1140"/>
+              </a:spcAft>
+              <a:buClr>
+                <a:srgbClr val="000000"/>
+              </a:buClr>
+              <a:buSzPct val="45000"/>
+              <a:buFont typeface="Wingdings" charset="2"/>
+              <a:buChar char=""/>
+            </a:pPr>
+            <a:r>
+              <a:rPr b="1" lang="pt-BR" sz="1600" spc="-1" strike="noStrike">
+                <a:solidFill>
+                  <a:srgbClr val="1c1c1c"/>
+                </a:solidFill>
+                <a:latin typeface="Latin Modern Sans"/>
+                <a:ea typeface="DejaVu Sans"/>
+              </a:rPr>
+              <a:t>Como definir rotações?</a:t>
+            </a:r>
+            <a:endParaRPr b="0" lang="en-US" sz="1600" spc="-1" strike="noStrike">
+              <a:solidFill>
+                <a:srgbClr val="000000"/>
+              </a:solidFill>
+              <a:latin typeface="Arial"/>
+            </a:endParaRPr>
+          </a:p>
+          <a:p>
+            <a:pPr lvl="3" marL="864000" indent="-216000">
+              <a:lnSpc>
+                <a:spcPct val="100000"/>
+              </a:lnSpc>
+              <a:spcAft>
+                <a:spcPts val="1140"/>
+              </a:spcAft>
+              <a:buClr>
+                <a:srgbClr val="000000"/>
+              </a:buClr>
+              <a:buSzPct val="45000"/>
+              <a:buFont typeface="Wingdings" charset="2"/>
+              <a:buChar char=""/>
+            </a:pPr>
+            <a:r>
+              <a:rPr b="1" lang="pt-BR" sz="1600" spc="-1" strike="noStrike">
+                <a:solidFill>
+                  <a:srgbClr val="1c1c1c"/>
+                </a:solidFill>
+                <a:latin typeface="Latin Modern Sans"/>
+                <a:ea typeface="DejaVu Sans"/>
+              </a:rPr>
+              <a:t>A esquerda ou Direita?</a:t>
+            </a:r>
+            <a:endParaRPr b="0" lang="en-US" sz="1600" spc="-1" strike="noStrike">
+              <a:solidFill>
+                <a:srgbClr val="000000"/>
+              </a:solidFill>
+              <a:latin typeface="Arial"/>
+            </a:endParaRPr>
+          </a:p>
+          <a:p>
+            <a:pPr lvl="3" marL="864000" indent="-216000">
+              <a:lnSpc>
+                <a:spcPct val="100000"/>
+              </a:lnSpc>
+              <a:spcAft>
+                <a:spcPts val="1140"/>
+              </a:spcAft>
+              <a:buClr>
+                <a:srgbClr val="000000"/>
+              </a:buClr>
+              <a:buSzPct val="45000"/>
+              <a:buFont typeface="Wingdings" charset="2"/>
+              <a:buChar char=""/>
+            </a:pPr>
+            <a:r>
+              <a:rPr b="1" lang="pt-BR" sz="1600" spc="-1" strike="noStrike">
+                <a:solidFill>
+                  <a:srgbClr val="1c1c1c"/>
+                </a:solidFill>
+                <a:latin typeface="Latin Modern Sans"/>
+                <a:ea typeface="DejaVu Sans"/>
+              </a:rPr>
+              <a:t>Dupla ?</a:t>
+            </a:r>
+            <a:endParaRPr b="0" lang="en-US" sz="1600" spc="-1" strike="noStrike">
+              <a:solidFill>
+                <a:srgbClr val="000000"/>
+              </a:solidFill>
+              <a:latin typeface="Arial"/>
+            </a:endParaRPr>
+          </a:p>
+          <a:p>
+            <a:pPr>
+              <a:lnSpc>
+                <a:spcPct val="100000"/>
+              </a:lnSpc>
+              <a:spcAft>
+                <a:spcPts val="1140"/>
+              </a:spcAft>
+            </a:pPr>
+            <a:endParaRPr b="0" lang="en-US" sz="1600" spc="-1" strike="noStrike">
+              <a:solidFill>
+                <a:srgbClr val="000000"/>
+              </a:solidFill>
+              <a:latin typeface="Arial"/>
+            </a:endParaRPr>
+          </a:p>
+          <a:p>
+            <a:pPr>
+              <a:lnSpc>
+                <a:spcPct val="100000"/>
+              </a:lnSpc>
+              <a:spcAft>
+                <a:spcPts val="1140"/>
+              </a:spcAft>
+            </a:pPr>
+            <a:endParaRPr b="0" lang="en-US" sz="1600" spc="-1" strike="noStrike">
+              <a:solidFill>
+                <a:srgbClr val="000000"/>
+              </a:solidFill>
+              <a:latin typeface="Arial"/>
+            </a:endParaRPr>
+          </a:p>
+          <a:p>
+            <a:pPr>
+              <a:lnSpc>
+                <a:spcPct val="100000"/>
+              </a:lnSpc>
+              <a:spcAft>
+                <a:spcPts val="1140"/>
+              </a:spcAft>
+            </a:pPr>
+            <a:endParaRPr b="0" lang="en-US" sz="1600" spc="-1" strike="noStrike">
+              <a:solidFill>
+                <a:srgbClr val="000000"/>
+              </a:solidFill>
+              <a:latin typeface="Arial"/>
+            </a:endParaRPr>
+          </a:p>
         </p:txBody>
       </p:sp>
       <p:sp>
         <p:nvSpPr>
-          <p:cNvPr id="354" name="CustomShape 114"/>
+          <p:cNvPr id="359" name="CustomShape 114"/>
           <p:cNvSpPr/>
           <p:nvPr/>
         </p:nvSpPr>
         <p:spPr>
           <a:xfrm>
             <a:off x="7608600" y="6886080"/>
-            <a:ext cx="2277360" cy="357120"/>
+            <a:ext cx="2276640" cy="356400"/>
           </a:xfrm>
           <a:prstGeom prst="rect">
             <a:avLst/>
@@ -33121,14 +33603,14 @@
       </p:sp>
       <p:sp>
         <p:nvSpPr>
-          <p:cNvPr id="355" name="CustomShape 115"/>
+          <p:cNvPr id="360" name="CustomShape 115"/>
           <p:cNvSpPr/>
           <p:nvPr/>
         </p:nvSpPr>
         <p:spPr>
           <a:xfrm>
             <a:off x="897120" y="6886080"/>
-            <a:ext cx="6439320" cy="357120"/>
+            <a:ext cx="6438600" cy="356400"/>
           </a:xfrm>
           <a:prstGeom prst="rect">
             <a:avLst/>
@@ -33175,7 +33657,7 @@
       </p:sp>
       <p:pic>
         <p:nvPicPr>
-          <p:cNvPr id="356" name="Imagem 94" descr=""/>
+          <p:cNvPr id="361" name="Imagem 94" descr=""/>
           <p:cNvPicPr/>
           <p:nvPr/>
         </p:nvPicPr>
@@ -33185,31 +33667,8 @@
         </p:blipFill>
         <p:spPr>
           <a:xfrm>
-            <a:off x="920520" y="3651480"/>
-            <a:ext cx="7097760" cy="2366640"/>
-          </a:xfrm>
-          <a:prstGeom prst="rect">
-            <a:avLst/>
-          </a:prstGeom>
-          <a:ln w="0">
-            <a:noFill/>
-          </a:ln>
-        </p:spPr>
-      </p:pic>
-      <p:pic>
-        <p:nvPicPr>
-          <p:cNvPr id="357" name="Imagem 95" descr=""/>
-          <p:cNvPicPr/>
-          <p:nvPr/>
-        </p:nvPicPr>
-        <p:blipFill>
-          <a:blip r:embed="rId2"/>
-          <a:stretch/>
-        </p:blipFill>
-        <p:spPr>
-          <a:xfrm>
-            <a:off x="920520" y="3651480"/>
-            <a:ext cx="7097760" cy="2366640"/>
+            <a:off x="1828800" y="3124800"/>
+            <a:ext cx="7012440" cy="2337840"/>
           </a:xfrm>
           <a:prstGeom prst="rect">
             <a:avLst/>
@@ -33251,14 +33710,14 @@
       </p:grpSpPr>
       <p:sp>
         <p:nvSpPr>
-          <p:cNvPr id="358" name="CustomShape 117"/>
+          <p:cNvPr id="362" name="CustomShape 117"/>
           <p:cNvSpPr/>
           <p:nvPr/>
         </p:nvSpPr>
         <p:spPr>
           <a:xfrm>
             <a:off x="360000" y="360000"/>
-            <a:ext cx="9352080" cy="892080"/>
+            <a:ext cx="9351360" cy="891360"/>
           </a:xfrm>
           <a:prstGeom prst="rect">
             <a:avLst/>
@@ -33305,14 +33764,14 @@
       </p:sp>
       <p:sp>
         <p:nvSpPr>
-          <p:cNvPr id="359" name="CustomShape 118"/>
+          <p:cNvPr id="363" name="CustomShape 118"/>
           <p:cNvSpPr/>
           <p:nvPr/>
         </p:nvSpPr>
         <p:spPr>
           <a:xfrm>
             <a:off x="360000" y="1980000"/>
-            <a:ext cx="4116600" cy="4672080"/>
+            <a:ext cx="4115880" cy="4671360"/>
           </a:xfrm>
           <a:prstGeom prst="rect">
             <a:avLst/>
@@ -33464,14 +33923,14 @@
       </p:sp>
       <p:sp>
         <p:nvSpPr>
-          <p:cNvPr id="360" name="CustomShape 119"/>
+          <p:cNvPr id="364" name="CustomShape 119"/>
           <p:cNvSpPr/>
           <p:nvPr/>
         </p:nvSpPr>
         <p:spPr>
           <a:xfrm>
             <a:off x="7608600" y="6886080"/>
-            <a:ext cx="2277360" cy="357120"/>
+            <a:ext cx="2276640" cy="356400"/>
           </a:xfrm>
           <a:prstGeom prst="rect">
             <a:avLst/>
@@ -33518,14 +33977,14 @@
       </p:sp>
       <p:sp>
         <p:nvSpPr>
-          <p:cNvPr id="361" name="CustomShape 120"/>
+          <p:cNvPr id="365" name="CustomShape 120"/>
           <p:cNvSpPr/>
           <p:nvPr/>
         </p:nvSpPr>
         <p:spPr>
           <a:xfrm>
             <a:off x="897120" y="6886080"/>
-            <a:ext cx="6439320" cy="357120"/>
+            <a:ext cx="6438600" cy="356400"/>
           </a:xfrm>
           <a:prstGeom prst="rect">
             <a:avLst/>
@@ -33572,7 +34031,7 @@
       </p:sp>
       <p:pic>
         <p:nvPicPr>
-          <p:cNvPr id="362" name="Imagem 96" descr=""/>
+          <p:cNvPr id="366" name="Imagem 96" descr=""/>
           <p:cNvPicPr/>
           <p:nvPr/>
         </p:nvPicPr>
@@ -33582,8 +34041,8 @@
         </p:blipFill>
         <p:spPr>
           <a:xfrm>
-            <a:off x="640080" y="2824200"/>
-            <a:ext cx="2891160" cy="2453040"/>
+            <a:off x="964080" y="2824200"/>
+            <a:ext cx="2890440" cy="2452320"/>
           </a:xfrm>
           <a:prstGeom prst="rect">
             <a:avLst/>
@@ -33595,14 +34054,14 @@
       </p:pic>
       <p:sp>
         <p:nvSpPr>
-          <p:cNvPr id="363" name="CustomShape 121"/>
+          <p:cNvPr id="367" name="CustomShape 121"/>
           <p:cNvSpPr/>
           <p:nvPr/>
         </p:nvSpPr>
         <p:spPr>
           <a:xfrm>
             <a:off x="4754880" y="1999080"/>
-            <a:ext cx="4208040" cy="4672080"/>
+            <a:ext cx="4207320" cy="4671360"/>
           </a:xfrm>
           <a:prstGeom prst="rect">
             <a:avLst/>
@@ -33738,7 +34197,7 @@
       </p:sp>
       <p:pic>
         <p:nvPicPr>
-          <p:cNvPr id="364" name="Imagem 97" descr=""/>
+          <p:cNvPr id="368" name="Imagem 97" descr=""/>
           <p:cNvPicPr/>
           <p:nvPr/>
         </p:nvPicPr>
@@ -33748,8 +34207,8 @@
         </p:blipFill>
         <p:spPr>
           <a:xfrm>
-            <a:off x="5577840" y="2962800"/>
-            <a:ext cx="2862720" cy="2519640"/>
+            <a:off x="5703840" y="2962800"/>
+            <a:ext cx="2862000" cy="2518920"/>
           </a:xfrm>
           <a:prstGeom prst="rect">
             <a:avLst/>
@@ -33791,14 +34250,14 @@
       </p:grpSpPr>
       <p:sp>
         <p:nvSpPr>
-          <p:cNvPr id="365" name="CustomShape 123"/>
+          <p:cNvPr id="369" name="CustomShape 123"/>
           <p:cNvSpPr/>
           <p:nvPr/>
         </p:nvSpPr>
         <p:spPr>
           <a:xfrm>
             <a:off x="360000" y="360000"/>
-            <a:ext cx="9352080" cy="892080"/>
+            <a:ext cx="9351360" cy="891360"/>
           </a:xfrm>
           <a:prstGeom prst="rect">
             <a:avLst/>
@@ -33845,14 +34304,14 @@
       </p:sp>
       <p:sp>
         <p:nvSpPr>
-          <p:cNvPr id="366" name="CustomShape 124"/>
+          <p:cNvPr id="370" name="CustomShape 124"/>
           <p:cNvSpPr/>
           <p:nvPr/>
         </p:nvSpPr>
         <p:spPr>
           <a:xfrm>
             <a:off x="360000" y="1980000"/>
-            <a:ext cx="3842280" cy="4672080"/>
+            <a:ext cx="3841560" cy="4671360"/>
           </a:xfrm>
           <a:prstGeom prst="rect">
             <a:avLst/>
@@ -34036,14 +34495,14 @@
       </p:sp>
       <p:sp>
         <p:nvSpPr>
-          <p:cNvPr id="367" name="CustomShape 125"/>
+          <p:cNvPr id="371" name="CustomShape 125"/>
           <p:cNvSpPr/>
           <p:nvPr/>
         </p:nvSpPr>
         <p:spPr>
           <a:xfrm>
             <a:off x="7608600" y="6886080"/>
-            <a:ext cx="2277360" cy="357120"/>
+            <a:ext cx="2276640" cy="356400"/>
           </a:xfrm>
           <a:prstGeom prst="rect">
             <a:avLst/>
@@ -34090,14 +34549,14 @@
       </p:sp>
       <p:sp>
         <p:nvSpPr>
-          <p:cNvPr id="368" name="CustomShape 126"/>
+          <p:cNvPr id="372" name="CustomShape 126"/>
           <p:cNvSpPr/>
           <p:nvPr/>
         </p:nvSpPr>
         <p:spPr>
           <a:xfrm>
             <a:off x="897120" y="6886080"/>
-            <a:ext cx="6439320" cy="357120"/>
+            <a:ext cx="6438600" cy="356400"/>
           </a:xfrm>
           <a:prstGeom prst="rect">
             <a:avLst/>
@@ -34144,7 +34603,7 @@
       </p:sp>
       <p:pic>
         <p:nvPicPr>
-          <p:cNvPr id="369" name="Imagem 98" descr=""/>
+          <p:cNvPr id="373" name="Imagem 98" descr=""/>
           <p:cNvPicPr/>
           <p:nvPr/>
         </p:nvPicPr>
@@ -34154,8 +34613,8 @@
         </p:blipFill>
         <p:spPr>
           <a:xfrm>
-            <a:off x="1200240" y="3170880"/>
-            <a:ext cx="2939040" cy="2948400"/>
+            <a:off x="1022760" y="3054960"/>
+            <a:ext cx="3142800" cy="3152880"/>
           </a:xfrm>
           <a:prstGeom prst="rect">
             <a:avLst/>
@@ -34167,7 +34626,7 @@
       </p:pic>
       <p:pic>
         <p:nvPicPr>
-          <p:cNvPr id="370" name="Imagem 99" descr=""/>
+          <p:cNvPr id="374" name="Imagem 99" descr=""/>
           <p:cNvPicPr/>
           <p:nvPr/>
         </p:nvPicPr>
@@ -34178,7 +34637,7 @@
         <p:spPr>
           <a:xfrm>
             <a:off x="6027840" y="2834640"/>
-            <a:ext cx="2929320" cy="3005640"/>
+            <a:ext cx="3344400" cy="3431520"/>
           </a:xfrm>
           <a:prstGeom prst="rect">
             <a:avLst/>
@@ -34190,14 +34649,14 @@
       </p:pic>
       <p:sp>
         <p:nvSpPr>
-          <p:cNvPr id="371" name="CustomShape 127"/>
+          <p:cNvPr id="375" name="CustomShape 127"/>
           <p:cNvSpPr/>
           <p:nvPr/>
         </p:nvSpPr>
         <p:spPr>
           <a:xfrm>
             <a:off x="5472000" y="1980000"/>
-            <a:ext cx="4116600" cy="4672080"/>
+            <a:ext cx="4115880" cy="4671360"/>
           </a:xfrm>
           <a:prstGeom prst="rect">
             <a:avLst/>
@@ -34379,14 +34838,14 @@
       </p:grpSpPr>
       <p:sp>
         <p:nvSpPr>
-          <p:cNvPr id="266" name="CustomShape 1"/>
+          <p:cNvPr id="270" name="CustomShape 1"/>
           <p:cNvSpPr/>
           <p:nvPr/>
         </p:nvSpPr>
         <p:spPr>
           <a:xfrm>
             <a:off x="360000" y="360000"/>
-            <a:ext cx="9352080" cy="892080"/>
+            <a:ext cx="9351360" cy="891360"/>
           </a:xfrm>
           <a:prstGeom prst="rect">
             <a:avLst/>
@@ -34433,14 +34892,14 @@
       </p:sp>
       <p:sp>
         <p:nvSpPr>
-          <p:cNvPr id="267" name="CustomShape 2"/>
+          <p:cNvPr id="271" name="CustomShape 2"/>
           <p:cNvSpPr/>
           <p:nvPr/>
         </p:nvSpPr>
         <p:spPr>
           <a:xfrm>
             <a:off x="360000" y="1980000"/>
-            <a:ext cx="9172080" cy="4672080"/>
+            <a:ext cx="9171360" cy="4671360"/>
           </a:xfrm>
           <a:prstGeom prst="rect">
             <a:avLst/>
@@ -34589,28 +35048,6 @@
             </a:endParaRPr>
           </a:p>
           <a:p>
-            <a:pPr lvl="2" marL="889200" indent="-212400">
-              <a:lnSpc>
-                <a:spcPct val="100000"/>
-              </a:lnSpc>
-              <a:spcAft>
-                <a:spcPts val="1140"/>
-              </a:spcAft>
-              <a:buClr>
-                <a:srgbClr val="000000"/>
-              </a:buClr>
-              <a:buSzPct val="45000"/>
-              <a:buFont typeface="Wingdings" charset="2"/>
-              <a:buChar char=""/>
-            </a:pPr>
-            <a:endParaRPr b="0" lang="en-US" sz="1800" spc="-1" strike="noStrike">
-              <a:solidFill>
-                <a:srgbClr val="000000"/>
-              </a:solidFill>
-              <a:latin typeface="Arial"/>
-            </a:endParaRPr>
-          </a:p>
-          <a:p>
             <a:pPr>
               <a:lnSpc>
                 <a:spcPct val="100000"/>
@@ -34635,7 +35072,7 @@
                 <a:spcPts val="1140"/>
               </a:spcAft>
             </a:pPr>
-            <a:endParaRPr b="0" lang="en-US" sz="1600" spc="-1" strike="noStrike">
+            <a:endParaRPr b="0" lang="en-US" sz="1800" spc="-1" strike="noStrike">
               <a:solidFill>
                 <a:srgbClr val="000000"/>
               </a:solidFill>
@@ -34674,18 +35111,34 @@
               <a:latin typeface="Arial"/>
             </a:endParaRPr>
           </a:p>
+          <a:p>
+            <a:pPr>
+              <a:lnSpc>
+                <a:spcPct val="100000"/>
+              </a:lnSpc>
+              <a:spcAft>
+                <a:spcPts val="1140"/>
+              </a:spcAft>
+            </a:pPr>
+            <a:endParaRPr b="0" lang="en-US" sz="1600" spc="-1" strike="noStrike">
+              <a:solidFill>
+                <a:srgbClr val="000000"/>
+              </a:solidFill>
+              <a:latin typeface="Arial"/>
+            </a:endParaRPr>
+          </a:p>
         </p:txBody>
       </p:sp>
       <p:sp>
         <p:nvSpPr>
-          <p:cNvPr id="268" name="CustomShape 3"/>
+          <p:cNvPr id="272" name="CustomShape 3"/>
           <p:cNvSpPr/>
           <p:nvPr/>
         </p:nvSpPr>
         <p:spPr>
           <a:xfrm>
             <a:off x="7608600" y="6886080"/>
-            <a:ext cx="2277360" cy="357120"/>
+            <a:ext cx="2276640" cy="356400"/>
           </a:xfrm>
           <a:prstGeom prst="rect">
             <a:avLst/>
@@ -34732,14 +35185,14 @@
       </p:sp>
       <p:sp>
         <p:nvSpPr>
-          <p:cNvPr id="269" name="CustomShape 4"/>
+          <p:cNvPr id="273" name="CustomShape 4"/>
           <p:cNvSpPr/>
           <p:nvPr/>
         </p:nvSpPr>
         <p:spPr>
           <a:xfrm>
             <a:off x="897120" y="6886080"/>
-            <a:ext cx="6439320" cy="357120"/>
+            <a:ext cx="6438600" cy="356400"/>
           </a:xfrm>
           <a:prstGeom prst="rect">
             <a:avLst/>
@@ -34816,14 +35269,14 @@
       </p:grpSpPr>
       <p:sp>
         <p:nvSpPr>
-          <p:cNvPr id="372" name="CustomShape 129"/>
+          <p:cNvPr id="376" name="CustomShape 134"/>
           <p:cNvSpPr/>
           <p:nvPr/>
         </p:nvSpPr>
         <p:spPr>
           <a:xfrm>
             <a:off x="360000" y="360000"/>
-            <a:ext cx="9352080" cy="892080"/>
+            <a:ext cx="9351360" cy="891360"/>
           </a:xfrm>
           <a:prstGeom prst="rect">
             <a:avLst/>
@@ -34870,14 +35323,205 @@
       </p:sp>
       <p:sp>
         <p:nvSpPr>
-          <p:cNvPr id="373" name="CustomShape 130"/>
+          <p:cNvPr id="377" name="CustomShape 135"/>
+          <p:cNvSpPr/>
+          <p:nvPr/>
+        </p:nvSpPr>
+        <p:spPr>
+          <a:xfrm>
+            <a:off x="360000" y="1980000"/>
+            <a:ext cx="9171360" cy="4671360"/>
+          </a:xfrm>
+          <a:prstGeom prst="rect">
+            <a:avLst/>
+          </a:prstGeom>
+          <a:noFill/>
+          <a:ln w="0">
+            <a:noFill/>
+          </a:ln>
+        </p:spPr>
+        <p:style>
+          <a:lnRef idx="0"/>
+          <a:fillRef idx="0"/>
+          <a:effectRef idx="0"/>
+          <a:fontRef idx="minor"/>
+        </p:style>
+        <p:txBody>
+          <a:bodyPr lIns="0" rIns="0" tIns="0" bIns="0" anchor="t">
+            <a:normAutofit/>
+          </a:bodyPr>
+          <a:p>
+            <a:pPr lvl="1" marL="432000" indent="-212400">
+              <a:lnSpc>
+                <a:spcPct val="100000"/>
+              </a:lnSpc>
+              <a:spcAft>
+                <a:spcPts val="1140"/>
+              </a:spcAft>
+              <a:buClr>
+                <a:srgbClr val="000000"/>
+              </a:buClr>
+              <a:buSzPct val="45000"/>
+              <a:buFont typeface="Wingdings" charset="2"/>
+              <a:buChar char=""/>
+            </a:pPr>
+            <a:r>
+              <a:rPr b="1" lang="pt-BR" sz="1600" spc="-1" strike="noStrike">
+                <a:solidFill>
+                  <a:srgbClr val="1c1c1c"/>
+                </a:solidFill>
+                <a:latin typeface="Latin Modern Sans"/>
+                <a:ea typeface="DejaVu Sans"/>
+              </a:rPr>
+              <a:t>Pseudocódigos</a:t>
+            </a:r>
+            <a:endParaRPr b="0" lang="en-US" sz="1600" spc="-1" strike="noStrike">
+              <a:solidFill>
+                <a:srgbClr val="000000"/>
+              </a:solidFill>
+              <a:latin typeface="Arial"/>
+            </a:endParaRPr>
+          </a:p>
+          <a:p>
+            <a:pPr lvl="1" marL="432000" indent="-212400">
+              <a:lnSpc>
+                <a:spcPct val="100000"/>
+              </a:lnSpc>
+              <a:spcAft>
+                <a:spcPts val="1140"/>
+              </a:spcAft>
+              <a:buClr>
+                <a:srgbClr val="000000"/>
+              </a:buClr>
+              <a:buSzPct val="45000"/>
+              <a:buFont typeface="Wingdings" charset="2"/>
+              <a:buChar char=""/>
+            </a:pPr>
+            <a:r>
+              <a:rPr b="1" lang="pt-BR" sz="1600" spc="-1" strike="noStrike">
+                <a:solidFill>
+                  <a:srgbClr val="1c1c1c"/>
+                </a:solidFill>
+                <a:latin typeface="Latin Modern Sans"/>
+                <a:ea typeface="DejaVu Sans"/>
+              </a:rPr>
+              <a:t>Rotação a Direita </a:t>
+            </a:r>
+            <a:endParaRPr b="0" lang="en-US" sz="1600" spc="-1" strike="noStrike">
+              <a:solidFill>
+                <a:srgbClr val="000000"/>
+              </a:solidFill>
+              <a:latin typeface="Arial"/>
+            </a:endParaRPr>
+          </a:p>
+          <a:p>
+            <a:pPr lvl="2" marL="648000" indent="-213840">
+              <a:lnSpc>
+                <a:spcPct val="100000"/>
+              </a:lnSpc>
+              <a:spcAft>
+                <a:spcPts val="1140"/>
+              </a:spcAft>
+              <a:buClr>
+                <a:srgbClr val="000000"/>
+              </a:buClr>
+              <a:buSzPct val="45000"/>
+              <a:buFont typeface="Wingdings" charset="2"/>
+              <a:buChar char=""/>
+            </a:pPr>
+            <a:r>
+              <a:rPr b="1" lang="pt-BR" sz="1600" spc="-1" strike="noStrike">
+                <a:solidFill>
+                  <a:srgbClr val="1c1c1c"/>
+                </a:solidFill>
+                <a:latin typeface="Latin Modern Sans"/>
+                <a:ea typeface="DejaVu Sans"/>
+              </a:rPr>
+              <a:t>FB &gt; 1 e valor inserido a esquerda</a:t>
+            </a:r>
+            <a:endParaRPr b="0" lang="en-US" sz="1600" spc="-1" strike="noStrike">
+              <a:solidFill>
+                <a:srgbClr val="000000"/>
+              </a:solidFill>
+              <a:latin typeface="Arial"/>
+            </a:endParaRPr>
+          </a:p>
+          <a:p>
+            <a:pPr>
+              <a:lnSpc>
+                <a:spcPct val="100000"/>
+              </a:lnSpc>
+              <a:spcAft>
+                <a:spcPts val="1140"/>
+              </a:spcAft>
+            </a:pPr>
+            <a:endParaRPr b="0" lang="en-US" sz="1600" spc="-1" strike="noStrike">
+              <a:solidFill>
+                <a:srgbClr val="000000"/>
+              </a:solidFill>
+              <a:latin typeface="Arial"/>
+            </a:endParaRPr>
+          </a:p>
+          <a:p>
+            <a:pPr>
+              <a:lnSpc>
+                <a:spcPct val="100000"/>
+              </a:lnSpc>
+              <a:spcAft>
+                <a:spcPts val="1140"/>
+              </a:spcAft>
+            </a:pPr>
+            <a:endParaRPr b="0" lang="en-US" sz="1600" spc="-1" strike="noStrike">
+              <a:solidFill>
+                <a:srgbClr val="000000"/>
+              </a:solidFill>
+              <a:latin typeface="Arial"/>
+            </a:endParaRPr>
+          </a:p>
+          <a:p>
+            <a:pPr>
+              <a:lnSpc>
+                <a:spcPct val="100000"/>
+              </a:lnSpc>
+              <a:spcAft>
+                <a:spcPts val="1140"/>
+              </a:spcAft>
+            </a:pPr>
+            <a:endParaRPr b="0" lang="en-US" sz="1600" spc="-1" strike="noStrike">
+              <a:solidFill>
+                <a:srgbClr val="000000"/>
+              </a:solidFill>
+              <a:latin typeface="Arial"/>
+            </a:endParaRPr>
+          </a:p>
+          <a:p>
+            <a:pPr>
+              <a:lnSpc>
+                <a:spcPct val="100000"/>
+              </a:lnSpc>
+              <a:spcAft>
+                <a:spcPts val="1140"/>
+              </a:spcAft>
+            </a:pPr>
+            <a:endParaRPr b="0" lang="en-US" sz="1600" spc="-1" strike="noStrike">
+              <a:solidFill>
+                <a:srgbClr val="000000"/>
+              </a:solidFill>
+              <a:latin typeface="Arial"/>
+            </a:endParaRPr>
+          </a:p>
+        </p:txBody>
+      </p:sp>
+      <p:sp>
+        <p:nvSpPr>
+          <p:cNvPr id="378" name="CustomShape 136"/>
           <p:cNvSpPr/>
           <p:nvPr/>
         </p:nvSpPr>
         <p:spPr>
           <a:xfrm>
             <a:off x="7608600" y="6886080"/>
-            <a:ext cx="2277360" cy="357120"/>
+            <a:ext cx="2276640" cy="356400"/>
           </a:xfrm>
           <a:prstGeom prst="rect">
             <a:avLst/>
@@ -34924,14 +35568,14 @@
       </p:sp>
       <p:sp>
         <p:nvSpPr>
-          <p:cNvPr id="374" name="CustomShape 131"/>
+          <p:cNvPr id="379" name="CustomShape 137"/>
           <p:cNvSpPr/>
           <p:nvPr/>
         </p:nvSpPr>
         <p:spPr>
           <a:xfrm>
             <a:off x="897120" y="6886080"/>
-            <a:ext cx="6439320" cy="357120"/>
+            <a:ext cx="6438600" cy="356400"/>
           </a:xfrm>
           <a:prstGeom prst="rect">
             <a:avLst/>
@@ -34976,447 +35620,75 @@
           </a:p>
         </p:txBody>
       </p:sp>
-      <p:sp>
-        <p:nvSpPr>
-          <p:cNvPr id="375" name="CustomShape 132"/>
-          <p:cNvSpPr/>
+      <p:pic>
+        <p:nvPicPr>
+          <p:cNvPr id="380" name="Imagem 100" descr=""/>
+          <p:cNvPicPr/>
           <p:nvPr/>
-        </p:nvSpPr>
+        </p:nvPicPr>
+        <p:blipFill>
+          <a:blip r:embed="rId1"/>
+          <a:stretch/>
+        </p:blipFill>
         <p:spPr>
           <a:xfrm>
-            <a:off x="360000" y="1980000"/>
-            <a:ext cx="9328680" cy="4672080"/>
+            <a:off x="716400" y="3176640"/>
+            <a:ext cx="2890440" cy="2452320"/>
           </a:xfrm>
           <a:prstGeom prst="rect">
             <a:avLst/>
           </a:prstGeom>
-          <a:noFill/>
           <a:ln w="0">
             <a:noFill/>
           </a:ln>
         </p:spPr>
-        <p:style>
-          <a:lnRef idx="0"/>
-          <a:fillRef idx="0"/>
-          <a:effectRef idx="0"/>
-          <a:fontRef idx="minor"/>
-        </p:style>
-        <p:txBody>
-          <a:bodyPr lIns="0" rIns="0" tIns="0" bIns="0" anchor="t">
-            <a:normAutofit fontScale="68333"/>
-          </a:bodyPr>
-          <a:p>
-            <a:pPr lvl="1" marL="432000" indent="-212400">
-              <a:lnSpc>
-                <a:spcPct val="100000"/>
-              </a:lnSpc>
-              <a:spcAft>
-                <a:spcPts val="1140"/>
-              </a:spcAft>
-              <a:buClr>
-                <a:srgbClr val="000000"/>
-              </a:buClr>
-              <a:buSzPct val="45000"/>
-              <a:buFont typeface="Wingdings" charset="2"/>
-              <a:buChar char=""/>
-            </a:pPr>
-            <a:r>
-              <a:rPr b="1" lang="pt-BR" sz="1600" spc="-1" strike="noStrike">
-                <a:solidFill>
-                  <a:srgbClr val="1c1c1c"/>
-                </a:solidFill>
-                <a:latin typeface="Latin Modern Sans"/>
-                <a:ea typeface="DejaVu Sans"/>
-              </a:rPr>
-              <a:t>Exercício prático</a:t>
-            </a:r>
-            <a:endParaRPr b="0" lang="en-US" sz="1600" spc="-1" strike="noStrike">
-              <a:solidFill>
-                <a:srgbClr val="000000"/>
-              </a:solidFill>
-              <a:latin typeface="Arial"/>
-            </a:endParaRPr>
-          </a:p>
-          <a:p>
-            <a:pPr>
-              <a:lnSpc>
-                <a:spcPct val="100000"/>
-              </a:lnSpc>
-              <a:spcAft>
-                <a:spcPts val="1140"/>
-              </a:spcAft>
-            </a:pPr>
-            <a:endParaRPr b="0" lang="en-US" sz="1600" spc="-1" strike="noStrike">
-              <a:solidFill>
-                <a:srgbClr val="000000"/>
-              </a:solidFill>
-              <a:latin typeface="Arial"/>
-            </a:endParaRPr>
-          </a:p>
-          <a:p>
-            <a:pPr lvl="2" marL="648000" indent="-213840">
-              <a:lnSpc>
-                <a:spcPct val="100000"/>
-              </a:lnSpc>
-              <a:spcAft>
-                <a:spcPts val="1140"/>
-              </a:spcAft>
-              <a:buClr>
-                <a:srgbClr val="000000"/>
-              </a:buClr>
-              <a:buSzPct val="45000"/>
-              <a:buFont typeface="Wingdings" charset="2"/>
-              <a:buChar char=""/>
-            </a:pPr>
-            <a:r>
-              <a:rPr b="1" lang="pt-BR" sz="1600" spc="-1" strike="noStrike">
-                <a:solidFill>
-                  <a:srgbClr val="1c1c1c"/>
-                </a:solidFill>
-                <a:latin typeface="Latin Modern Sans"/>
-                <a:ea typeface="DejaVu Sans"/>
-              </a:rPr>
-              <a:t>Inserir as sequências abaixo, utilizando arvores AVL e não-AVL</a:t>
-            </a:r>
-            <a:endParaRPr b="0" lang="en-US" sz="1600" spc="-1" strike="noStrike">
-              <a:solidFill>
-                <a:srgbClr val="000000"/>
-              </a:solidFill>
-              <a:latin typeface="Arial"/>
-            </a:endParaRPr>
-          </a:p>
-          <a:p>
-            <a:pPr lvl="3" marL="864000" indent="-213840">
-              <a:lnSpc>
-                <a:spcPct val="100000"/>
-              </a:lnSpc>
-              <a:spcAft>
-                <a:spcPts val="1140"/>
-              </a:spcAft>
-              <a:buClr>
-                <a:srgbClr val="000000"/>
-              </a:buClr>
-              <a:buSzPct val="45000"/>
-              <a:buFont typeface="Wingdings" charset="2"/>
-              <a:buChar char=""/>
-            </a:pPr>
-            <a:r>
-              <a:rPr b="1" lang="pt-BR" sz="1600" spc="-1" strike="noStrike">
-                <a:solidFill>
-                  <a:srgbClr val="1c1c1c"/>
-                </a:solidFill>
-                <a:latin typeface="Latin Modern Sans"/>
-                <a:ea typeface="DejaVu Sans"/>
-              </a:rPr>
-              <a:t>10, 3, 2, 5, 7 e 6</a:t>
-            </a:r>
-            <a:endParaRPr b="0" lang="en-US" sz="1600" spc="-1" strike="noStrike">
-              <a:solidFill>
-                <a:srgbClr val="000000"/>
-              </a:solidFill>
-              <a:latin typeface="Arial"/>
-            </a:endParaRPr>
-          </a:p>
-          <a:p>
-            <a:pPr lvl="3" marL="864000" indent="-213840">
-              <a:lnSpc>
-                <a:spcPct val="100000"/>
-              </a:lnSpc>
-              <a:spcAft>
-                <a:spcPts val="1140"/>
-              </a:spcAft>
-              <a:buClr>
-                <a:srgbClr val="000000"/>
-              </a:buClr>
-              <a:buSzPct val="45000"/>
-              <a:buFont typeface="Wingdings" charset="2"/>
-              <a:buChar char=""/>
-            </a:pPr>
-            <a:r>
-              <a:rPr b="1" lang="pt-BR" sz="1600" spc="-1" strike="noStrike">
-                <a:solidFill>
-                  <a:srgbClr val="1c1c1c"/>
-                </a:solidFill>
-                <a:latin typeface="Latin Modern Sans"/>
-                <a:ea typeface="DejaVu Sans"/>
-              </a:rPr>
-              <a:t>A,B,C ….. J</a:t>
-            </a:r>
-            <a:endParaRPr b="0" lang="en-US" sz="1600" spc="-1" strike="noStrike">
-              <a:solidFill>
-                <a:srgbClr val="000000"/>
-              </a:solidFill>
-              <a:latin typeface="Arial"/>
-            </a:endParaRPr>
-          </a:p>
-          <a:p>
-            <a:pPr lvl="2" marL="648000" indent="-213840">
-              <a:lnSpc>
-                <a:spcPct val="100000"/>
-              </a:lnSpc>
-              <a:spcAft>
-                <a:spcPts val="1140"/>
-              </a:spcAft>
-              <a:buClr>
-                <a:srgbClr val="000000"/>
-              </a:buClr>
-              <a:buSzPct val="45000"/>
-              <a:buFont typeface="Wingdings" charset="2"/>
-              <a:buChar char=""/>
-            </a:pPr>
-            <a:r>
-              <a:rPr b="1" lang="pt-BR" sz="1600" spc="-1" strike="noStrike">
-                <a:solidFill>
-                  <a:srgbClr val="1c1c1c"/>
-                </a:solidFill>
-                <a:latin typeface="Latin Modern Sans"/>
-                <a:ea typeface="DejaVu Sans"/>
-              </a:rPr>
-              <a:t>Apresente os caminhos em in-ordem em ambas as arvores</a:t>
-            </a:r>
-            <a:endParaRPr b="0" lang="en-US" sz="1600" spc="-1" strike="noStrike">
-              <a:solidFill>
-                <a:srgbClr val="000000"/>
-              </a:solidFill>
-              <a:latin typeface="Arial"/>
-            </a:endParaRPr>
-          </a:p>
-          <a:p>
-            <a:pPr lvl="2" marL="648000" indent="-213840">
-              <a:lnSpc>
-                <a:spcPct val="100000"/>
-              </a:lnSpc>
-              <a:spcAft>
-                <a:spcPts val="1140"/>
-              </a:spcAft>
-              <a:buClr>
-                <a:srgbClr val="000000"/>
-              </a:buClr>
-              <a:buSzPct val="45000"/>
-              <a:buFont typeface="Wingdings" charset="2"/>
-              <a:buChar char=""/>
-            </a:pPr>
-            <a:r>
-              <a:rPr b="1" lang="pt-BR" sz="1600" spc="-1" strike="noStrike">
-                <a:solidFill>
-                  <a:srgbClr val="1c1c1c"/>
-                </a:solidFill>
-                <a:latin typeface="Latin Modern Sans"/>
-                <a:ea typeface="DejaVu Sans"/>
-              </a:rPr>
-              <a:t>Apresente o número de buscas necessárias para encontrar o elemento 7 e H em ambas as árvores</a:t>
-            </a:r>
-            <a:endParaRPr b="0" lang="en-US" sz="1600" spc="-1" strike="noStrike">
-              <a:solidFill>
-                <a:srgbClr val="000000"/>
-              </a:solidFill>
-              <a:latin typeface="Arial"/>
-            </a:endParaRPr>
-          </a:p>
-          <a:p>
-            <a:pPr>
-              <a:lnSpc>
-                <a:spcPct val="100000"/>
-              </a:lnSpc>
-              <a:spcAft>
-                <a:spcPts val="1140"/>
-              </a:spcAft>
-            </a:pPr>
-            <a:endParaRPr b="0" lang="en-US" sz="1600" spc="-1" strike="noStrike">
-              <a:solidFill>
-                <a:srgbClr val="000000"/>
-              </a:solidFill>
-              <a:latin typeface="Arial"/>
-            </a:endParaRPr>
-          </a:p>
-          <a:p>
-            <a:pPr lvl="2" marL="648000" indent="-213840">
-              <a:lnSpc>
-                <a:spcPct val="100000"/>
-              </a:lnSpc>
-              <a:spcAft>
-                <a:spcPts val="1140"/>
-              </a:spcAft>
-              <a:buClr>
-                <a:srgbClr val="000000"/>
-              </a:buClr>
-              <a:buSzPct val="45000"/>
-              <a:buFont typeface="Wingdings" charset="2"/>
-              <a:buChar char=""/>
-            </a:pPr>
-            <a:r>
-              <a:rPr b="1" lang="pt-BR" sz="1600" spc="-1" strike="noStrike">
-                <a:solidFill>
-                  <a:srgbClr val="1c1c1c"/>
-                </a:solidFill>
-                <a:latin typeface="Latin Modern Sans"/>
-                <a:ea typeface="DejaVu Sans"/>
-              </a:rPr>
-              <a:t>Simulador AVL:</a:t>
-            </a:r>
-            <a:endParaRPr b="0" lang="en-US" sz="1600" spc="-1" strike="noStrike">
-              <a:solidFill>
-                <a:srgbClr val="000000"/>
-              </a:solidFill>
-              <a:latin typeface="Arial"/>
-            </a:endParaRPr>
-          </a:p>
-          <a:p>
-            <a:pPr lvl="3" marL="1105200" indent="-213840">
-              <a:lnSpc>
-                <a:spcPct val="100000"/>
-              </a:lnSpc>
-              <a:spcAft>
-                <a:spcPts val="1140"/>
-              </a:spcAft>
-              <a:buClr>
-                <a:srgbClr val="000000"/>
-              </a:buClr>
-              <a:buSzPct val="45000"/>
-              <a:buFont typeface="Wingdings" charset="2"/>
-              <a:buChar char=""/>
-            </a:pPr>
-            <a:r>
-              <a:rPr b="0" lang="pt-BR" sz="1600" spc="-1" strike="noStrike" u="sng">
-                <a:solidFill>
-                  <a:srgbClr val="0000ff"/>
-                </a:solidFill>
-                <a:uFillTx/>
-                <a:latin typeface="-apple-system"/>
-                <a:ea typeface="DejaVu Sans"/>
-                <a:hlinkClick r:id="rId1"/>
-              </a:rPr>
-              <a:t>https://cmps-people.ok.ubc.ca/ylucet/DS/AVLtree.html</a:t>
-            </a:r>
-            <a:endParaRPr b="0" lang="en-US" sz="1600" spc="-1" strike="noStrike">
-              <a:solidFill>
-                <a:srgbClr val="000000"/>
-              </a:solidFill>
-              <a:latin typeface="Arial"/>
-            </a:endParaRPr>
-          </a:p>
-          <a:p>
-            <a:pPr lvl="3" marL="1105200" indent="-213840">
-              <a:lnSpc>
-                <a:spcPct val="100000"/>
-              </a:lnSpc>
-              <a:spcAft>
-                <a:spcPts val="1140"/>
-              </a:spcAft>
-              <a:buClr>
-                <a:srgbClr val="000000"/>
-              </a:buClr>
-              <a:buSzPct val="45000"/>
-              <a:buFont typeface="Wingdings" charset="2"/>
-              <a:buChar char=""/>
-            </a:pPr>
-            <a:r>
-              <a:rPr b="0" lang="pt-BR" sz="1600" spc="-1" strike="noStrike" u="sng">
-                <a:solidFill>
-                  <a:srgbClr val="0000ff"/>
-                </a:solidFill>
-                <a:uFillTx/>
-                <a:latin typeface="Arial"/>
-                <a:ea typeface="DejaVu Sans"/>
-                <a:hlinkClick r:id="rId2"/>
-              </a:rPr>
-              <a:t>https</a:t>
-            </a:r>
-            <a:r>
-              <a:rPr b="0" lang="pt-BR" sz="1600" spc="-1" strike="noStrike" u="sng">
-                <a:solidFill>
-                  <a:srgbClr val="0000ff"/>
-                </a:solidFill>
-                <a:uFillTx/>
-                <a:latin typeface="Arial"/>
-                <a:ea typeface="DejaVu Sans"/>
-                <a:hlinkClick r:id="rId3"/>
-              </a:rPr>
-              <a:t>://visualgo.net/en</a:t>
-            </a:r>
-            <a:endParaRPr b="0" lang="en-US" sz="1600" spc="-1" strike="noStrike">
-              <a:solidFill>
-                <a:srgbClr val="000000"/>
-              </a:solidFill>
-              <a:latin typeface="Arial"/>
-            </a:endParaRPr>
-          </a:p>
-          <a:p>
-            <a:pPr>
-              <a:lnSpc>
-                <a:spcPct val="100000"/>
-              </a:lnSpc>
-              <a:spcAft>
-                <a:spcPts val="1140"/>
-              </a:spcAft>
-            </a:pPr>
-            <a:endParaRPr b="0" lang="en-US" sz="1600" spc="-1" strike="noStrike">
-              <a:solidFill>
-                <a:srgbClr val="000000"/>
-              </a:solidFill>
-              <a:latin typeface="Arial"/>
-            </a:endParaRPr>
-          </a:p>
-          <a:p>
-            <a:pPr>
-              <a:lnSpc>
-                <a:spcPct val="100000"/>
-              </a:lnSpc>
-              <a:spcAft>
-                <a:spcPts val="1140"/>
-              </a:spcAft>
-            </a:pPr>
-            <a:endParaRPr b="0" lang="en-US" sz="1600" spc="-1" strike="noStrike">
-              <a:solidFill>
-                <a:srgbClr val="000000"/>
-              </a:solidFill>
-              <a:latin typeface="Arial"/>
-            </a:endParaRPr>
-          </a:p>
-          <a:p>
-            <a:pPr>
-              <a:lnSpc>
-                <a:spcPct val="100000"/>
-              </a:lnSpc>
-              <a:spcAft>
-                <a:spcPts val="1140"/>
-              </a:spcAft>
-            </a:pPr>
-            <a:endParaRPr b="0" lang="en-US" sz="1600" spc="-1" strike="noStrike">
-              <a:solidFill>
-                <a:srgbClr val="000000"/>
-              </a:solidFill>
-              <a:latin typeface="Arial"/>
-            </a:endParaRPr>
-          </a:p>
-          <a:p>
-            <a:pPr>
-              <a:lnSpc>
-                <a:spcPct val="100000"/>
-              </a:lnSpc>
-              <a:spcAft>
-                <a:spcPts val="1140"/>
-              </a:spcAft>
-            </a:pPr>
-            <a:r>
-              <a:rPr b="0" lang="pt-BR" sz="1600" spc="-1" strike="noStrike">
-                <a:solidFill>
-                  <a:srgbClr val="000000"/>
-                </a:solidFill>
-                <a:latin typeface="Arial"/>
-                <a:ea typeface="DejaVu Sans"/>
-              </a:rPr>
-              <a:t>	</a:t>
-            </a:r>
-            <a:endParaRPr b="0" lang="en-US" sz="1600" spc="-1" strike="noStrike">
-              <a:solidFill>
-                <a:srgbClr val="000000"/>
-              </a:solidFill>
-              <a:latin typeface="Arial"/>
-            </a:endParaRPr>
-          </a:p>
-        </p:txBody>
-      </p:sp>
+      </p:pic>
+      <p:pic>
+        <p:nvPicPr>
+          <p:cNvPr id="381" name="Imagem 101" descr=""/>
+          <p:cNvPicPr/>
+          <p:nvPr/>
+        </p:nvPicPr>
+        <p:blipFill>
+          <a:blip r:embed="rId2"/>
+          <a:stretch/>
+        </p:blipFill>
+        <p:spPr>
+          <a:xfrm>
+            <a:off x="5702040" y="2574000"/>
+            <a:ext cx="3528720" cy="3242880"/>
+          </a:xfrm>
+          <a:prstGeom prst="rect">
+            <a:avLst/>
+          </a:prstGeom>
+          <a:ln w="0">
+            <a:noFill/>
+          </a:ln>
+        </p:spPr>
+      </p:pic>
+      <p:pic>
+        <p:nvPicPr>
+          <p:cNvPr id="382" name="Imagem 102" descr=""/>
+          <p:cNvPicPr/>
+          <p:nvPr/>
+        </p:nvPicPr>
+        <p:blipFill>
+          <a:blip r:embed="rId3"/>
+          <a:stretch/>
+        </p:blipFill>
+        <p:spPr>
+          <a:xfrm>
+            <a:off x="5647680" y="1899720"/>
+            <a:ext cx="2871000" cy="290160"/>
+          </a:xfrm>
+          <a:prstGeom prst="rect">
+            <a:avLst/>
+          </a:prstGeom>
+          <a:ln w="0">
+            <a:noFill/>
+          </a:ln>
+        </p:spPr>
+      </p:pic>
     </p:spTree>
   </p:cSld>
   <mc:AlternateContent>
@@ -35449,14 +35721,14 @@
       </p:grpSpPr>
       <p:sp>
         <p:nvSpPr>
-          <p:cNvPr id="376" name="CustomShape 134"/>
+          <p:cNvPr id="383" name="CustomShape 139"/>
           <p:cNvSpPr/>
           <p:nvPr/>
         </p:nvSpPr>
         <p:spPr>
           <a:xfrm>
             <a:off x="360000" y="360000"/>
-            <a:ext cx="9352080" cy="892080"/>
+            <a:ext cx="9351360" cy="891360"/>
           </a:xfrm>
           <a:prstGeom prst="rect">
             <a:avLst/>
@@ -35503,14 +35775,14 @@
       </p:sp>
       <p:sp>
         <p:nvSpPr>
-          <p:cNvPr id="377" name="CustomShape 135"/>
+          <p:cNvPr id="384" name="CustomShape 140"/>
           <p:cNvSpPr/>
           <p:nvPr/>
         </p:nvSpPr>
         <p:spPr>
           <a:xfrm>
             <a:off x="360000" y="1980000"/>
-            <a:ext cx="9172080" cy="4672080"/>
+            <a:ext cx="9171360" cy="4671360"/>
           </a:xfrm>
           <a:prstGeom prst="rect">
             <a:avLst/>
@@ -35553,39 +35825,7 @@
                 <a:latin typeface="Latin Modern Sans"/>
                 <a:ea typeface="DejaVu Sans"/>
               </a:rPr>
-              <a:t>Pseudocódigos</a:t>
-            </a:r>
-            <a:endParaRPr b="0" lang="en-US" sz="1600" spc="-1" strike="noStrike">
-              <a:solidFill>
-                <a:srgbClr val="000000"/>
-              </a:solidFill>
-              <a:latin typeface="Arial"/>
-            </a:endParaRPr>
-          </a:p>
-          <a:p>
-            <a:pPr lvl="1" marL="432000" indent="-212400">
-              <a:lnSpc>
-                <a:spcPct val="100000"/>
-              </a:lnSpc>
-              <a:spcAft>
-                <a:spcPts val="1140"/>
-              </a:spcAft>
-              <a:buClr>
-                <a:srgbClr val="000000"/>
-              </a:buClr>
-              <a:buSzPct val="45000"/>
-              <a:buFont typeface="Wingdings" charset="2"/>
-              <a:buChar char=""/>
-            </a:pPr>
-            <a:r>
-              <a:rPr b="1" lang="pt-BR" sz="1600" spc="-1" strike="noStrike">
-                <a:solidFill>
-                  <a:srgbClr val="1c1c1c"/>
-                </a:solidFill>
-                <a:latin typeface="Latin Modern Sans"/>
-                <a:ea typeface="DejaVu Sans"/>
-              </a:rPr>
-              <a:t>Rotação a Direita </a:t>
+              <a:t>Rotação a Esquerda </a:t>
             </a:r>
             <a:endParaRPr b="0" lang="en-US" sz="1600" spc="-1" strike="noStrike">
               <a:solidFill>
@@ -35617,7 +35857,7 @@
                 <a:latin typeface="Latin Modern Sans"/>
                 <a:ea typeface="DejaVu Sans"/>
               </a:rPr>
-              <a:t>FB &gt; 1 e valor inserido a esquerda</a:t>
+              <a:t>FB &lt; -1 e valor inserido a direita</a:t>
             </a:r>
             <a:endParaRPr b="0" lang="en-US" sz="1600" spc="-1" strike="noStrike">
               <a:solidFill>
@@ -35674,34 +35914,18 @@
               <a:latin typeface="Arial"/>
             </a:endParaRPr>
           </a:p>
-          <a:p>
-            <a:pPr>
-              <a:lnSpc>
-                <a:spcPct val="100000"/>
-              </a:lnSpc>
-              <a:spcAft>
-                <a:spcPts val="1140"/>
-              </a:spcAft>
-            </a:pPr>
-            <a:endParaRPr b="0" lang="en-US" sz="1600" spc="-1" strike="noStrike">
-              <a:solidFill>
-                <a:srgbClr val="000000"/>
-              </a:solidFill>
-              <a:latin typeface="Arial"/>
-            </a:endParaRPr>
-          </a:p>
         </p:txBody>
       </p:sp>
       <p:sp>
         <p:nvSpPr>
-          <p:cNvPr id="378" name="CustomShape 136"/>
+          <p:cNvPr id="385" name="CustomShape 141"/>
           <p:cNvSpPr/>
           <p:nvPr/>
         </p:nvSpPr>
         <p:spPr>
           <a:xfrm>
             <a:off x="7608600" y="6886080"/>
-            <a:ext cx="2277360" cy="357120"/>
+            <a:ext cx="2276640" cy="356400"/>
           </a:xfrm>
           <a:prstGeom prst="rect">
             <a:avLst/>
@@ -35748,14 +35972,14 @@
       </p:sp>
       <p:sp>
         <p:nvSpPr>
-          <p:cNvPr id="379" name="CustomShape 137"/>
+          <p:cNvPr id="386" name="CustomShape 142"/>
           <p:cNvSpPr/>
           <p:nvPr/>
         </p:nvSpPr>
         <p:spPr>
           <a:xfrm>
             <a:off x="897120" y="6886080"/>
-            <a:ext cx="6439320" cy="357120"/>
+            <a:ext cx="6438600" cy="356400"/>
           </a:xfrm>
           <a:prstGeom prst="rect">
             <a:avLst/>
@@ -35802,7 +36026,7 @@
       </p:sp>
       <p:pic>
         <p:nvPicPr>
-          <p:cNvPr id="380" name="Imagem 100" descr=""/>
+          <p:cNvPr id="387" name="Imagem 103" descr=""/>
           <p:cNvPicPr/>
           <p:nvPr/>
         </p:nvPicPr>
@@ -35812,8 +36036,8 @@
         </p:blipFill>
         <p:spPr>
           <a:xfrm>
-            <a:off x="716400" y="3176640"/>
-            <a:ext cx="2891160" cy="2453040"/>
+            <a:off x="914400" y="2923920"/>
+            <a:ext cx="2862000" cy="2518920"/>
           </a:xfrm>
           <a:prstGeom prst="rect">
             <a:avLst/>
@@ -35825,7 +36049,7 @@
       </p:pic>
       <p:pic>
         <p:nvPicPr>
-          <p:cNvPr id="381" name="Imagem 101" descr=""/>
+          <p:cNvPr id="388" name="Imagem 104" descr=""/>
           <p:cNvPicPr/>
           <p:nvPr/>
         </p:nvPicPr>
@@ -35835,8 +36059,8 @@
         </p:blipFill>
         <p:spPr>
           <a:xfrm>
-            <a:off x="5702040" y="2574000"/>
-            <a:ext cx="3529440" cy="3243600"/>
+            <a:off x="6012360" y="2926080"/>
+            <a:ext cx="3309840" cy="3242880"/>
           </a:xfrm>
           <a:prstGeom prst="rect">
             <a:avLst/>
@@ -35848,7 +36072,7 @@
       </p:pic>
       <p:pic>
         <p:nvPicPr>
-          <p:cNvPr id="382" name="Imagem 102" descr=""/>
+          <p:cNvPr id="389" name="Imagem 105" descr=""/>
           <p:cNvPicPr/>
           <p:nvPr/>
         </p:nvPicPr>
@@ -35858,8 +36082,8 @@
         </p:blipFill>
         <p:spPr>
           <a:xfrm>
-            <a:off x="5647680" y="1899720"/>
-            <a:ext cx="2871720" cy="290880"/>
+            <a:off x="5999040" y="2286000"/>
+            <a:ext cx="3013920" cy="290160"/>
           </a:xfrm>
           <a:prstGeom prst="rect">
             <a:avLst/>
@@ -35901,14 +36125,14 @@
       </p:grpSpPr>
       <p:sp>
         <p:nvSpPr>
-          <p:cNvPr id="383" name="CustomShape 139"/>
+          <p:cNvPr id="390" name="CustomShape 144"/>
           <p:cNvSpPr/>
           <p:nvPr/>
         </p:nvSpPr>
         <p:spPr>
           <a:xfrm>
             <a:off x="360000" y="360000"/>
-            <a:ext cx="9352080" cy="892080"/>
+            <a:ext cx="9351360" cy="891360"/>
           </a:xfrm>
           <a:prstGeom prst="rect">
             <a:avLst/>
@@ -35955,14 +36179,14 @@
       </p:sp>
       <p:sp>
         <p:nvSpPr>
-          <p:cNvPr id="384" name="CustomShape 140"/>
+          <p:cNvPr id="391" name="CustomShape 145"/>
           <p:cNvSpPr/>
           <p:nvPr/>
         </p:nvSpPr>
         <p:spPr>
           <a:xfrm>
             <a:off x="360000" y="1980000"/>
-            <a:ext cx="9172080" cy="4672080"/>
+            <a:ext cx="9171360" cy="4671360"/>
           </a:xfrm>
           <a:prstGeom prst="rect">
             <a:avLst/>
@@ -36005,7 +36229,7 @@
                 <a:latin typeface="Latin Modern Sans"/>
                 <a:ea typeface="DejaVu Sans"/>
               </a:rPr>
-              <a:t>Rotação a Esquerda </a:t>
+              <a:t>Rotação Dupla Esq-Dir</a:t>
             </a:r>
             <a:endParaRPr b="0" lang="en-US" sz="1600" spc="-1" strike="noStrike">
               <a:solidFill>
@@ -36015,7 +36239,7 @@
             </a:endParaRPr>
           </a:p>
           <a:p>
-            <a:pPr lvl="2" marL="648000" indent="-213840">
+            <a:pPr lvl="1" marL="432000" indent="-212400">
               <a:lnSpc>
                 <a:spcPct val="100000"/>
               </a:lnSpc>
@@ -36037,7 +36261,7 @@
                 <a:latin typeface="Latin Modern Sans"/>
                 <a:ea typeface="DejaVu Sans"/>
               </a:rPr>
-              <a:t>FB &lt; -1 e valor inserido a direita</a:t>
+              <a:t>FB &gt; 1 e valor inserido a direita</a:t>
             </a:r>
             <a:endParaRPr b="0" lang="en-US" sz="1600" spc="-1" strike="noStrike">
               <a:solidFill>
@@ -36094,18 +36318,66 @@
               <a:latin typeface="Arial"/>
             </a:endParaRPr>
           </a:p>
+          <a:p>
+            <a:pPr>
+              <a:lnSpc>
+                <a:spcPct val="100000"/>
+              </a:lnSpc>
+              <a:spcAft>
+                <a:spcPts val="1140"/>
+              </a:spcAft>
+            </a:pPr>
+            <a:endParaRPr b="0" lang="en-US" sz="1600" spc="-1" strike="noStrike">
+              <a:solidFill>
+                <a:srgbClr val="000000"/>
+              </a:solidFill>
+              <a:latin typeface="Arial"/>
+            </a:endParaRPr>
+          </a:p>
+          <a:p>
+            <a:pPr>
+              <a:lnSpc>
+                <a:spcPct val="100000"/>
+              </a:lnSpc>
+              <a:spcAft>
+                <a:spcPts val="1140"/>
+              </a:spcAft>
+            </a:pPr>
+            <a:endParaRPr b="0" lang="en-US" sz="1600" spc="-1" strike="noStrike">
+              <a:solidFill>
+                <a:srgbClr val="000000"/>
+              </a:solidFill>
+              <a:latin typeface="Arial"/>
+            </a:endParaRPr>
+          </a:p>
+          <a:p>
+            <a:pPr>
+              <a:lnSpc>
+                <a:spcPct val="100000"/>
+              </a:lnSpc>
+              <a:spcAft>
+                <a:spcPts val="1140"/>
+              </a:spcAft>
+            </a:pPr>
+            <a:endParaRPr b="0" lang="en-US" sz="1600" spc="-1" strike="noStrike">
+              <a:solidFill>
+                <a:srgbClr val="000000"/>
+              </a:solidFill>
+              <a:latin typeface="Arial"/>
+            </a:endParaRPr>
+          </a:p>
         </p:txBody>
       </p:sp>
       <p:sp>
         <p:nvSpPr>
-          <p:cNvPr id="385" name="CustomShape 141"/>
+          <p:cNvPr id="392" name="CustomShape 146"/>
           <p:cNvSpPr/>
           <p:nvPr/>
         </p:nvSpPr>
         <p:spPr>
           <a:xfrm>
             <a:off x="7608600" y="6886080"/>
-            <a:ext cx="2277360" cy="357120"/>
+            <a:ext cx="2276640" cy="356400"/>
           </a:xfrm>
           <a:prstGeom prst="rect">
             <a:avLst/>
@@ -36152,14 +36424,14 @@
       </p:sp>
       <p:sp>
         <p:nvSpPr>
-          <p:cNvPr id="386" name="CustomShape 142"/>
+          <p:cNvPr id="393" name="CustomShape 147"/>
           <p:cNvSpPr/>
           <p:nvPr/>
         </p:nvSpPr>
         <p:spPr>
           <a:xfrm>
             <a:off x="897120" y="6886080"/>
-            <a:ext cx="6439320" cy="357120"/>
+            <a:ext cx="6438600" cy="356400"/>
           </a:xfrm>
           <a:prstGeom prst="rect">
             <a:avLst/>
@@ -36206,7 +36478,7 @@
       </p:sp>
       <p:pic>
         <p:nvPicPr>
-          <p:cNvPr id="387" name="Imagem 103" descr=""/>
+          <p:cNvPr id="394" name="Imagem 106" descr=""/>
           <p:cNvPicPr/>
           <p:nvPr/>
         </p:nvPicPr>
@@ -36216,8 +36488,8 @@
         </p:blipFill>
         <p:spPr>
           <a:xfrm>
-            <a:off x="914400" y="2923920"/>
-            <a:ext cx="2862720" cy="2519640"/>
+            <a:off x="897480" y="2743200"/>
+            <a:ext cx="2938320" cy="2947680"/>
           </a:xfrm>
           <a:prstGeom prst="rect">
             <a:avLst/>
@@ -36229,7 +36501,7 @@
       </p:pic>
       <p:pic>
         <p:nvPicPr>
-          <p:cNvPr id="388" name="Imagem 104" descr=""/>
+          <p:cNvPr id="395" name="Imagem 107" descr=""/>
           <p:cNvPicPr/>
           <p:nvPr/>
         </p:nvPicPr>
@@ -36239,31 +36511,8 @@
         </p:blipFill>
         <p:spPr>
           <a:xfrm>
-            <a:off x="6012360" y="2926080"/>
-            <a:ext cx="3310560" cy="3243600"/>
-          </a:xfrm>
-          <a:prstGeom prst="rect">
-            <a:avLst/>
-          </a:prstGeom>
-          <a:ln w="0">
-            <a:noFill/>
-          </a:ln>
-        </p:spPr>
-      </p:pic>
-      <p:pic>
-        <p:nvPicPr>
-          <p:cNvPr id="389" name="Imagem 105" descr=""/>
-          <p:cNvPicPr/>
-          <p:nvPr/>
-        </p:nvPicPr>
-        <p:blipFill>
-          <a:blip r:embed="rId3"/>
-          <a:stretch/>
-        </p:blipFill>
-        <p:spPr>
-          <a:xfrm>
-            <a:off x="5999040" y="2286000"/>
-            <a:ext cx="3014640" cy="290880"/>
+            <a:off x="6049440" y="2194560"/>
+            <a:ext cx="3089880" cy="851760"/>
           </a:xfrm>
           <a:prstGeom prst="rect">
             <a:avLst/>
@@ -36305,14 +36554,14 @@
       </p:grpSpPr>
       <p:sp>
         <p:nvSpPr>
-          <p:cNvPr id="390" name="CustomShape 144"/>
+          <p:cNvPr id="396" name="CustomShape 149"/>
           <p:cNvSpPr/>
           <p:nvPr/>
         </p:nvSpPr>
         <p:spPr>
           <a:xfrm>
             <a:off x="360000" y="360000"/>
-            <a:ext cx="9352080" cy="892080"/>
+            <a:ext cx="9351360" cy="891360"/>
           </a:xfrm>
           <a:prstGeom prst="rect">
             <a:avLst/>
@@ -36359,14 +36608,14 @@
       </p:sp>
       <p:sp>
         <p:nvSpPr>
-          <p:cNvPr id="391" name="CustomShape 145"/>
+          <p:cNvPr id="397" name="CustomShape 150"/>
           <p:cNvSpPr/>
           <p:nvPr/>
         </p:nvSpPr>
         <p:spPr>
           <a:xfrm>
             <a:off x="360000" y="1980000"/>
-            <a:ext cx="9172080" cy="4672080"/>
+            <a:ext cx="9171360" cy="4671360"/>
           </a:xfrm>
           <a:prstGeom prst="rect">
             <a:avLst/>
@@ -36409,7 +36658,7 @@
                 <a:latin typeface="Latin Modern Sans"/>
                 <a:ea typeface="DejaVu Sans"/>
               </a:rPr>
-              <a:t>Rotação Dupla Esq-Dir</a:t>
+              <a:t>Rotação Dupla Dir-Esq</a:t>
             </a:r>
             <a:endParaRPr b="0" lang="en-US" sz="1600" spc="-1" strike="noStrike">
               <a:solidFill>
@@ -36419,7 +36668,7 @@
             </a:endParaRPr>
           </a:p>
           <a:p>
-            <a:pPr lvl="1" marL="432000" indent="-212400">
+            <a:pPr lvl="2" marL="648000" indent="-213840">
               <a:lnSpc>
                 <a:spcPct val="100000"/>
               </a:lnSpc>
@@ -36441,7 +36690,7 @@
                 <a:latin typeface="Latin Modern Sans"/>
                 <a:ea typeface="DejaVu Sans"/>
               </a:rPr>
-              <a:t>FB &gt; 1 e valor inserido a direita</a:t>
+              <a:t>FB &lt; -1 e valor inserido a esquerda</a:t>
             </a:r>
             <a:endParaRPr b="0" lang="en-US" sz="1600" spc="-1" strike="noStrike">
               <a:solidFill>
@@ -36514,50 +36763,18 @@
               <a:latin typeface="Arial"/>
             </a:endParaRPr>
           </a:p>
-          <a:p>
-            <a:pPr>
-              <a:lnSpc>
-                <a:spcPct val="100000"/>
-              </a:lnSpc>
-              <a:spcAft>
-                <a:spcPts val="1140"/>
-              </a:spcAft>
-            </a:pPr>
-            <a:endParaRPr b="0" lang="en-US" sz="1600" spc="-1" strike="noStrike">
-              <a:solidFill>
-                <a:srgbClr val="000000"/>
-              </a:solidFill>
-              <a:latin typeface="Arial"/>
-            </a:endParaRPr>
-          </a:p>
-          <a:p>
-            <a:pPr>
-              <a:lnSpc>
-                <a:spcPct val="100000"/>
-              </a:lnSpc>
-              <a:spcAft>
-                <a:spcPts val="1140"/>
-              </a:spcAft>
-            </a:pPr>
-            <a:endParaRPr b="0" lang="en-US" sz="1600" spc="-1" strike="noStrike">
-              <a:solidFill>
-                <a:srgbClr val="000000"/>
-              </a:solidFill>
-              <a:latin typeface="Arial"/>
-            </a:endParaRPr>
-          </a:p>
         </p:txBody>
       </p:sp>
       <p:sp>
         <p:nvSpPr>
-          <p:cNvPr id="392" name="CustomShape 146"/>
+          <p:cNvPr id="398" name="CustomShape 151"/>
           <p:cNvSpPr/>
           <p:nvPr/>
         </p:nvSpPr>
         <p:spPr>
           <a:xfrm>
             <a:off x="7608600" y="6886080"/>
-            <a:ext cx="2277360" cy="357120"/>
+            <a:ext cx="2276640" cy="356400"/>
           </a:xfrm>
           <a:prstGeom prst="rect">
             <a:avLst/>
@@ -36604,14 +36821,14 @@
       </p:sp>
       <p:sp>
         <p:nvSpPr>
-          <p:cNvPr id="393" name="CustomShape 147"/>
+          <p:cNvPr id="399" name="CustomShape 152"/>
           <p:cNvSpPr/>
           <p:nvPr/>
         </p:nvSpPr>
         <p:spPr>
           <a:xfrm>
             <a:off x="897120" y="6886080"/>
-            <a:ext cx="6439320" cy="357120"/>
+            <a:ext cx="6438600" cy="356400"/>
           </a:xfrm>
           <a:prstGeom prst="rect">
             <a:avLst/>
@@ -36658,7 +36875,7 @@
       </p:sp>
       <p:pic>
         <p:nvPicPr>
-          <p:cNvPr id="394" name="Imagem 106" descr=""/>
+          <p:cNvPr id="400" name="Imagem 108" descr=""/>
           <p:cNvPicPr/>
           <p:nvPr/>
         </p:nvPicPr>
@@ -36668,8 +36885,8 @@
         </p:blipFill>
         <p:spPr>
           <a:xfrm>
-            <a:off x="897480" y="2743200"/>
-            <a:ext cx="2939040" cy="2948400"/>
+            <a:off x="907200" y="2842560"/>
+            <a:ext cx="2928600" cy="3004920"/>
           </a:xfrm>
           <a:prstGeom prst="rect">
             <a:avLst/>
@@ -36681,7 +36898,7 @@
       </p:pic>
       <p:pic>
         <p:nvPicPr>
-          <p:cNvPr id="395" name="Imagem 107" descr=""/>
+          <p:cNvPr id="401" name="Imagem 109" descr=""/>
           <p:cNvPicPr/>
           <p:nvPr/>
         </p:nvPicPr>
@@ -36691,8 +36908,8 @@
         </p:blipFill>
         <p:spPr>
           <a:xfrm>
-            <a:off x="6049440" y="2194560"/>
-            <a:ext cx="3090600" cy="852480"/>
+            <a:off x="6126480" y="2651760"/>
+            <a:ext cx="3157200" cy="900000"/>
           </a:xfrm>
           <a:prstGeom prst="rect">
             <a:avLst/>
@@ -36734,14 +36951,14 @@
       </p:grpSpPr>
       <p:sp>
         <p:nvSpPr>
-          <p:cNvPr id="396" name="CustomShape 149"/>
+          <p:cNvPr id="402" name="CustomShape 129"/>
           <p:cNvSpPr/>
           <p:nvPr/>
         </p:nvSpPr>
         <p:spPr>
           <a:xfrm>
             <a:off x="360000" y="360000"/>
-            <a:ext cx="9352080" cy="892080"/>
+            <a:ext cx="9351360" cy="891360"/>
           </a:xfrm>
           <a:prstGeom prst="rect">
             <a:avLst/>
@@ -36788,173 +37005,14 @@
       </p:sp>
       <p:sp>
         <p:nvSpPr>
-          <p:cNvPr id="397" name="CustomShape 150"/>
-          <p:cNvSpPr/>
-          <p:nvPr/>
-        </p:nvSpPr>
-        <p:spPr>
-          <a:xfrm>
-            <a:off x="360000" y="1980000"/>
-            <a:ext cx="9172080" cy="4672080"/>
-          </a:xfrm>
-          <a:prstGeom prst="rect">
-            <a:avLst/>
-          </a:prstGeom>
-          <a:noFill/>
-          <a:ln w="0">
-            <a:noFill/>
-          </a:ln>
-        </p:spPr>
-        <p:style>
-          <a:lnRef idx="0"/>
-          <a:fillRef idx="0"/>
-          <a:effectRef idx="0"/>
-          <a:fontRef idx="minor"/>
-        </p:style>
-        <p:txBody>
-          <a:bodyPr lIns="0" rIns="0" tIns="0" bIns="0" anchor="t">
-            <a:normAutofit/>
-          </a:bodyPr>
-          <a:p>
-            <a:pPr lvl="1" marL="432000" indent="-212400">
-              <a:lnSpc>
-                <a:spcPct val="100000"/>
-              </a:lnSpc>
-              <a:spcAft>
-                <a:spcPts val="1140"/>
-              </a:spcAft>
-              <a:buClr>
-                <a:srgbClr val="000000"/>
-              </a:buClr>
-              <a:buSzPct val="45000"/>
-              <a:buFont typeface="Wingdings" charset="2"/>
-              <a:buChar char=""/>
-            </a:pPr>
-            <a:r>
-              <a:rPr b="1" lang="pt-BR" sz="1600" spc="-1" strike="noStrike">
-                <a:solidFill>
-                  <a:srgbClr val="1c1c1c"/>
-                </a:solidFill>
-                <a:latin typeface="Latin Modern Sans"/>
-                <a:ea typeface="DejaVu Sans"/>
-              </a:rPr>
-              <a:t>Rotação Dupla Dir-Esq</a:t>
-            </a:r>
-            <a:endParaRPr b="0" lang="en-US" sz="1600" spc="-1" strike="noStrike">
-              <a:solidFill>
-                <a:srgbClr val="000000"/>
-              </a:solidFill>
-              <a:latin typeface="Arial"/>
-            </a:endParaRPr>
-          </a:p>
-          <a:p>
-            <a:pPr lvl="2" marL="648000" indent="-213840">
-              <a:lnSpc>
-                <a:spcPct val="100000"/>
-              </a:lnSpc>
-              <a:spcAft>
-                <a:spcPts val="1140"/>
-              </a:spcAft>
-              <a:buClr>
-                <a:srgbClr val="000000"/>
-              </a:buClr>
-              <a:buSzPct val="45000"/>
-              <a:buFont typeface="Wingdings" charset="2"/>
-              <a:buChar char=""/>
-            </a:pPr>
-            <a:r>
-              <a:rPr b="1" lang="pt-BR" sz="1600" spc="-1" strike="noStrike">
-                <a:solidFill>
-                  <a:srgbClr val="1c1c1c"/>
-                </a:solidFill>
-                <a:latin typeface="Latin Modern Sans"/>
-                <a:ea typeface="DejaVu Sans"/>
-              </a:rPr>
-              <a:t>FB &lt; -1 e valor inserido a esquerda</a:t>
-            </a:r>
-            <a:endParaRPr b="0" lang="en-US" sz="1600" spc="-1" strike="noStrike">
-              <a:solidFill>
-                <a:srgbClr val="000000"/>
-              </a:solidFill>
-              <a:latin typeface="Arial"/>
-            </a:endParaRPr>
-          </a:p>
-          <a:p>
-            <a:pPr>
-              <a:lnSpc>
-                <a:spcPct val="100000"/>
-              </a:lnSpc>
-              <a:spcAft>
-                <a:spcPts val="1140"/>
-              </a:spcAft>
-            </a:pPr>
-            <a:endParaRPr b="0" lang="en-US" sz="1600" spc="-1" strike="noStrike">
-              <a:solidFill>
-                <a:srgbClr val="000000"/>
-              </a:solidFill>
-              <a:latin typeface="Arial"/>
-            </a:endParaRPr>
-          </a:p>
-          <a:p>
-            <a:pPr>
-              <a:lnSpc>
-                <a:spcPct val="100000"/>
-              </a:lnSpc>
-              <a:spcAft>
-                <a:spcPts val="1140"/>
-              </a:spcAft>
-            </a:pPr>
-            <a:endParaRPr b="0" lang="en-US" sz="1600" spc="-1" strike="noStrike">
-              <a:solidFill>
-                <a:srgbClr val="000000"/>
-              </a:solidFill>
-              <a:latin typeface="Arial"/>
-            </a:endParaRPr>
-          </a:p>
-          <a:p>
-            <a:pPr>
-              <a:lnSpc>
-                <a:spcPct val="100000"/>
-              </a:lnSpc>
-              <a:spcAft>
-                <a:spcPts val="1140"/>
-              </a:spcAft>
-            </a:pPr>
-            <a:endParaRPr b="0" lang="en-US" sz="1600" spc="-1" strike="noStrike">
-              <a:solidFill>
-                <a:srgbClr val="000000"/>
-              </a:solidFill>
-              <a:latin typeface="Arial"/>
-            </a:endParaRPr>
-          </a:p>
-          <a:p>
-            <a:pPr>
-              <a:lnSpc>
-                <a:spcPct val="100000"/>
-              </a:lnSpc>
-              <a:spcAft>
-                <a:spcPts val="1140"/>
-              </a:spcAft>
-            </a:pPr>
-            <a:endParaRPr b="0" lang="en-US" sz="1600" spc="-1" strike="noStrike">
-              <a:solidFill>
-                <a:srgbClr val="000000"/>
-              </a:solidFill>
-              <a:latin typeface="Arial"/>
-            </a:endParaRPr>
-          </a:p>
-        </p:txBody>
-      </p:sp>
-      <p:sp>
-        <p:nvSpPr>
-          <p:cNvPr id="398" name="CustomShape 151"/>
+          <p:cNvPr id="403" name="CustomShape 13"/>
           <p:cNvSpPr/>
           <p:nvPr/>
         </p:nvSpPr>
         <p:spPr>
           <a:xfrm>
             <a:off x="7608600" y="6886080"/>
-            <a:ext cx="2277360" cy="357120"/>
+            <a:ext cx="2276640" cy="356400"/>
           </a:xfrm>
           <a:prstGeom prst="rect">
             <a:avLst/>
@@ -37001,14 +37059,14 @@
       </p:sp>
       <p:sp>
         <p:nvSpPr>
-          <p:cNvPr id="399" name="CustomShape 152"/>
+          <p:cNvPr id="404" name="CustomShape 14"/>
           <p:cNvSpPr/>
           <p:nvPr/>
         </p:nvSpPr>
         <p:spPr>
           <a:xfrm>
             <a:off x="897120" y="6886080"/>
-            <a:ext cx="6439320" cy="357120"/>
+            <a:ext cx="6438600" cy="356400"/>
           </a:xfrm>
           <a:prstGeom prst="rect">
             <a:avLst/>
@@ -37053,52 +37111,453 @@
           </a:p>
         </p:txBody>
       </p:sp>
-      <p:pic>
-        <p:nvPicPr>
-          <p:cNvPr id="400" name="Imagem 108" descr=""/>
-          <p:cNvPicPr/>
+      <p:sp>
+        <p:nvSpPr>
+          <p:cNvPr id="405" name="CustomShape 15"/>
+          <p:cNvSpPr/>
           <p:nvPr/>
-        </p:nvPicPr>
-        <p:blipFill>
-          <a:blip r:embed="rId1"/>
-          <a:stretch/>
-        </p:blipFill>
+        </p:nvSpPr>
         <p:spPr>
           <a:xfrm>
-            <a:off x="907200" y="2842560"/>
-            <a:ext cx="2929320" cy="3005640"/>
+            <a:off x="457200" y="1600200"/>
+            <a:ext cx="9144000" cy="4671360"/>
           </a:xfrm>
           <a:prstGeom prst="rect">
             <a:avLst/>
           </a:prstGeom>
+          <a:noFill/>
           <a:ln w="0">
             <a:noFill/>
           </a:ln>
         </p:spPr>
-      </p:pic>
-      <p:pic>
-        <p:nvPicPr>
-          <p:cNvPr id="401" name="Imagem 109" descr=""/>
-          <p:cNvPicPr/>
-          <p:nvPr/>
-        </p:nvPicPr>
-        <p:blipFill>
-          <a:blip r:embed="rId2"/>
-          <a:stretch/>
-        </p:blipFill>
-        <p:spPr>
-          <a:xfrm>
-            <a:off x="6126480" y="2651760"/>
-            <a:ext cx="3157920" cy="900720"/>
-          </a:xfrm>
-          <a:prstGeom prst="rect">
-            <a:avLst/>
-          </a:prstGeom>
-          <a:ln w="0">
-            <a:noFill/>
-          </a:ln>
-        </p:spPr>
-      </p:pic>
+        <p:style>
+          <a:lnRef idx="0"/>
+          <a:fillRef idx="0"/>
+          <a:effectRef idx="0"/>
+          <a:fontRef idx="minor"/>
+        </p:style>
+        <p:txBody>
+          <a:bodyPr lIns="0" rIns="0" tIns="0" bIns="0" anchor="t">
+            <a:normAutofit fontScale="76666"/>
+          </a:bodyPr>
+          <a:p>
+            <a:pPr lvl="1" marL="432000" indent="-212400">
+              <a:lnSpc>
+                <a:spcPct val="100000"/>
+              </a:lnSpc>
+              <a:spcAft>
+                <a:spcPts val="1140"/>
+              </a:spcAft>
+              <a:buClr>
+                <a:srgbClr val="000000"/>
+              </a:buClr>
+              <a:buSzPct val="45000"/>
+              <a:buFont typeface="Wingdings" charset="2"/>
+              <a:buChar char=""/>
+            </a:pPr>
+            <a:r>
+              <a:rPr b="1" lang="pt-BR" sz="2000" spc="-1" strike="noStrike">
+                <a:solidFill>
+                  <a:srgbClr val="1c1c1c"/>
+                </a:solidFill>
+                <a:latin typeface="Latin Modern Sans"/>
+                <a:ea typeface="DejaVu Sans"/>
+              </a:rPr>
+              <a:t>Exercício (Manualmente)</a:t>
+            </a:r>
+            <a:endParaRPr b="0" lang="en-US" sz="2000" spc="-1" strike="noStrike">
+              <a:solidFill>
+                <a:srgbClr val="000000"/>
+              </a:solidFill>
+              <a:latin typeface="Arial"/>
+            </a:endParaRPr>
+          </a:p>
+          <a:p>
+            <a:pPr lvl="2" marL="648000" indent="-213840">
+              <a:lnSpc>
+                <a:spcPct val="100000"/>
+              </a:lnSpc>
+              <a:spcAft>
+                <a:spcPts val="1140"/>
+              </a:spcAft>
+              <a:buClr>
+                <a:srgbClr val="000000"/>
+              </a:buClr>
+              <a:buSzPct val="45000"/>
+              <a:buFont typeface="Wingdings" charset="2"/>
+              <a:buChar char=""/>
+            </a:pPr>
+            <a:r>
+              <a:rPr b="1" lang="pt-BR" sz="2000" spc="-1" strike="noStrike">
+                <a:solidFill>
+                  <a:srgbClr val="1c1c1c"/>
+                </a:solidFill>
+                <a:latin typeface="Latin Modern Sans"/>
+                <a:ea typeface="DejaVu Sans"/>
+              </a:rPr>
+              <a:t>Inserir as sequências abaixo, utilizando arvores AVL e não-AVL</a:t>
+            </a:r>
+            <a:endParaRPr b="0" lang="en-US" sz="2000" spc="-1" strike="noStrike">
+              <a:solidFill>
+                <a:srgbClr val="000000"/>
+              </a:solidFill>
+              <a:latin typeface="Arial"/>
+            </a:endParaRPr>
+          </a:p>
+          <a:p>
+            <a:pPr lvl="3" marL="864000" indent="-213840">
+              <a:lnSpc>
+                <a:spcPct val="100000"/>
+              </a:lnSpc>
+              <a:spcAft>
+                <a:spcPts val="1140"/>
+              </a:spcAft>
+              <a:buClr>
+                <a:srgbClr val="000000"/>
+              </a:buClr>
+              <a:buSzPct val="45000"/>
+              <a:buFont typeface="Wingdings" charset="2"/>
+              <a:buChar char=""/>
+            </a:pPr>
+            <a:r>
+              <a:rPr b="1" lang="pt-BR" sz="1500" spc="-1" strike="noStrike">
+                <a:solidFill>
+                  <a:srgbClr val="1c1c1c"/>
+                </a:solidFill>
+                <a:latin typeface="Latin Modern Sans"/>
+                <a:ea typeface="DejaVu Sans"/>
+              </a:rPr>
+              <a:t>10, 3, 2, 5, 7 e 6</a:t>
+            </a:r>
+            <a:endParaRPr b="0" lang="en-US" sz="1500" spc="-1" strike="noStrike">
+              <a:solidFill>
+                <a:srgbClr val="000000"/>
+              </a:solidFill>
+              <a:latin typeface="Arial"/>
+            </a:endParaRPr>
+          </a:p>
+          <a:p>
+            <a:pPr lvl="3" marL="864000" indent="-213840">
+              <a:lnSpc>
+                <a:spcPct val="100000"/>
+              </a:lnSpc>
+              <a:spcAft>
+                <a:spcPts val="1140"/>
+              </a:spcAft>
+              <a:buClr>
+                <a:srgbClr val="000000"/>
+              </a:buClr>
+              <a:buSzPct val="45000"/>
+              <a:buFont typeface="Wingdings" charset="2"/>
+              <a:buChar char=""/>
+            </a:pPr>
+            <a:r>
+              <a:rPr b="1" lang="pt-BR" sz="1500" spc="-1" strike="noStrike">
+                <a:solidFill>
+                  <a:srgbClr val="1c1c1c"/>
+                </a:solidFill>
+                <a:latin typeface="Latin Modern Sans"/>
+                <a:ea typeface="DejaVu Sans"/>
+              </a:rPr>
+              <a:t>A,B,C ….. J</a:t>
+            </a:r>
+            <a:endParaRPr b="0" lang="en-US" sz="1500" spc="-1" strike="noStrike">
+              <a:solidFill>
+                <a:srgbClr val="000000"/>
+              </a:solidFill>
+              <a:latin typeface="Arial"/>
+            </a:endParaRPr>
+          </a:p>
+          <a:p>
+            <a:pPr lvl="2" marL="648000" indent="-213840">
+              <a:lnSpc>
+                <a:spcPct val="100000"/>
+              </a:lnSpc>
+              <a:spcAft>
+                <a:spcPts val="1140"/>
+              </a:spcAft>
+              <a:buClr>
+                <a:srgbClr val="000000"/>
+              </a:buClr>
+              <a:buSzPct val="45000"/>
+              <a:buFont typeface="Wingdings" charset="2"/>
+              <a:buChar char=""/>
+            </a:pPr>
+            <a:r>
+              <a:rPr b="1" lang="pt-BR" sz="2000" spc="-1" strike="noStrike">
+                <a:solidFill>
+                  <a:srgbClr val="1c1c1c"/>
+                </a:solidFill>
+                <a:latin typeface="Latin Modern Sans"/>
+                <a:ea typeface="DejaVu Sans"/>
+              </a:rPr>
+              <a:t>Caminhos em in-ordem em ambas as arvores</a:t>
+            </a:r>
+            <a:endParaRPr b="0" lang="en-US" sz="2000" spc="-1" strike="noStrike">
+              <a:solidFill>
+                <a:srgbClr val="000000"/>
+              </a:solidFill>
+              <a:latin typeface="Arial"/>
+            </a:endParaRPr>
+          </a:p>
+          <a:p>
+            <a:pPr lvl="2" marL="648000" indent="-213840">
+              <a:lnSpc>
+                <a:spcPct val="100000"/>
+              </a:lnSpc>
+              <a:spcAft>
+                <a:spcPts val="1140"/>
+              </a:spcAft>
+              <a:buClr>
+                <a:srgbClr val="000000"/>
+              </a:buClr>
+              <a:buSzPct val="45000"/>
+              <a:buFont typeface="Wingdings" charset="2"/>
+              <a:buChar char=""/>
+            </a:pPr>
+            <a:r>
+              <a:rPr b="1" lang="pt-BR" sz="2000" spc="-1" strike="noStrike">
+                <a:solidFill>
+                  <a:srgbClr val="1c1c1c"/>
+                </a:solidFill>
+                <a:latin typeface="Latin Modern Sans"/>
+                <a:ea typeface="DejaVu Sans"/>
+              </a:rPr>
+              <a:t>Número de buscas necessárias para encontrar o elemento 7 e H </a:t>
+            </a:r>
+            <a:endParaRPr b="0" lang="en-US" sz="2000" spc="-1" strike="noStrike">
+              <a:solidFill>
+                <a:srgbClr val="000000"/>
+              </a:solidFill>
+              <a:latin typeface="Arial"/>
+            </a:endParaRPr>
+          </a:p>
+          <a:p>
+            <a:pPr lvl="3" marL="864000" indent="-213840">
+              <a:lnSpc>
+                <a:spcPct val="100000"/>
+              </a:lnSpc>
+              <a:spcAft>
+                <a:spcPts val="1140"/>
+              </a:spcAft>
+              <a:buClr>
+                <a:srgbClr val="000000"/>
+              </a:buClr>
+              <a:buSzPct val="45000"/>
+              <a:buFont typeface="Wingdings" charset="2"/>
+              <a:buChar char=""/>
+            </a:pPr>
+            <a:r>
+              <a:rPr b="1" lang="pt-BR" sz="2000" spc="-1" strike="noStrike">
+                <a:solidFill>
+                  <a:srgbClr val="1c1c1c"/>
+                </a:solidFill>
+                <a:latin typeface="Latin Modern Sans"/>
+                <a:ea typeface="DejaVu Sans"/>
+              </a:rPr>
+              <a:t>AVL e Não-Balanceada</a:t>
+            </a:r>
+            <a:endParaRPr b="0" lang="en-US" sz="2000" spc="-1" strike="noStrike">
+              <a:solidFill>
+                <a:srgbClr val="000000"/>
+              </a:solidFill>
+              <a:latin typeface="Arial"/>
+            </a:endParaRPr>
+          </a:p>
+          <a:p>
+            <a:pPr lvl="2" marL="648000" indent="-213840">
+              <a:lnSpc>
+                <a:spcPct val="100000"/>
+              </a:lnSpc>
+              <a:spcAft>
+                <a:spcPts val="1140"/>
+              </a:spcAft>
+              <a:buClr>
+                <a:srgbClr val="000000"/>
+              </a:buClr>
+              <a:buSzPct val="45000"/>
+              <a:buFont typeface="Wingdings" charset="2"/>
+              <a:buChar char=""/>
+            </a:pPr>
+            <a:endParaRPr b="0" lang="en-US" sz="2000" spc="-1" strike="noStrike">
+              <a:solidFill>
+                <a:srgbClr val="000000"/>
+              </a:solidFill>
+              <a:latin typeface="Arial"/>
+            </a:endParaRPr>
+          </a:p>
+          <a:p>
+            <a:pPr lvl="2" marL="648000" indent="-213840">
+              <a:lnSpc>
+                <a:spcPct val="100000"/>
+              </a:lnSpc>
+              <a:spcAft>
+                <a:spcPts val="1140"/>
+              </a:spcAft>
+              <a:buClr>
+                <a:srgbClr val="000000"/>
+              </a:buClr>
+              <a:buSzPct val="45000"/>
+              <a:buFont typeface="Wingdings" charset="2"/>
+              <a:buChar char=""/>
+            </a:pPr>
+            <a:r>
+              <a:rPr b="1" lang="pt-BR" sz="2000" spc="-1" strike="noStrike">
+                <a:solidFill>
+                  <a:srgbClr val="1c1c1c"/>
+                </a:solidFill>
+                <a:latin typeface="Latin Modern Sans"/>
+                <a:ea typeface="DejaVu Sans"/>
+              </a:rPr>
+              <a:t>BigO ? Porque?</a:t>
+            </a:r>
+            <a:endParaRPr b="0" lang="en-US" sz="2000" spc="-1" strike="noStrike">
+              <a:solidFill>
+                <a:srgbClr val="000000"/>
+              </a:solidFill>
+              <a:latin typeface="Arial"/>
+            </a:endParaRPr>
+          </a:p>
+          <a:p>
+            <a:pPr>
+              <a:lnSpc>
+                <a:spcPct val="100000"/>
+              </a:lnSpc>
+              <a:spcAft>
+                <a:spcPts val="1140"/>
+              </a:spcAft>
+            </a:pPr>
+            <a:endParaRPr b="0" lang="en-US" sz="1600" spc="-1" strike="noStrike">
+              <a:solidFill>
+                <a:srgbClr val="000000"/>
+              </a:solidFill>
+              <a:latin typeface="Arial"/>
+            </a:endParaRPr>
+          </a:p>
+          <a:p>
+            <a:pPr lvl="2" marL="648000" indent="-213840">
+              <a:lnSpc>
+                <a:spcPct val="100000"/>
+              </a:lnSpc>
+              <a:spcAft>
+                <a:spcPts val="1140"/>
+              </a:spcAft>
+              <a:buClr>
+                <a:srgbClr val="000000"/>
+              </a:buClr>
+              <a:buSzPct val="45000"/>
+              <a:buFont typeface="Wingdings" charset="2"/>
+              <a:buChar char=""/>
+            </a:pPr>
+            <a:r>
+              <a:rPr b="1" lang="pt-BR" sz="2000" spc="-1" strike="noStrike">
+                <a:solidFill>
+                  <a:srgbClr val="1c1c1c"/>
+                </a:solidFill>
+                <a:latin typeface="Latin Modern Sans"/>
+                <a:ea typeface="DejaVu Sans"/>
+              </a:rPr>
+              <a:t>Simulador AVL:</a:t>
+            </a:r>
+            <a:endParaRPr b="0" lang="en-US" sz="2000" spc="-1" strike="noStrike">
+              <a:solidFill>
+                <a:srgbClr val="000000"/>
+              </a:solidFill>
+              <a:latin typeface="Arial"/>
+            </a:endParaRPr>
+          </a:p>
+          <a:p>
+            <a:pPr lvl="3" marL="1105200" indent="-213840">
+              <a:lnSpc>
+                <a:spcPct val="100000"/>
+              </a:lnSpc>
+              <a:spcAft>
+                <a:spcPts val="1140"/>
+              </a:spcAft>
+              <a:buClr>
+                <a:srgbClr val="000000"/>
+              </a:buClr>
+              <a:buSzPct val="45000"/>
+              <a:buFont typeface="Wingdings" charset="2"/>
+              <a:buChar char=""/>
+            </a:pPr>
+            <a:r>
+              <a:rPr b="0" lang="pt-BR" sz="2000" spc="-1" strike="noStrike" u="sng">
+                <a:solidFill>
+                  <a:srgbClr val="0000ff"/>
+                </a:solidFill>
+                <a:uFillTx/>
+                <a:latin typeface="-apple-system"/>
+                <a:ea typeface="DejaVu Sans"/>
+                <a:hlinkClick r:id="rId1"/>
+              </a:rPr>
+              <a:t>https://cmps-people.ok.ubc.ca/ylucet/DS/AVLtree.html</a:t>
+            </a:r>
+            <a:endParaRPr b="0" lang="en-US" sz="2000" spc="-1" strike="noStrike">
+              <a:solidFill>
+                <a:srgbClr val="000000"/>
+              </a:solidFill>
+              <a:latin typeface="Arial"/>
+            </a:endParaRPr>
+          </a:p>
+          <a:p>
+            <a:pPr lvl="3" marL="1105200" indent="-213840">
+              <a:lnSpc>
+                <a:spcPct val="100000"/>
+              </a:lnSpc>
+              <a:spcAft>
+                <a:spcPts val="1140"/>
+              </a:spcAft>
+              <a:buClr>
+                <a:srgbClr val="000000"/>
+              </a:buClr>
+              <a:buSzPct val="45000"/>
+              <a:buFont typeface="Wingdings" charset="2"/>
+              <a:buChar char=""/>
+            </a:pPr>
+            <a:r>
+              <a:rPr b="0" lang="pt-BR" sz="2000" spc="-1" strike="noStrike" u="sng">
+                <a:solidFill>
+                  <a:srgbClr val="0000ff"/>
+                </a:solidFill>
+                <a:uFillTx/>
+                <a:latin typeface="Arial"/>
+                <a:ea typeface="DejaVu Sans"/>
+                <a:hlinkClick r:id="rId2"/>
+              </a:rPr>
+              <a:t>https</a:t>
+            </a:r>
+            <a:r>
+              <a:rPr b="0" lang="pt-BR" sz="2000" spc="-1" strike="noStrike" u="sng">
+                <a:solidFill>
+                  <a:srgbClr val="0000ff"/>
+                </a:solidFill>
+                <a:uFillTx/>
+                <a:latin typeface="Arial"/>
+                <a:ea typeface="DejaVu Sans"/>
+                <a:hlinkClick r:id="rId3"/>
+              </a:rPr>
+              <a:t>://visualgo.net/en</a:t>
+            </a:r>
+            <a:r>
+              <a:rPr b="0" lang="pt-BR" sz="1300" spc="-1" strike="noStrike">
+                <a:solidFill>
+                  <a:srgbClr val="000000"/>
+                </a:solidFill>
+                <a:latin typeface="Arial"/>
+                <a:ea typeface="DejaVu Sans"/>
+              </a:rPr>
+              <a:t>	</a:t>
+            </a:r>
+            <a:endParaRPr b="0" lang="en-US" sz="1300" spc="-1" strike="noStrike">
+              <a:solidFill>
+                <a:srgbClr val="000000"/>
+              </a:solidFill>
+              <a:latin typeface="Arial"/>
+            </a:endParaRPr>
+          </a:p>
+        </p:txBody>
+      </p:sp>
     </p:spTree>
   </p:cSld>
   <mc:AlternateContent>
@@ -37131,14 +37590,14 @@
       </p:grpSpPr>
       <p:sp>
         <p:nvSpPr>
-          <p:cNvPr id="402" name="CustomShape 154"/>
+          <p:cNvPr id="406" name="CustomShape 154"/>
           <p:cNvSpPr/>
           <p:nvPr/>
         </p:nvSpPr>
         <p:spPr>
           <a:xfrm>
             <a:off x="360000" y="360000"/>
-            <a:ext cx="9352080" cy="892080"/>
+            <a:ext cx="9351360" cy="891360"/>
           </a:xfrm>
           <a:prstGeom prst="rect">
             <a:avLst/>
@@ -37172,7 +37631,7 @@
                 <a:latin typeface="Latin Modern Sans"/>
                 <a:ea typeface="DejaVu Sans"/>
               </a:rPr>
-              <a:t>Trabalhos</a:t>
+              <a:t>Trabalho</a:t>
             </a:r>
             <a:endParaRPr b="0" lang="en-US" sz="3200" spc="-1" strike="noStrike">
               <a:solidFill>
@@ -37185,567 +37644,14 @@
       </p:sp>
       <p:sp>
         <p:nvSpPr>
-          <p:cNvPr id="403" name="CustomShape 155"/>
-          <p:cNvSpPr/>
-          <p:nvPr/>
-        </p:nvSpPr>
-        <p:spPr>
-          <a:xfrm>
-            <a:off x="720000" y="1980000"/>
-            <a:ext cx="7738560" cy="4318560"/>
-          </a:xfrm>
-          <a:prstGeom prst="rect">
-            <a:avLst/>
-          </a:prstGeom>
-          <a:noFill/>
-          <a:ln w="0">
-            <a:noFill/>
-          </a:ln>
-        </p:spPr>
-        <p:style>
-          <a:lnRef idx="0"/>
-          <a:fillRef idx="0"/>
-          <a:effectRef idx="0"/>
-          <a:fontRef idx="minor"/>
-        </p:style>
-        <p:txBody>
-          <a:bodyPr lIns="0" rIns="0" tIns="0" bIns="0" anchor="t">
-            <a:normAutofit fontScale="56111"/>
-          </a:bodyPr>
-          <a:p>
-            <a:pPr>
-              <a:lnSpc>
-                <a:spcPct val="100000"/>
-              </a:lnSpc>
-              <a:spcAft>
-                <a:spcPts val="1140"/>
-              </a:spcAft>
-            </a:pPr>
-            <a:endParaRPr b="0" lang="en-US" sz="1600" spc="-1" strike="noStrike">
-              <a:solidFill>
-                <a:srgbClr val="000000"/>
-              </a:solidFill>
-              <a:latin typeface="Arial"/>
-            </a:endParaRPr>
-          </a:p>
-          <a:p>
-            <a:pPr lvl="1" marL="432000" indent="-212400">
-              <a:lnSpc>
-                <a:spcPct val="100000"/>
-              </a:lnSpc>
-              <a:spcAft>
-                <a:spcPts val="1140"/>
-              </a:spcAft>
-              <a:buClr>
-                <a:srgbClr val="000000"/>
-              </a:buClr>
-              <a:buSzPct val="45000"/>
-              <a:buFont typeface="Wingdings" charset="2"/>
-              <a:buChar char=""/>
-            </a:pPr>
-            <a:r>
-              <a:rPr b="1" lang="pt-BR" sz="2000" spc="-1" strike="noStrike">
-                <a:solidFill>
-                  <a:srgbClr val="1c1c1c"/>
-                </a:solidFill>
-                <a:latin typeface="Latin Modern Sans"/>
-                <a:ea typeface="DejaVu Sans"/>
-              </a:rPr>
-              <a:t>Implementação AVL Python com codificação dialogada (10 pt) </a:t>
-            </a:r>
-            <a:endParaRPr b="0" lang="en-US" sz="2000" spc="-1" strike="noStrike">
-              <a:solidFill>
-                <a:srgbClr val="000000"/>
-              </a:solidFill>
-              <a:latin typeface="Arial"/>
-            </a:endParaRPr>
-          </a:p>
-          <a:p>
-            <a:pPr lvl="2" marL="889200" indent="-212400">
-              <a:lnSpc>
-                <a:spcPct val="100000"/>
-              </a:lnSpc>
-              <a:spcAft>
-                <a:spcPts val="1140"/>
-              </a:spcAft>
-              <a:buClr>
-                <a:srgbClr val="000000"/>
-              </a:buClr>
-              <a:buSzPct val="45000"/>
-              <a:buFont typeface="Wingdings" charset="2"/>
-              <a:buChar char=""/>
-            </a:pPr>
-            <a:r>
-              <a:rPr b="1" lang="pt-BR" sz="2000" spc="-1" strike="noStrike">
-                <a:solidFill>
-                  <a:srgbClr val="1c1c1c"/>
-                </a:solidFill>
-                <a:latin typeface="Latin Modern Sans"/>
-                <a:ea typeface="DejaVu Sans"/>
-              </a:rPr>
-              <a:t>Inserção e Remoção com re-balanceamento</a:t>
-            </a:r>
-            <a:endParaRPr b="0" lang="en-US" sz="2000" spc="-1" strike="noStrike">
-              <a:solidFill>
-                <a:srgbClr val="000000"/>
-              </a:solidFill>
-              <a:latin typeface="Arial"/>
-            </a:endParaRPr>
-          </a:p>
-          <a:p>
-            <a:pPr lvl="2" marL="889200" indent="-212400">
-              <a:lnSpc>
-                <a:spcPct val="100000"/>
-              </a:lnSpc>
-              <a:spcAft>
-                <a:spcPts val="1140"/>
-              </a:spcAft>
-              <a:buClr>
-                <a:srgbClr val="000000"/>
-              </a:buClr>
-              <a:buSzPct val="45000"/>
-              <a:buFont typeface="Wingdings" charset="2"/>
-              <a:buChar char=""/>
-            </a:pPr>
-            <a:r>
-              <a:rPr b="1" lang="pt-BR" sz="2000" spc="-1" strike="noStrike">
-                <a:solidFill>
-                  <a:srgbClr val="1c1c1c"/>
-                </a:solidFill>
-                <a:latin typeface="Latin Modern Sans"/>
-                <a:ea typeface="DejaVu Sans"/>
-              </a:rPr>
-              <a:t>Vídeo-Apresentação (Max 8 a 10 min)</a:t>
-            </a:r>
-            <a:endParaRPr b="0" lang="en-US" sz="2000" spc="-1" strike="noStrike">
-              <a:solidFill>
-                <a:srgbClr val="000000"/>
-              </a:solidFill>
-              <a:latin typeface="Arial"/>
-            </a:endParaRPr>
-          </a:p>
-          <a:p>
-            <a:pPr lvl="4" marL="1080000" indent="-216000">
-              <a:lnSpc>
-                <a:spcPct val="100000"/>
-              </a:lnSpc>
-              <a:spcAft>
-                <a:spcPts val="1140"/>
-              </a:spcAft>
-              <a:buClr>
-                <a:srgbClr val="000000"/>
-              </a:buClr>
-              <a:buSzPct val="45000"/>
-              <a:buFont typeface="Wingdings" charset="2"/>
-              <a:buChar char=""/>
-            </a:pPr>
-            <a:r>
-              <a:rPr b="1" lang="pt-BR" sz="2000" spc="-1" strike="noStrike">
-                <a:solidFill>
-                  <a:srgbClr val="1c1c1c"/>
-                </a:solidFill>
-                <a:latin typeface="Latin Modern Sans"/>
-                <a:ea typeface="DejaVu Sans"/>
-              </a:rPr>
-              <a:t>Desenvolver uma analise crítica em função de diferentes massas de dados: (Busca, Inserção, etc).</a:t>
-            </a:r>
-            <a:endParaRPr b="0" lang="en-US" sz="2000" spc="-1" strike="noStrike">
-              <a:solidFill>
-                <a:srgbClr val="000000"/>
-              </a:solidFill>
-              <a:latin typeface="Arial"/>
-            </a:endParaRPr>
-          </a:p>
-          <a:p>
-            <a:pPr lvl="2" marL="889200" indent="-212400">
-              <a:lnSpc>
-                <a:spcPct val="100000"/>
-              </a:lnSpc>
-              <a:spcAft>
-                <a:spcPts val="1140"/>
-              </a:spcAft>
-              <a:buClr>
-                <a:srgbClr val="000000"/>
-              </a:buClr>
-              <a:buSzPct val="45000"/>
-              <a:buFont typeface="Wingdings" charset="2"/>
-              <a:buChar char=""/>
-            </a:pPr>
-            <a:r>
-              <a:rPr b="1" lang="pt-BR" sz="2000" spc="-1" strike="noStrike">
-                <a:solidFill>
-                  <a:srgbClr val="1c1c1c"/>
-                </a:solidFill>
-                <a:latin typeface="Latin Modern Sans"/>
-                <a:ea typeface="DejaVu Sans"/>
-              </a:rPr>
-              <a:t>12/09 - 23:59 </a:t>
-            </a:r>
-            <a:endParaRPr b="0" lang="en-US" sz="2000" spc="-1" strike="noStrike">
-              <a:solidFill>
-                <a:srgbClr val="000000"/>
-              </a:solidFill>
-              <a:latin typeface="Arial"/>
-            </a:endParaRPr>
-          </a:p>
-          <a:p>
-            <a:pPr>
-              <a:lnSpc>
-                <a:spcPct val="100000"/>
-              </a:lnSpc>
-              <a:spcAft>
-                <a:spcPts val="1140"/>
-              </a:spcAft>
-            </a:pPr>
-            <a:endParaRPr b="0" lang="en-US" sz="1600" spc="-1" strike="noStrike">
-              <a:solidFill>
-                <a:srgbClr val="000000"/>
-              </a:solidFill>
-              <a:latin typeface="Arial"/>
-            </a:endParaRPr>
-          </a:p>
-          <a:p>
-            <a:pPr lvl="1" marL="432000" indent="-212400">
-              <a:lnSpc>
-                <a:spcPct val="100000"/>
-              </a:lnSpc>
-              <a:spcAft>
-                <a:spcPts val="1140"/>
-              </a:spcAft>
-              <a:buClr>
-                <a:srgbClr val="000000"/>
-              </a:buClr>
-              <a:buSzPct val="45000"/>
-              <a:buFont typeface="Wingdings" charset="2"/>
-              <a:buChar char=""/>
-            </a:pPr>
-            <a:r>
-              <a:rPr b="1" lang="pt-BR" sz="2000" spc="-1" strike="noStrike">
-                <a:solidFill>
-                  <a:srgbClr val="1c1c1c"/>
-                </a:solidFill>
-                <a:latin typeface="Latin Modern Sans"/>
-                <a:ea typeface="DejaVu Sans"/>
-              </a:rPr>
-              <a:t>Artigo sobre AVL x Red-Black (10 pts)</a:t>
-            </a:r>
-            <a:endParaRPr b="0" lang="en-US" sz="2000" spc="-1" strike="noStrike">
-              <a:solidFill>
-                <a:srgbClr val="000000"/>
-              </a:solidFill>
-              <a:latin typeface="Arial"/>
-            </a:endParaRPr>
-          </a:p>
-          <a:p>
-            <a:pPr lvl="2" marL="648000" indent="-213840">
-              <a:lnSpc>
-                <a:spcPct val="100000"/>
-              </a:lnSpc>
-              <a:spcAft>
-                <a:spcPts val="1140"/>
-              </a:spcAft>
-              <a:buClr>
-                <a:srgbClr val="000000"/>
-              </a:buClr>
-              <a:buSzPct val="45000"/>
-              <a:buFont typeface="Wingdings" charset="2"/>
-              <a:buChar char=""/>
-            </a:pPr>
-            <a:r>
-              <a:rPr b="1" lang="pt-BR" sz="2000" spc="-1" strike="noStrike">
-                <a:solidFill>
-                  <a:srgbClr val="1c1c1c"/>
-                </a:solidFill>
-                <a:latin typeface="Latin Modern Sans"/>
-                <a:ea typeface="DejaVu Sans"/>
-              </a:rPr>
-              <a:t>Explicar a diferença entre as abordagens</a:t>
-            </a:r>
-            <a:endParaRPr b="0" lang="en-US" sz="2000" spc="-1" strike="noStrike">
-              <a:solidFill>
-                <a:srgbClr val="000000"/>
-              </a:solidFill>
-              <a:latin typeface="Arial"/>
-            </a:endParaRPr>
-          </a:p>
-          <a:p>
-            <a:pPr lvl="2" marL="648000" indent="-213840">
-              <a:lnSpc>
-                <a:spcPct val="100000"/>
-              </a:lnSpc>
-              <a:spcAft>
-                <a:spcPts val="1140"/>
-              </a:spcAft>
-              <a:buClr>
-                <a:srgbClr val="000000"/>
-              </a:buClr>
-              <a:buSzPct val="45000"/>
-              <a:buFont typeface="Wingdings" charset="2"/>
-              <a:buChar char=""/>
-            </a:pPr>
-            <a:r>
-              <a:rPr b="1" lang="pt-BR" sz="2000" spc="-1" strike="noStrike">
-                <a:solidFill>
-                  <a:srgbClr val="1c1c1c"/>
-                </a:solidFill>
-                <a:latin typeface="Latin Modern Sans"/>
-                <a:ea typeface="DejaVu Sans"/>
-              </a:rPr>
-              <a:t>Inserção, Remoção, Desempenho e Casos de Uso</a:t>
-            </a:r>
-            <a:endParaRPr b="0" lang="en-US" sz="2000" spc="-1" strike="noStrike">
-              <a:solidFill>
-                <a:srgbClr val="000000"/>
-              </a:solidFill>
-              <a:latin typeface="Arial"/>
-            </a:endParaRPr>
-          </a:p>
-          <a:p>
-            <a:pPr lvl="2" marL="648000" indent="-213840">
-              <a:lnSpc>
-                <a:spcPct val="100000"/>
-              </a:lnSpc>
-              <a:spcAft>
-                <a:spcPts val="1140"/>
-              </a:spcAft>
-              <a:buClr>
-                <a:srgbClr val="000000"/>
-              </a:buClr>
-              <a:buSzPct val="45000"/>
-              <a:buFont typeface="Wingdings" charset="2"/>
-              <a:buChar char=""/>
-            </a:pPr>
-            <a:r>
-              <a:rPr b="1" lang="pt-BR" sz="2000" spc="-1" strike="noStrike">
-                <a:solidFill>
-                  <a:srgbClr val="1c1c1c"/>
-                </a:solidFill>
-                <a:latin typeface="Latin Modern Sans"/>
-                <a:ea typeface="DejaVu Sans"/>
-              </a:rPr>
-              <a:t>Artigo em formato de artigo SBC</a:t>
-            </a:r>
-            <a:endParaRPr b="0" lang="en-US" sz="2000" spc="-1" strike="noStrike">
-              <a:solidFill>
-                <a:srgbClr val="000000"/>
-              </a:solidFill>
-              <a:latin typeface="Arial"/>
-            </a:endParaRPr>
-          </a:p>
-          <a:p>
-            <a:pPr lvl="2" marL="648000" indent="-213840">
-              <a:lnSpc>
-                <a:spcPct val="100000"/>
-              </a:lnSpc>
-              <a:spcAft>
-                <a:spcPts val="1140"/>
-              </a:spcAft>
-              <a:buClr>
-                <a:srgbClr val="000000"/>
-              </a:buClr>
-              <a:buSzPct val="45000"/>
-              <a:buFont typeface="Wingdings" charset="2"/>
-              <a:buChar char=""/>
-            </a:pPr>
-            <a:r>
-              <a:rPr b="1" lang="pt-BR" sz="2000" spc="-1" strike="noStrike">
-                <a:solidFill>
-                  <a:srgbClr val="1c1c1c"/>
-                </a:solidFill>
-                <a:latin typeface="Latin Modern Sans"/>
-                <a:ea typeface="DejaVu Sans"/>
-              </a:rPr>
-              <a:t> </a:t>
-            </a:r>
-            <a:r>
-              <a:rPr b="1" lang="pt-BR" sz="2000" spc="-1" strike="noStrike">
-                <a:solidFill>
-                  <a:srgbClr val="1c1c1c"/>
-                </a:solidFill>
-                <a:latin typeface="Latin Modern Sans"/>
-                <a:ea typeface="DejaVu Sans"/>
-              </a:rPr>
-              <a:t>12/09- 23:59 </a:t>
-            </a:r>
-            <a:endParaRPr b="0" lang="en-US" sz="2000" spc="-1" strike="noStrike">
-              <a:solidFill>
-                <a:srgbClr val="000000"/>
-              </a:solidFill>
-              <a:latin typeface="Arial"/>
-            </a:endParaRPr>
-          </a:p>
-          <a:p>
-            <a:pPr>
-              <a:lnSpc>
-                <a:spcPct val="100000"/>
-              </a:lnSpc>
-              <a:spcAft>
-                <a:spcPts val="1140"/>
-              </a:spcAft>
-            </a:pPr>
-            <a:endParaRPr b="0" lang="en-US" sz="1600" spc="-1" strike="noStrike">
-              <a:solidFill>
-                <a:srgbClr val="000000"/>
-              </a:solidFill>
-              <a:latin typeface="Arial"/>
-            </a:endParaRPr>
-          </a:p>
-          <a:p>
-            <a:pPr lvl="1" marL="432000" indent="-212400">
-              <a:lnSpc>
-                <a:spcPct val="100000"/>
-              </a:lnSpc>
-              <a:spcAft>
-                <a:spcPts val="1140"/>
-              </a:spcAft>
-              <a:buClr>
-                <a:srgbClr val="000000"/>
-              </a:buClr>
-              <a:buSzPct val="45000"/>
-              <a:buFont typeface="Wingdings" charset="2"/>
-              <a:buChar char=""/>
-            </a:pPr>
-            <a:r>
-              <a:rPr b="1" lang="pt-BR" sz="2000" spc="-1" strike="noStrike">
-                <a:solidFill>
-                  <a:srgbClr val="ff0000"/>
-                </a:solidFill>
-                <a:latin typeface="Latin Modern Sans"/>
-                <a:ea typeface="DejaVu Sans"/>
-              </a:rPr>
-              <a:t>Verificar os critérios de avaliação no ambiente virtual (AVA)</a:t>
-            </a:r>
-            <a:endParaRPr b="0" lang="en-US" sz="2000" spc="-1" strike="noStrike">
-              <a:solidFill>
-                <a:srgbClr val="000000"/>
-              </a:solidFill>
-              <a:latin typeface="Arial"/>
-            </a:endParaRPr>
-          </a:p>
-          <a:p>
-            <a:pPr>
-              <a:lnSpc>
-                <a:spcPct val="100000"/>
-              </a:lnSpc>
-              <a:spcAft>
-                <a:spcPts val="1140"/>
-              </a:spcAft>
-            </a:pPr>
-            <a:endParaRPr b="0" lang="en-US" sz="1600" spc="-1" strike="noStrike">
-              <a:solidFill>
-                <a:srgbClr val="000000"/>
-              </a:solidFill>
-              <a:latin typeface="Arial"/>
-            </a:endParaRPr>
-          </a:p>
-          <a:p>
-            <a:pPr>
-              <a:lnSpc>
-                <a:spcPct val="100000"/>
-              </a:lnSpc>
-              <a:spcAft>
-                <a:spcPts val="1140"/>
-              </a:spcAft>
-            </a:pPr>
-            <a:endParaRPr b="0" lang="en-US" sz="1600" spc="-1" strike="noStrike">
-              <a:solidFill>
-                <a:srgbClr val="000000"/>
-              </a:solidFill>
-              <a:latin typeface="Arial"/>
-            </a:endParaRPr>
-          </a:p>
-          <a:p>
-            <a:pPr>
-              <a:lnSpc>
-                <a:spcPct val="100000"/>
-              </a:lnSpc>
-              <a:spcAft>
-                <a:spcPts val="1140"/>
-              </a:spcAft>
-            </a:pPr>
-            <a:endParaRPr b="0" lang="en-US" sz="1600" spc="-1" strike="noStrike">
-              <a:solidFill>
-                <a:srgbClr val="000000"/>
-              </a:solidFill>
-              <a:latin typeface="Arial"/>
-            </a:endParaRPr>
-          </a:p>
-          <a:p>
-            <a:pPr>
-              <a:lnSpc>
-                <a:spcPct val="100000"/>
-              </a:lnSpc>
-              <a:spcAft>
-                <a:spcPts val="1140"/>
-              </a:spcAft>
-            </a:pPr>
-            <a:endParaRPr b="0" lang="en-US" sz="1600" spc="-1" strike="noStrike">
-              <a:solidFill>
-                <a:srgbClr val="000000"/>
-              </a:solidFill>
-              <a:latin typeface="Arial"/>
-            </a:endParaRPr>
-          </a:p>
-          <a:p>
-            <a:pPr>
-              <a:lnSpc>
-                <a:spcPct val="100000"/>
-              </a:lnSpc>
-              <a:spcAft>
-                <a:spcPts val="1140"/>
-              </a:spcAft>
-            </a:pPr>
-            <a:endParaRPr b="0" lang="en-US" sz="1600" spc="-1" strike="noStrike">
-              <a:solidFill>
-                <a:srgbClr val="000000"/>
-              </a:solidFill>
-              <a:latin typeface="Arial"/>
-            </a:endParaRPr>
-          </a:p>
-          <a:p>
-            <a:pPr>
-              <a:lnSpc>
-                <a:spcPct val="100000"/>
-              </a:lnSpc>
-              <a:spcAft>
-                <a:spcPts val="1140"/>
-              </a:spcAft>
-            </a:pPr>
-            <a:endParaRPr b="0" lang="en-US" sz="1600" spc="-1" strike="noStrike">
-              <a:solidFill>
-                <a:srgbClr val="000000"/>
-              </a:solidFill>
-              <a:latin typeface="Arial"/>
-            </a:endParaRPr>
-          </a:p>
-          <a:p>
-            <a:pPr>
-              <a:lnSpc>
-                <a:spcPct val="100000"/>
-              </a:lnSpc>
-              <a:spcAft>
-                <a:spcPts val="1140"/>
-              </a:spcAft>
-            </a:pPr>
-            <a:endParaRPr b="0" lang="en-US" sz="1600" spc="-1" strike="noStrike">
-              <a:solidFill>
-                <a:srgbClr val="000000"/>
-              </a:solidFill>
-              <a:latin typeface="Arial"/>
-            </a:endParaRPr>
-          </a:p>
-        </p:txBody>
-      </p:sp>
-      <p:sp>
-        <p:nvSpPr>
-          <p:cNvPr id="404" name="CustomShape 156"/>
+          <p:cNvPr id="407" name="CustomShape 156"/>
           <p:cNvSpPr/>
           <p:nvPr/>
         </p:nvSpPr>
         <p:spPr>
           <a:xfrm>
             <a:off x="7608600" y="6886080"/>
-            <a:ext cx="2277360" cy="357120"/>
+            <a:ext cx="2276640" cy="356400"/>
           </a:xfrm>
           <a:prstGeom prst="rect">
             <a:avLst/>
@@ -37792,14 +37698,14 @@
       </p:sp>
       <p:sp>
         <p:nvSpPr>
-          <p:cNvPr id="405" name="CustomShape 157"/>
+          <p:cNvPr id="408" name="CustomShape 157"/>
           <p:cNvSpPr/>
           <p:nvPr/>
         </p:nvSpPr>
         <p:spPr>
           <a:xfrm>
             <a:off x="897120" y="6886080"/>
-            <a:ext cx="6439320" cy="357120"/>
+            <a:ext cx="6438600" cy="356400"/>
           </a:xfrm>
           <a:prstGeom prst="rect">
             <a:avLst/>
@@ -37834,6 +37740,85 @@
                 <a:ea typeface="DejaVu Sans"/>
               </a:rPr>
               <a:t>Fund. Algoritmos e Estrutura de Dados - Prof. André Hochuli</a:t>
+            </a:r>
+            <a:endParaRPr b="0" lang="en-US" sz="1800" spc="-1" strike="noStrike">
+              <a:solidFill>
+                <a:srgbClr val="000000"/>
+              </a:solidFill>
+              <a:latin typeface="Arial"/>
+            </a:endParaRPr>
+          </a:p>
+        </p:txBody>
+      </p:sp>
+      <p:pic>
+        <p:nvPicPr>
+          <p:cNvPr id="409" name="" descr=""/>
+          <p:cNvPicPr/>
+          <p:nvPr/>
+        </p:nvPicPr>
+        <p:blipFill>
+          <a:blip r:embed="rId1"/>
+          <a:srcRect l="0" t="0" r="20675" b="0"/>
+          <a:stretch/>
+        </p:blipFill>
+        <p:spPr>
+          <a:xfrm>
+            <a:off x="228960" y="3200400"/>
+            <a:ext cx="9371880" cy="2640240"/>
+          </a:xfrm>
+          <a:prstGeom prst="rect">
+            <a:avLst/>
+          </a:prstGeom>
+          <a:ln w="0">
+            <a:noFill/>
+          </a:ln>
+        </p:spPr>
+      </p:pic>
+      <p:sp>
+        <p:nvSpPr>
+          <p:cNvPr id="410" name=""/>
+          <p:cNvSpPr/>
+          <p:nvPr/>
+        </p:nvSpPr>
+        <p:spPr>
+          <a:xfrm>
+            <a:off x="2001600" y="2057400"/>
+            <a:ext cx="6456240" cy="685440"/>
+          </a:xfrm>
+          <a:prstGeom prst="rect">
+            <a:avLst/>
+          </a:prstGeom>
+          <a:noFill/>
+          <a:ln w="0">
+            <a:noFill/>
+          </a:ln>
+        </p:spPr>
+        <p:style>
+          <a:lnRef idx="0"/>
+          <a:fillRef idx="0"/>
+          <a:effectRef idx="0"/>
+          <a:fontRef idx="minor"/>
+        </p:style>
+        <p:txBody>
+          <a:bodyPr lIns="90000" rIns="90000" tIns="45000" bIns="45000" anchor="t">
+            <a:noAutofit/>
+          </a:bodyPr>
+          <a:p>
+            <a:pPr>
+              <a:lnSpc>
+                <a:spcPct val="100000"/>
+              </a:lnSpc>
+            </a:pPr>
+            <a:r>
+              <a:rPr b="0" lang="en-US" sz="1800" spc="-1" strike="noStrike" u="sng">
+                <a:solidFill>
+                  <a:srgbClr val="0000ff"/>
+                </a:solidFill>
+                <a:uFillTx/>
+                <a:latin typeface="Arial"/>
+                <a:hlinkClick r:id="rId2"/>
+              </a:rPr>
+              <a:t>Trabalho 01: Análise Comparativa de Estruturas de Dados</a:t>
             </a:r>
             <a:endParaRPr b="0" lang="en-US" sz="1800" spc="-1" strike="noStrike">
               <a:solidFill>
@@ -37876,14 +37861,14 @@
       </p:grpSpPr>
       <p:sp>
         <p:nvSpPr>
-          <p:cNvPr id="270" name="CustomShape 44"/>
+          <p:cNvPr id="274" name="CustomShape 44"/>
           <p:cNvSpPr/>
           <p:nvPr/>
         </p:nvSpPr>
         <p:spPr>
           <a:xfrm>
             <a:off x="360000" y="3330000"/>
-            <a:ext cx="9352080" cy="892080"/>
+            <a:ext cx="9351360" cy="891360"/>
           </a:xfrm>
           <a:prstGeom prst="rect">
             <a:avLst/>
@@ -37970,14 +37955,14 @@
       </p:sp>
       <p:sp>
         <p:nvSpPr>
-          <p:cNvPr id="271" name="CustomShape 45"/>
+          <p:cNvPr id="275" name="CustomShape 45"/>
           <p:cNvSpPr/>
           <p:nvPr/>
         </p:nvSpPr>
         <p:spPr>
           <a:xfrm>
             <a:off x="540000" y="4680000"/>
-            <a:ext cx="9172080" cy="2512080"/>
+            <a:ext cx="9171360" cy="2511360"/>
           </a:xfrm>
           <a:prstGeom prst="rect">
             <a:avLst/>
@@ -38122,14 +38107,14 @@
       </p:grpSpPr>
       <p:sp>
         <p:nvSpPr>
-          <p:cNvPr id="272" name="CustomShape 1"/>
+          <p:cNvPr id="276" name="CustomShape 1"/>
           <p:cNvSpPr/>
           <p:nvPr/>
         </p:nvSpPr>
         <p:spPr>
           <a:xfrm>
             <a:off x="360000" y="360000"/>
-            <a:ext cx="9352080" cy="892080"/>
+            <a:ext cx="9351360" cy="891360"/>
           </a:xfrm>
           <a:prstGeom prst="rect">
             <a:avLst/>
@@ -38176,14 +38161,14 @@
       </p:sp>
       <p:sp>
         <p:nvSpPr>
-          <p:cNvPr id="273" name="CustomShape 2"/>
+          <p:cNvPr id="277" name="CustomShape 2"/>
           <p:cNvSpPr/>
           <p:nvPr/>
         </p:nvSpPr>
         <p:spPr>
           <a:xfrm>
             <a:off x="360000" y="1980000"/>
-            <a:ext cx="9172080" cy="4672080"/>
+            <a:ext cx="9171360" cy="4671360"/>
           </a:xfrm>
           <a:prstGeom prst="rect">
             <a:avLst/>
@@ -38559,14 +38544,14 @@
       </p:sp>
       <p:sp>
         <p:nvSpPr>
-          <p:cNvPr id="274" name="CustomShape 3"/>
+          <p:cNvPr id="278" name="CustomShape 3"/>
           <p:cNvSpPr/>
           <p:nvPr/>
         </p:nvSpPr>
         <p:spPr>
           <a:xfrm>
             <a:off x="7608600" y="6886080"/>
-            <a:ext cx="2277360" cy="357120"/>
+            <a:ext cx="2276640" cy="356400"/>
           </a:xfrm>
           <a:prstGeom prst="rect">
             <a:avLst/>
@@ -38613,14 +38598,14 @@
       </p:sp>
       <p:sp>
         <p:nvSpPr>
-          <p:cNvPr id="275" name="CustomShape 4"/>
+          <p:cNvPr id="279" name="CustomShape 4"/>
           <p:cNvSpPr/>
           <p:nvPr/>
         </p:nvSpPr>
         <p:spPr>
           <a:xfrm>
             <a:off x="897120" y="6886080"/>
-            <a:ext cx="6439320" cy="357120"/>
+            <a:ext cx="6438600" cy="356400"/>
           </a:xfrm>
           <a:prstGeom prst="rect">
             <a:avLst/>
@@ -38667,7 +38652,7 @@
       </p:sp>
       <p:pic>
         <p:nvPicPr>
-          <p:cNvPr id="276" name="Imagem 257" descr=""/>
+          <p:cNvPr id="280" name="Imagem 257" descr=""/>
           <p:cNvPicPr/>
           <p:nvPr/>
         </p:nvPicPr>
@@ -38677,8 +38662,8 @@
         </p:blipFill>
         <p:spPr>
           <a:xfrm>
-            <a:off x="5235480" y="4092480"/>
-            <a:ext cx="3904200" cy="2300760"/>
+            <a:off x="5235480" y="4272480"/>
+            <a:ext cx="3903480" cy="2300040"/>
           </a:xfrm>
           <a:prstGeom prst="rect">
             <a:avLst/>
@@ -38690,7 +38675,7 @@
       </p:pic>
       <p:pic>
         <p:nvPicPr>
-          <p:cNvPr id="277" name="Imagem 258" descr=""/>
+          <p:cNvPr id="281" name="Imagem 258" descr=""/>
           <p:cNvPicPr/>
           <p:nvPr/>
         </p:nvPicPr>
@@ -38701,7 +38686,7 @@
         <p:spPr>
           <a:xfrm>
             <a:off x="5760720" y="1661040"/>
-            <a:ext cx="2793960" cy="2083680"/>
+            <a:ext cx="2793240" cy="2082960"/>
           </a:xfrm>
           <a:prstGeom prst="rect">
             <a:avLst/>
@@ -38743,14 +38728,14 @@
       </p:grpSpPr>
       <p:sp>
         <p:nvSpPr>
-          <p:cNvPr id="278" name="CustomShape 1"/>
+          <p:cNvPr id="282" name="CustomShape 1"/>
           <p:cNvSpPr/>
           <p:nvPr/>
         </p:nvSpPr>
         <p:spPr>
           <a:xfrm>
             <a:off x="360000" y="360000"/>
-            <a:ext cx="9352080" cy="892080"/>
+            <a:ext cx="9351360" cy="891360"/>
           </a:xfrm>
           <a:prstGeom prst="rect">
             <a:avLst/>
@@ -38797,14 +38782,14 @@
       </p:sp>
       <p:sp>
         <p:nvSpPr>
-          <p:cNvPr id="279" name="CustomShape 2"/>
+          <p:cNvPr id="283" name="CustomShape 2"/>
           <p:cNvSpPr/>
           <p:nvPr/>
         </p:nvSpPr>
         <p:spPr>
           <a:xfrm>
             <a:off x="360000" y="1980000"/>
-            <a:ext cx="9172080" cy="4672080"/>
+            <a:ext cx="9171360" cy="4671360"/>
           </a:xfrm>
           <a:prstGeom prst="rect">
             <a:avLst/>
@@ -39001,6 +38986,22 @@
             </a:endParaRPr>
           </a:p>
           <a:p>
+            <a:pPr>
+              <a:lnSpc>
+                <a:spcPct val="100000"/>
+              </a:lnSpc>
+              <a:spcAft>
+                <a:spcPts val="1140"/>
+              </a:spcAft>
+            </a:pPr>
+            <a:endParaRPr b="0" lang="en-US" sz="1600" spc="-1" strike="noStrike">
+              <a:solidFill>
+                <a:srgbClr val="000000"/>
+              </a:solidFill>
+              <a:latin typeface="Arial"/>
+            </a:endParaRPr>
+          </a:p>
+          <a:p>
             <a:pPr lvl="1" marL="432000" indent="-212400">
               <a:lnSpc>
                 <a:spcPct val="100000"/>
@@ -39015,28 +39016,6 @@
               <a:buFont typeface="Wingdings" charset="2"/>
               <a:buChar char=""/>
             </a:pPr>
-            <a:endParaRPr b="0" lang="en-US" sz="1600" spc="-1" strike="noStrike">
-              <a:solidFill>
-                <a:srgbClr val="000000"/>
-              </a:solidFill>
-              <a:latin typeface="Arial"/>
-            </a:endParaRPr>
-          </a:p>
-          <a:p>
-            <a:pPr lvl="1" marL="432000" indent="-212400">
-              <a:lnSpc>
-                <a:spcPct val="100000"/>
-              </a:lnSpc>
-              <a:spcAft>
-                <a:spcPts val="1140"/>
-              </a:spcAft>
-              <a:buClr>
-                <a:srgbClr val="000000"/>
-              </a:buClr>
-              <a:buSzPct val="45000"/>
-              <a:buFont typeface="Wingdings" charset="2"/>
-              <a:buChar char=""/>
-            </a:pPr>
             <a:r>
               <a:rPr b="1" lang="pt-BR" sz="1600" spc="-1" strike="noStrike">
                 <a:solidFill>
@@ -39218,14 +39197,14 @@
       </p:sp>
       <p:sp>
         <p:nvSpPr>
-          <p:cNvPr id="280" name="CustomShape 3"/>
+          <p:cNvPr id="284" name="CustomShape 3"/>
           <p:cNvSpPr/>
           <p:nvPr/>
         </p:nvSpPr>
         <p:spPr>
           <a:xfrm>
             <a:off x="7608600" y="6886080"/>
-            <a:ext cx="2277360" cy="357120"/>
+            <a:ext cx="2276640" cy="356400"/>
           </a:xfrm>
           <a:prstGeom prst="rect">
             <a:avLst/>
@@ -39272,14 +39251,14 @@
       </p:sp>
       <p:sp>
         <p:nvSpPr>
-          <p:cNvPr id="281" name="CustomShape 4"/>
+          <p:cNvPr id="285" name="CustomShape 4"/>
           <p:cNvSpPr/>
           <p:nvPr/>
         </p:nvSpPr>
         <p:spPr>
           <a:xfrm>
             <a:off x="897120" y="6886080"/>
-            <a:ext cx="6439320" cy="357120"/>
+            <a:ext cx="6438600" cy="356400"/>
           </a:xfrm>
           <a:prstGeom prst="rect">
             <a:avLst/>
@@ -39326,7 +39305,7 @@
       </p:sp>
       <p:pic>
         <p:nvPicPr>
-          <p:cNvPr id="282" name="Imagem 263" descr=""/>
+          <p:cNvPr id="286" name="Imagem 263" descr=""/>
           <p:cNvPicPr/>
           <p:nvPr/>
         </p:nvPicPr>
@@ -39337,7 +39316,7 @@
         <p:spPr>
           <a:xfrm>
             <a:off x="5414400" y="1001880"/>
-            <a:ext cx="2982600" cy="2213640"/>
+            <a:ext cx="2981880" cy="2212920"/>
           </a:xfrm>
           <a:prstGeom prst="rect">
             <a:avLst/>
@@ -39349,7 +39328,7 @@
       </p:pic>
       <p:pic>
         <p:nvPicPr>
-          <p:cNvPr id="283" name="Imagem 264" descr=""/>
+          <p:cNvPr id="287" name="Imagem 264" descr=""/>
           <p:cNvPicPr/>
           <p:nvPr/>
         </p:nvPicPr>
@@ -39360,7 +39339,7 @@
         <p:spPr>
           <a:xfrm>
             <a:off x="5253840" y="3383640"/>
-            <a:ext cx="3739680" cy="2788560"/>
+            <a:ext cx="3738960" cy="2787840"/>
           </a:xfrm>
           <a:prstGeom prst="rect">
             <a:avLst/>
@@ -39372,7 +39351,7 @@
       </p:pic>
       <p:sp>
         <p:nvSpPr>
-          <p:cNvPr id="284" name=""/>
+          <p:cNvPr id="288" name=""/>
           <p:cNvSpPr/>
           <p:nvPr/>
         </p:nvSpPr>
@@ -39414,7 +39393,7 @@
       </p:sp>
       <p:sp>
         <p:nvSpPr>
-          <p:cNvPr id="285" name=""/>
+          <p:cNvPr id="289" name=""/>
           <p:cNvSpPr/>
           <p:nvPr/>
         </p:nvSpPr>
@@ -39456,7 +39435,7 @@
       </p:sp>
       <p:sp>
         <p:nvSpPr>
-          <p:cNvPr id="286" name=""/>
+          <p:cNvPr id="290" name=""/>
           <p:cNvSpPr/>
           <p:nvPr/>
         </p:nvSpPr>
@@ -39528,14 +39507,14 @@
       </p:grpSpPr>
       <p:sp>
         <p:nvSpPr>
-          <p:cNvPr id="287" name="CustomShape 1"/>
+          <p:cNvPr id="291" name="CustomShape 1"/>
           <p:cNvSpPr/>
           <p:nvPr/>
         </p:nvSpPr>
         <p:spPr>
           <a:xfrm>
             <a:off x="360000" y="360000"/>
-            <a:ext cx="9352080" cy="892080"/>
+            <a:ext cx="9351360" cy="891360"/>
           </a:xfrm>
           <a:prstGeom prst="rect">
             <a:avLst/>
@@ -39582,14 +39561,14 @@
       </p:sp>
       <p:sp>
         <p:nvSpPr>
-          <p:cNvPr id="288" name="CustomShape 2"/>
+          <p:cNvPr id="292" name="CustomShape 2"/>
           <p:cNvSpPr/>
           <p:nvPr/>
         </p:nvSpPr>
         <p:spPr>
           <a:xfrm>
             <a:off x="180000" y="1980000"/>
-            <a:ext cx="9172080" cy="4672080"/>
+            <a:ext cx="9171360" cy="4671360"/>
           </a:xfrm>
           <a:prstGeom prst="rect">
             <a:avLst/>
@@ -40005,14 +39984,14 @@
       </p:sp>
       <p:sp>
         <p:nvSpPr>
-          <p:cNvPr id="289" name="CustomShape 3"/>
+          <p:cNvPr id="293" name="CustomShape 3"/>
           <p:cNvSpPr/>
           <p:nvPr/>
         </p:nvSpPr>
         <p:spPr>
           <a:xfrm>
             <a:off x="7608600" y="6886080"/>
-            <a:ext cx="2277360" cy="357120"/>
+            <a:ext cx="2276640" cy="356400"/>
           </a:xfrm>
           <a:prstGeom prst="rect">
             <a:avLst/>
@@ -40059,14 +40038,14 @@
       </p:sp>
       <p:sp>
         <p:nvSpPr>
-          <p:cNvPr id="290" name="CustomShape 4"/>
+          <p:cNvPr id="294" name="CustomShape 4"/>
           <p:cNvSpPr/>
           <p:nvPr/>
         </p:nvSpPr>
         <p:spPr>
           <a:xfrm>
             <a:off x="897120" y="6886080"/>
-            <a:ext cx="6439320" cy="357120"/>
+            <a:ext cx="6438600" cy="356400"/>
           </a:xfrm>
           <a:prstGeom prst="rect">
             <a:avLst/>
@@ -40113,7 +40092,7 @@
       </p:sp>
       <p:pic>
         <p:nvPicPr>
-          <p:cNvPr id="291" name="Imagem 275" descr=""/>
+          <p:cNvPr id="295" name="Imagem 275" descr=""/>
           <p:cNvPicPr/>
           <p:nvPr/>
         </p:nvPicPr>
@@ -40124,7 +40103,7 @@
         <p:spPr>
           <a:xfrm>
             <a:off x="4308480" y="1842480"/>
-            <a:ext cx="5081760" cy="1719360"/>
+            <a:ext cx="5081040" cy="1718640"/>
           </a:xfrm>
           <a:prstGeom prst="rect">
             <a:avLst/>
@@ -40136,7 +40115,7 @@
       </p:pic>
       <p:pic>
         <p:nvPicPr>
-          <p:cNvPr id="292" name="Imagem 276" descr=""/>
+          <p:cNvPr id="296" name="Imagem 276" descr=""/>
           <p:cNvPicPr/>
           <p:nvPr/>
         </p:nvPicPr>
@@ -40147,7 +40126,7 @@
         <p:spPr>
           <a:xfrm>
             <a:off x="4206240" y="4297680"/>
-            <a:ext cx="4757040" cy="1881000"/>
+            <a:ext cx="4756320" cy="1880280"/>
           </a:xfrm>
           <a:prstGeom prst="rect">
             <a:avLst/>
@@ -40189,14 +40168,14 @@
       </p:grpSpPr>
       <p:sp>
         <p:nvSpPr>
-          <p:cNvPr id="293" name="CustomShape 1"/>
+          <p:cNvPr id="297" name="CustomShape 1"/>
           <p:cNvSpPr/>
           <p:nvPr/>
         </p:nvSpPr>
         <p:spPr>
           <a:xfrm>
             <a:off x="360000" y="360000"/>
-            <a:ext cx="9352080" cy="892080"/>
+            <a:ext cx="9351360" cy="891360"/>
           </a:xfrm>
           <a:prstGeom prst="rect">
             <a:avLst/>
@@ -40243,14 +40222,14 @@
       </p:sp>
       <p:sp>
         <p:nvSpPr>
-          <p:cNvPr id="294" name="CustomShape 2"/>
+          <p:cNvPr id="298" name="CustomShape 2"/>
           <p:cNvSpPr/>
           <p:nvPr/>
         </p:nvSpPr>
         <p:spPr>
           <a:xfrm>
             <a:off x="180000" y="1980000"/>
-            <a:ext cx="9172080" cy="4672080"/>
+            <a:ext cx="9171360" cy="4671360"/>
           </a:xfrm>
           <a:prstGeom prst="rect">
             <a:avLst/>
@@ -40450,14 +40429,14 @@
       </p:sp>
       <p:sp>
         <p:nvSpPr>
-          <p:cNvPr id="295" name="CustomShape 3"/>
+          <p:cNvPr id="299" name="CustomShape 3"/>
           <p:cNvSpPr/>
           <p:nvPr/>
         </p:nvSpPr>
         <p:spPr>
           <a:xfrm>
             <a:off x="7608600" y="6886080"/>
-            <a:ext cx="2277360" cy="357120"/>
+            <a:ext cx="2276640" cy="356400"/>
           </a:xfrm>
           <a:prstGeom prst="rect">
             <a:avLst/>
@@ -40504,14 +40483,14 @@
       </p:sp>
       <p:sp>
         <p:nvSpPr>
-          <p:cNvPr id="296" name="CustomShape 4"/>
+          <p:cNvPr id="300" name="CustomShape 4"/>
           <p:cNvSpPr/>
           <p:nvPr/>
         </p:nvSpPr>
         <p:spPr>
           <a:xfrm>
             <a:off x="897120" y="6886080"/>
-            <a:ext cx="6439320" cy="357120"/>
+            <a:ext cx="6438600" cy="356400"/>
           </a:xfrm>
           <a:prstGeom prst="rect">
             <a:avLst/>
@@ -40558,7 +40537,7 @@
       </p:sp>
       <p:pic>
         <p:nvPicPr>
-          <p:cNvPr id="297" name="Imagem 281" descr=""/>
+          <p:cNvPr id="301" name="Imagem 281" descr=""/>
           <p:cNvPicPr/>
           <p:nvPr/>
         </p:nvPicPr>
@@ -40569,7 +40548,7 @@
         <p:spPr>
           <a:xfrm>
             <a:off x="6108480" y="1645920"/>
-            <a:ext cx="2574000" cy="1824480"/>
+            <a:ext cx="2573280" cy="1823760"/>
           </a:xfrm>
           <a:prstGeom prst="rect">
             <a:avLst/>
@@ -40581,7 +40560,7 @@
       </p:pic>
       <p:pic>
         <p:nvPicPr>
-          <p:cNvPr id="298" name="Imagem 2" descr=""/>
+          <p:cNvPr id="302" name="Imagem 2" descr=""/>
           <p:cNvPicPr/>
           <p:nvPr/>
         </p:nvPicPr>
@@ -40592,7 +40571,7 @@
         <p:spPr>
           <a:xfrm>
             <a:off x="313560" y="1533960"/>
-            <a:ext cx="4337280" cy="5282640"/>
+            <a:ext cx="4336560" cy="5281920"/>
           </a:xfrm>
           <a:prstGeom prst="rect">
             <a:avLst/>
@@ -40634,14 +40613,14 @@
       </p:grpSpPr>
       <p:sp>
         <p:nvSpPr>
-          <p:cNvPr id="299" name="CustomShape 1"/>
+          <p:cNvPr id="303" name="CustomShape 1"/>
           <p:cNvSpPr/>
           <p:nvPr/>
         </p:nvSpPr>
         <p:spPr>
           <a:xfrm>
             <a:off x="360000" y="360000"/>
-            <a:ext cx="9352080" cy="892080"/>
+            <a:ext cx="9351360" cy="891360"/>
           </a:xfrm>
           <a:prstGeom prst="rect">
             <a:avLst/>
@@ -40688,14 +40667,14 @@
       </p:sp>
       <p:sp>
         <p:nvSpPr>
-          <p:cNvPr id="300" name="CustomShape 2"/>
+          <p:cNvPr id="304" name="CustomShape 2"/>
           <p:cNvSpPr/>
           <p:nvPr/>
         </p:nvSpPr>
         <p:spPr>
           <a:xfrm>
             <a:off x="180000" y="1980000"/>
-            <a:ext cx="9172080" cy="4672080"/>
+            <a:ext cx="9171360" cy="4671360"/>
           </a:xfrm>
           <a:prstGeom prst="rect">
             <a:avLst/>
@@ -40895,14 +40874,14 @@
       </p:sp>
       <p:sp>
         <p:nvSpPr>
-          <p:cNvPr id="301" name="CustomShape 3"/>
+          <p:cNvPr id="305" name="CustomShape 3"/>
           <p:cNvSpPr/>
           <p:nvPr/>
         </p:nvSpPr>
         <p:spPr>
           <a:xfrm>
             <a:off x="7608600" y="6886080"/>
-            <a:ext cx="2277360" cy="357120"/>
+            <a:ext cx="2276640" cy="356400"/>
           </a:xfrm>
           <a:prstGeom prst="rect">
             <a:avLst/>
@@ -40949,14 +40928,14 @@
       </p:sp>
       <p:sp>
         <p:nvSpPr>
-          <p:cNvPr id="302" name="CustomShape 4"/>
+          <p:cNvPr id="306" name="CustomShape 4"/>
           <p:cNvSpPr/>
           <p:nvPr/>
         </p:nvSpPr>
         <p:spPr>
           <a:xfrm>
             <a:off x="897120" y="6886080"/>
-            <a:ext cx="6439320" cy="357120"/>
+            <a:ext cx="6438600" cy="356400"/>
           </a:xfrm>
           <a:prstGeom prst="rect">
             <a:avLst/>
@@ -41003,7 +40982,7 @@
       </p:sp>
       <p:pic>
         <p:nvPicPr>
-          <p:cNvPr id="303" name="Imagem 301" descr=""/>
+          <p:cNvPr id="307" name="Imagem 301" descr=""/>
           <p:cNvPicPr/>
           <p:nvPr/>
         </p:nvPicPr>
@@ -41014,7 +40993,7 @@
         <p:spPr>
           <a:xfrm>
             <a:off x="3777840" y="1747800"/>
-            <a:ext cx="6073920" cy="2759040"/>
+            <a:ext cx="6073200" cy="2758320"/>
           </a:xfrm>
           <a:prstGeom prst="rect">
             <a:avLst/>
@@ -41026,7 +41005,7 @@
       </p:pic>
       <p:pic>
         <p:nvPicPr>
-          <p:cNvPr id="304" name="Imagem 2" descr=""/>
+          <p:cNvPr id="308" name="Imagem 2" descr=""/>
           <p:cNvPicPr/>
           <p:nvPr/>
         </p:nvPicPr>
@@ -41038,7 +41017,7 @@
         <p:spPr>
           <a:xfrm>
             <a:off x="226800" y="1601640"/>
-            <a:ext cx="3414600" cy="1561680"/>
+            <a:ext cx="3413880" cy="1560960"/>
           </a:xfrm>
           <a:prstGeom prst="rect">
             <a:avLst/>
@@ -41080,14 +41059,14 @@
       </p:grpSpPr>
       <p:sp>
         <p:nvSpPr>
-          <p:cNvPr id="305" name="CustomShape 8"/>
+          <p:cNvPr id="309" name="CustomShape 8"/>
           <p:cNvSpPr/>
           <p:nvPr/>
         </p:nvSpPr>
         <p:spPr>
           <a:xfrm>
             <a:off x="360000" y="360000"/>
-            <a:ext cx="9352080" cy="892080"/>
+            <a:ext cx="9351360" cy="891360"/>
           </a:xfrm>
           <a:prstGeom prst="rect">
             <a:avLst/>
@@ -41121,37 +41100,7 @@
                 <a:latin typeface="Latin Modern Sans"/>
                 <a:ea typeface="DejaVu Sans"/>
               </a:rPr>
-              <a:t>Árvores </a:t>
-            </a:r>
-            <a:r>
-              <a:rPr b="1" lang="pt-BR" sz="3200" spc="-1" strike="noStrike">
-                <a:solidFill>
-                  <a:srgbClr val="ffffff"/>
-                </a:solidFill>
-                <a:latin typeface="Latin Modern Sans"/>
-                <a:ea typeface="DejaVu Sans"/>
-              </a:rPr>
-              <a:t>- </a:t>
-            </a:r>
-            <a:r>
-              <a:rPr b="1" lang="pt-BR" sz="3200" spc="-1" strike="noStrike">
-                <a:solidFill>
-                  <a:srgbClr val="ffffff"/>
-                </a:solidFill>
-                <a:latin typeface="Latin Modern Sans"/>
-                <a:ea typeface="DejaVu Sans"/>
-              </a:rPr>
-              <a:t>Exercíci</a:t>
-            </a:r>
-            <a:r>
-              <a:rPr b="1" lang="pt-BR" sz="3200" spc="-1" strike="noStrike">
-                <a:solidFill>
-                  <a:srgbClr val="ffffff"/>
-                </a:solidFill>
-                <a:latin typeface="Latin Modern Sans"/>
-                <a:ea typeface="DejaVu Sans"/>
-              </a:rPr>
-              <a:t>o</a:t>
+              <a:t>Árvores - Exercício</a:t>
             </a:r>
             <a:endParaRPr b="0" lang="en-US" sz="3200" spc="-1" strike="noStrike">
               <a:solidFill>
@@ -41164,14 +41113,14 @@
       </p:sp>
       <p:sp>
         <p:nvSpPr>
-          <p:cNvPr id="306" name="CustomShape 9"/>
+          <p:cNvPr id="310" name="CustomShape 9"/>
           <p:cNvSpPr/>
           <p:nvPr/>
         </p:nvSpPr>
         <p:spPr>
           <a:xfrm>
             <a:off x="180000" y="1980000"/>
-            <a:ext cx="9172080" cy="4672080"/>
+            <a:ext cx="9171360" cy="4671360"/>
           </a:xfrm>
           <a:prstGeom prst="rect">
             <a:avLst/>
@@ -41435,14 +41384,14 @@
       </p:sp>
       <p:sp>
         <p:nvSpPr>
-          <p:cNvPr id="307" name="CustomShape 10"/>
+          <p:cNvPr id="311" name="CustomShape 10"/>
           <p:cNvSpPr/>
           <p:nvPr/>
         </p:nvSpPr>
         <p:spPr>
           <a:xfrm>
             <a:off x="7608600" y="6886080"/>
-            <a:ext cx="2277360" cy="357120"/>
+            <a:ext cx="2276640" cy="356400"/>
           </a:xfrm>
           <a:prstGeom prst="rect">
             <a:avLst/>
@@ -41489,14 +41438,14 @@
       </p:sp>
       <p:sp>
         <p:nvSpPr>
-          <p:cNvPr id="308" name="CustomShape 11"/>
+          <p:cNvPr id="312" name="CustomShape 11"/>
           <p:cNvSpPr/>
           <p:nvPr/>
         </p:nvSpPr>
         <p:spPr>
           <a:xfrm>
             <a:off x="897120" y="6886080"/>
-            <a:ext cx="6439320" cy="357120"/>
+            <a:ext cx="6438600" cy="356400"/>
           </a:xfrm>
           <a:prstGeom prst="rect">
             <a:avLst/>
@@ -41543,7 +41492,7 @@
       </p:sp>
       <p:pic>
         <p:nvPicPr>
-          <p:cNvPr id="309" name="Imagem 4" descr=""/>
+          <p:cNvPr id="313" name="Imagem 4" descr=""/>
           <p:cNvPicPr/>
           <p:nvPr/>
         </p:nvPicPr>
@@ -41554,7 +41503,7 @@
         <p:spPr>
           <a:xfrm>
             <a:off x="3777840" y="1747800"/>
-            <a:ext cx="6073920" cy="2759040"/>
+            <a:ext cx="6073200" cy="2758320"/>
           </a:xfrm>
           <a:prstGeom prst="rect">
             <a:avLst/>
@@ -47632,6 +47581,184 @@
 <file path=ppt/theme/theme40.xml><?xml version="1.0" encoding="utf-8"?>
 <a:theme xmlns:a="http://schemas.openxmlformats.org/drawingml/2006/main" xmlns:r="http://schemas.openxmlformats.org/officeDocument/2006/relationships" name="Office Theme">
   <a:themeElements>
+    <a:clrScheme name="Office">
+      <a:dk1>
+        <a:srgbClr val="000000"/>
+      </a:dk1>
+      <a:lt1>
+        <a:srgbClr val="ffffff"/>
+      </a:lt1>
+      <a:dk2>
+        <a:srgbClr val="1f497d"/>
+      </a:dk2>
+      <a:lt2>
+        <a:srgbClr val="eeece1"/>
+      </a:lt2>
+      <a:accent1>
+        <a:srgbClr val="4f81bd"/>
+      </a:accent1>
+      <a:accent2>
+        <a:srgbClr val="c0504d"/>
+      </a:accent2>
+      <a:accent3>
+        <a:srgbClr val="9bbb59"/>
+      </a:accent3>
+      <a:accent4>
+        <a:srgbClr val="8064a2"/>
+      </a:accent4>
+      <a:accent5>
+        <a:srgbClr val="4bacc6"/>
+      </a:accent5>
+      <a:accent6>
+        <a:srgbClr val="f79646"/>
+      </a:accent6>
+      <a:hlink>
+        <a:srgbClr val="0000ff"/>
+      </a:hlink>
+      <a:folHlink>
+        <a:srgbClr val="800080"/>
+      </a:folHlink>
+    </a:clrScheme>
+    <a:fontScheme name="Office">
+      <a:majorFont>
+        <a:latin typeface="Arial" pitchFamily="0" charset="1"/>
+        <a:ea typeface="DejaVu Sans" pitchFamily="0" charset="1"/>
+        <a:cs typeface="DejaVu Sans" pitchFamily="0" charset="1"/>
+      </a:majorFont>
+      <a:minorFont>
+        <a:latin typeface="Arial" pitchFamily="0" charset="1"/>
+        <a:ea typeface="DejaVu Sans" pitchFamily="0" charset="1"/>
+        <a:cs typeface="DejaVu Sans" pitchFamily="0" charset="1"/>
+      </a:minorFont>
+    </a:fontScheme>
+    <a:fmtScheme>
+      <a:fillStyleLst>
+        <a:solidFill>
+          <a:schemeClr val="phClr"/>
+        </a:solidFill>
+        <a:gradFill>
+          <a:gsLst>
+            <a:gs pos="0">
+              <a:schemeClr val="phClr">
+                <a:tint val="50000"/>
+              </a:schemeClr>
+            </a:gs>
+            <a:gs pos="35000">
+              <a:schemeClr val="phClr">
+                <a:tint val="37000"/>
+              </a:schemeClr>
+            </a:gs>
+            <a:gs pos="100000">
+              <a:schemeClr val="phClr">
+                <a:tint val="15000"/>
+              </a:schemeClr>
+            </a:gs>
+          </a:gsLst>
+          <a:lin ang="16200000" scaled="1"/>
+          <a:tileRect l="0" t="0" r="0" b="0"/>
+        </a:gradFill>
+        <a:gradFill>
+          <a:gsLst>
+            <a:gs pos="0">
+              <a:schemeClr val="phClr">
+                <a:shade val="51000"/>
+              </a:schemeClr>
+            </a:gs>
+            <a:gs pos="80000">
+              <a:schemeClr val="phClr">
+                <a:shade val="93000"/>
+              </a:schemeClr>
+            </a:gs>
+            <a:gs pos="100000">
+              <a:schemeClr val="phClr">
+                <a:shade val="94000"/>
+              </a:schemeClr>
+            </a:gs>
+          </a:gsLst>
+          <a:lin ang="16200000" scaled="0"/>
+          <a:tileRect l="0" t="0" r="0" b="0"/>
+        </a:gradFill>
+      </a:fillStyleLst>
+      <a:lnStyleLst>
+        <a:ln w="9525" cap="flat" cmpd="sng" algn="ctr">
+          <a:prstDash val="solid"/>
+          <a:miter/>
+        </a:ln>
+        <a:ln w="25400" cap="flat" cmpd="sng" algn="ctr">
+          <a:prstDash val="solid"/>
+          <a:miter/>
+        </a:ln>
+        <a:ln w="38100" cap="flat" cmpd="sng" algn="ctr">
+          <a:prstDash val="solid"/>
+          <a:miter/>
+        </a:ln>
+      </a:lnStyleLst>
+      <a:effectStyleLst>
+        <a:effectStyle>
+          <a:effectLst/>
+        </a:effectStyle>
+        <a:effectStyle>
+          <a:effectLst/>
+        </a:effectStyle>
+        <a:effectStyle>
+          <a:effectLst/>
+        </a:effectStyle>
+      </a:effectStyleLst>
+      <a:bgFillStyleLst>
+        <a:solidFill>
+          <a:schemeClr val="phClr"/>
+        </a:solidFill>
+        <a:gradFill>
+          <a:gsLst>
+            <a:gs pos="0">
+              <a:schemeClr val="phClr">
+                <a:tint val="40000"/>
+              </a:schemeClr>
+            </a:gs>
+            <a:gs pos="40000">
+              <a:schemeClr val="phClr">
+                <a:tint val="45000"/>
+                <a:shade val="99000"/>
+              </a:schemeClr>
+            </a:gs>
+            <a:gs pos="100000">
+              <a:schemeClr val="phClr">
+                <a:shade val="20000"/>
+              </a:schemeClr>
+            </a:gs>
+          </a:gsLst>
+          <a:path path="circle">
+            <a:fillToRect l="50000" t="-80000" r="50000" b="180000"/>
+          </a:path>
+          <a:tileRect l="0" t="0" r="0" b="0"/>
+        </a:gradFill>
+        <a:gradFill>
+          <a:gsLst>
+            <a:gs pos="0">
+              <a:schemeClr val="phClr">
+                <a:tint val="80000"/>
+              </a:schemeClr>
+            </a:gs>
+            <a:gs pos="100000">
+              <a:schemeClr val="phClr">
+                <a:shade val="30000"/>
+              </a:schemeClr>
+            </a:gs>
+          </a:gsLst>
+          <a:path path="circle">
+            <a:fillToRect l="50000" t="50000" r="50000" b="50000"/>
+          </a:path>
+          <a:tileRect l="0" t="0" r="0" b="0"/>
+        </a:gradFill>
+      </a:bgFillStyleLst>
+    </a:fmtScheme>
+  </a:themeElements>
+</a:theme>
+</file>
+
+<file path=ppt/theme/theme41.xml><?xml version="1.0" encoding="utf-8"?>
+<a:theme xmlns:a="http://schemas.openxmlformats.org/drawingml/2006/main" xmlns:r="http://schemas.openxmlformats.org/officeDocument/2006/relationships" name="Office Theme">
+  <a:themeElements>
     <a:clrScheme name="LibreOffice">
       <a:dk1>
         <a:srgbClr val="000000"/>

--- a/DataStructuresAndAlgorithms/Lecture 04 - Trees/Aula 04 - Trees.pptx
+++ b/DataStructuresAndAlgorithms/Lecture 04 - Trees/Aula 04 - Trees.pptx
@@ -402,7 +402,7 @@
             <a:pPr indent="0" algn="r">
               <a:buNone/>
             </a:pPr>
-            <a:fld id="{C2EBD13B-1112-487A-A61F-7A6652F9DB44}" type="slidenum">
+            <a:fld id="{6D36B02A-BE84-4438-9576-1BAB49FB21A0}" type="slidenum">
               <a:rPr b="0" lang="en-US" sz="1400" spc="-1" strike="noStrike">
                 <a:solidFill>
                   <a:srgbClr val="000000"/>
@@ -32419,7 +32419,7 @@
                 <a:latin typeface="Latin Modern Sans"/>
                 <a:ea typeface="DejaVu Sans"/>
               </a:rPr>
-              <a:t>FB( ) &lt; = → he &lt; hd</a:t>
+              <a:t>FB( ) &lt; = 0 → he &lt; hd</a:t>
             </a:r>
             <a:endParaRPr b="0" lang="en-US" sz="1600" spc="-1" strike="noStrike">
               <a:solidFill>
